--- a/实验室/ConnectE/ConnectE.pptx
+++ b/实验室/ConnectE/ConnectE.pptx
@@ -8,7 +8,7 @@
     <p:sldMasterId id="2147483686" r:id="rId4"/>
   </p:sldMasterIdLst>
   <p:notesMasterIdLst>
-    <p:notesMasterId r:id="rId37"/>
+    <p:notesMasterId r:id="rId30"/>
   </p:notesMasterIdLst>
   <p:sldIdLst>
     <p:sldId id="256" r:id="rId5"/>
@@ -34,15 +34,8 @@
     <p:sldId id="1031" r:id="rId25"/>
     <p:sldId id="1000" r:id="rId26"/>
     <p:sldId id="1040" r:id="rId27"/>
-    <p:sldId id="1044" r:id="rId28"/>
-    <p:sldId id="1021" r:id="rId29"/>
-    <p:sldId id="1041" r:id="rId30"/>
-    <p:sldId id="1034" r:id="rId31"/>
-    <p:sldId id="1023" r:id="rId32"/>
-    <p:sldId id="1024" r:id="rId33"/>
-    <p:sldId id="1018" r:id="rId34"/>
-    <p:sldId id="1042" r:id="rId35"/>
-    <p:sldId id="507" r:id="rId36"/>
+    <p:sldId id="1042" r:id="rId28"/>
+    <p:sldId id="507" r:id="rId29"/>
   </p:sldIdLst>
   <p:sldSz cx="9144000" cy="6858000" type="screen4x3"/>
   <p:notesSz cx="6669088" cy="9928225"/>
@@ -3749,7 +3742,7 @@
               <a:t>FB15kET</a:t>
             </a:r>
             <a:r>
-              <a:rPr lang="zh-CN" altLang="en-US" sz="1200" u="none" kern="1200" baseline="0">
+              <a:rPr lang="zh-CN" altLang="en-US" sz="1200" u="none" kern="1200" baseline="0" dirty="0">
                 <a:solidFill>
                   <a:schemeClr val="tx1"/>
                 </a:solidFill>
@@ -3759,6 +3752,266 @@
               </a:rPr>
               <a:t>中的类型三元组对实体类型分类的贡献比较小。</a:t>
             </a:r>
+            <a:endParaRPr lang="en-US" altLang="zh-CN" sz="1200" u="none" kern="1200" baseline="0" dirty="0">
+              <a:solidFill>
+                <a:schemeClr val="tx1"/>
+              </a:solidFill>
+              <a:effectLst/>
+              <a:latin typeface="Malgun Gothic" panose="020B0503020000020004" pitchFamily="2" charset="-127"/>
+              <a:ea typeface="Malgun Gothic" panose="020B0503020000020004" pitchFamily="2" charset="-127"/>
+            </a:endParaRPr>
+          </a:p>
+          <a:p>
+            <a:pPr marL="0" marR="0" lvl="0" indent="0" algn="l" defTabSz="914400" eaLnBrk="0" fontAlgn="base" latinLnBrk="1" hangingPunct="0">
+              <a:lnSpc>
+                <a:spcPct val="100000"/>
+              </a:lnSpc>
+              <a:spcBef>
+                <a:spcPct val="30000"/>
+              </a:spcBef>
+              <a:spcAft>
+                <a:spcPct val="0"/>
+              </a:spcAft>
+              <a:buClrTx/>
+              <a:buSzTx/>
+              <a:buFontTx/>
+              <a:buNone/>
+              <a:tabLst/>
+              <a:defRPr/>
+            </a:pPr>
+            <a:r>
+              <a:rPr lang="zh-CN" altLang="en-US" sz="1200" u="none" kern="1200" baseline="0" dirty="0">
+                <a:solidFill>
+                  <a:schemeClr val="tx1"/>
+                </a:solidFill>
+                <a:effectLst/>
+                <a:latin typeface="Malgun Gothic" panose="020B0503020000020004" pitchFamily="2" charset="-127"/>
+                <a:ea typeface="Malgun Gothic" panose="020B0503020000020004" pitchFamily="2" charset="-127"/>
+              </a:rPr>
+              <a:t>这可能部分是由于</a:t>
+            </a:r>
+            <a:r>
+              <a:rPr lang="en-US" altLang="zh-CN" sz="1200" u="none" kern="1200" baseline="0" dirty="0">
+                <a:solidFill>
+                  <a:schemeClr val="tx1"/>
+                </a:solidFill>
+                <a:effectLst/>
+                <a:latin typeface="Malgun Gothic" panose="020B0503020000020004" pitchFamily="2" charset="-127"/>
+                <a:ea typeface="Malgun Gothic" panose="020B0503020000020004" pitchFamily="2" charset="-127"/>
+              </a:rPr>
+              <a:t>YAGO43k</a:t>
+            </a:r>
+            <a:r>
+              <a:rPr lang="zh-CN" altLang="en-US" sz="1200" u="none" kern="1200" baseline="0" dirty="0">
+                <a:solidFill>
+                  <a:schemeClr val="tx1"/>
+                </a:solidFill>
+                <a:effectLst/>
+                <a:latin typeface="Malgun Gothic" panose="020B0503020000020004" pitchFamily="2" charset="-127"/>
+                <a:ea typeface="Malgun Gothic" panose="020B0503020000020004" pitchFamily="2" charset="-127"/>
+              </a:rPr>
+              <a:t>关系数为</a:t>
+            </a:r>
+            <a:r>
+              <a:rPr lang="en-US" altLang="zh-CN" sz="1200" u="none" kern="1200" baseline="0" dirty="0">
+                <a:solidFill>
+                  <a:schemeClr val="tx1"/>
+                </a:solidFill>
+                <a:effectLst/>
+                <a:latin typeface="Malgun Gothic" panose="020B0503020000020004" pitchFamily="2" charset="-127"/>
+                <a:ea typeface="Malgun Gothic" panose="020B0503020000020004" pitchFamily="2" charset="-127"/>
+              </a:rPr>
+              <a:t>37</a:t>
+            </a:r>
+            <a:r>
+              <a:rPr lang="zh-CN" altLang="en-US" sz="1200" u="none" kern="1200" baseline="0" dirty="0">
+                <a:solidFill>
+                  <a:schemeClr val="tx1"/>
+                </a:solidFill>
+                <a:effectLst/>
+                <a:latin typeface="Malgun Gothic" panose="020B0503020000020004" pitchFamily="2" charset="-127"/>
+                <a:ea typeface="Malgun Gothic" panose="020B0503020000020004" pitchFamily="2" charset="-127"/>
+              </a:rPr>
+              <a:t>远小于</a:t>
+            </a:r>
+            <a:r>
+              <a:rPr lang="en-US" altLang="zh-CN" sz="1200" u="none" kern="1200" baseline="0" dirty="0">
+                <a:solidFill>
+                  <a:schemeClr val="tx1"/>
+                </a:solidFill>
+                <a:effectLst/>
+                <a:latin typeface="Malgun Gothic" panose="020B0503020000020004" pitchFamily="2" charset="-127"/>
+                <a:ea typeface="Malgun Gothic" panose="020B0503020000020004" pitchFamily="2" charset="-127"/>
+              </a:rPr>
+              <a:t>FB15k</a:t>
+            </a:r>
+            <a:r>
+              <a:rPr lang="zh-CN" altLang="en-US" sz="1200" u="none" kern="1200" baseline="0" dirty="0">
+                <a:solidFill>
+                  <a:schemeClr val="tx1"/>
+                </a:solidFill>
+                <a:effectLst/>
+                <a:latin typeface="Malgun Gothic" panose="020B0503020000020004" pitchFamily="2" charset="-127"/>
+                <a:ea typeface="Malgun Gothic" panose="020B0503020000020004" pitchFamily="2" charset="-127"/>
+              </a:rPr>
+              <a:t>的</a:t>
+            </a:r>
+            <a:r>
+              <a:rPr lang="en-US" altLang="zh-CN" sz="1200" u="none" kern="1200" baseline="0" dirty="0">
+                <a:solidFill>
+                  <a:schemeClr val="tx1"/>
+                </a:solidFill>
+                <a:effectLst/>
+                <a:latin typeface="Malgun Gothic" panose="020B0503020000020004" pitchFamily="2" charset="-127"/>
+                <a:ea typeface="Malgun Gothic" panose="020B0503020000020004" pitchFamily="2" charset="-127"/>
+              </a:rPr>
+              <a:t>1345</a:t>
+            </a:r>
+            <a:r>
+              <a:rPr lang="zh-CN" altLang="en-US" sz="1200" u="none" kern="1200" baseline="0" dirty="0">
+                <a:solidFill>
+                  <a:schemeClr val="tx1"/>
+                </a:solidFill>
+                <a:effectLst/>
+                <a:latin typeface="Malgun Gothic" panose="020B0503020000020004" pitchFamily="2" charset="-127"/>
+                <a:ea typeface="Malgun Gothic" panose="020B0503020000020004" pitchFamily="2" charset="-127"/>
+              </a:rPr>
+              <a:t>个关系，这会极大地影响类型</a:t>
+            </a:r>
+            <a:r>
+              <a:rPr lang="en-US" altLang="zh-CN" sz="1200" u="none" kern="1200" baseline="0" dirty="0">
+                <a:solidFill>
+                  <a:schemeClr val="tx1"/>
+                </a:solidFill>
+                <a:effectLst/>
+                <a:latin typeface="Malgun Gothic" panose="020B0503020000020004" pitchFamily="2" charset="-127"/>
+                <a:ea typeface="Malgun Gothic" panose="020B0503020000020004" pitchFamily="2" charset="-127"/>
+              </a:rPr>
+              <a:t>-</a:t>
+            </a:r>
+            <a:r>
+              <a:rPr lang="zh-CN" altLang="en-US" sz="1200" u="none" kern="1200" baseline="0" dirty="0">
+                <a:solidFill>
+                  <a:schemeClr val="tx1"/>
+                </a:solidFill>
+                <a:effectLst/>
+                <a:latin typeface="Malgun Gothic" panose="020B0503020000020004" pitchFamily="2" charset="-127"/>
+                <a:ea typeface="Malgun Gothic" panose="020B0503020000020004" pitchFamily="2" charset="-127"/>
+              </a:rPr>
+              <a:t>关系类型训练集的有效性。由于</a:t>
+            </a:r>
+            <a:r>
+              <a:rPr lang="en-US" altLang="zh-CN" sz="1200" u="none" kern="1200" baseline="0" dirty="0">
+                <a:solidFill>
+                  <a:schemeClr val="tx1"/>
+                </a:solidFill>
+                <a:effectLst/>
+                <a:latin typeface="Malgun Gothic" panose="020B0503020000020004" pitchFamily="2" charset="-127"/>
+                <a:ea typeface="Malgun Gothic" panose="020B0503020000020004" pitchFamily="2" charset="-127"/>
+              </a:rPr>
+              <a:t>YAGO43k</a:t>
+            </a:r>
+            <a:r>
+              <a:rPr lang="zh-CN" altLang="en-US" sz="1200" u="none" kern="1200" baseline="0" dirty="0">
+                <a:solidFill>
+                  <a:schemeClr val="tx1"/>
+                </a:solidFill>
+                <a:effectLst/>
+                <a:latin typeface="Malgun Gothic" panose="020B0503020000020004" pitchFamily="2" charset="-127"/>
+                <a:ea typeface="Malgun Gothic" panose="020B0503020000020004" pitchFamily="2" charset="-127"/>
+              </a:rPr>
+              <a:t>中关系的稀缺性，每个实体通常通过一个单一的关系与大量其他实体连接，这意味着组合模型得分函数中</a:t>
+            </a:r>
+            <a:r>
+              <a:rPr lang="en-US" altLang="zh-CN" sz="1200" u="none" kern="1200" baseline="0" dirty="0">
+                <a:solidFill>
+                  <a:schemeClr val="tx1"/>
+                </a:solidFill>
+                <a:effectLst/>
+                <a:latin typeface="Malgun Gothic" panose="020B0503020000020004" pitchFamily="2" charset="-127"/>
+                <a:ea typeface="Malgun Gothic" panose="020B0503020000020004" pitchFamily="2" charset="-127"/>
+              </a:rPr>
+              <a:t>|P|</a:t>
+            </a:r>
+            <a:r>
+              <a:rPr lang="zh-CN" altLang="en-US" sz="1200" u="none" kern="1200" baseline="0" dirty="0">
+                <a:solidFill>
+                  <a:schemeClr val="tx1"/>
+                </a:solidFill>
+                <a:effectLst/>
+                <a:latin typeface="Malgun Gothic" panose="020B0503020000020004" pitchFamily="2" charset="-127"/>
+                <a:ea typeface="Malgun Gothic" panose="020B0503020000020004" pitchFamily="2" charset="-127"/>
+              </a:rPr>
+              <a:t>和</a:t>
+            </a:r>
+            <a:r>
+              <a:rPr lang="en-US" altLang="zh-CN" sz="1200" u="none" kern="1200" baseline="0" dirty="0">
+                <a:solidFill>
+                  <a:schemeClr val="tx1"/>
+                </a:solidFill>
+                <a:effectLst/>
+                <a:latin typeface="Malgun Gothic" panose="020B0503020000020004" pitchFamily="2" charset="-127"/>
+                <a:ea typeface="Malgun Gothic" panose="020B0503020000020004" pitchFamily="2" charset="-127"/>
+              </a:rPr>
+              <a:t>|Q|</a:t>
+            </a:r>
+            <a:r>
+              <a:rPr lang="zh-CN" altLang="en-US" sz="1200" u="none" kern="1200" baseline="0" dirty="0">
+                <a:solidFill>
+                  <a:schemeClr val="tx1"/>
+                </a:solidFill>
+                <a:effectLst/>
+                <a:latin typeface="Malgun Gothic" panose="020B0503020000020004" pitchFamily="2" charset="-127"/>
+                <a:ea typeface="Malgun Gothic" panose="020B0503020000020004" pitchFamily="2" charset="-127"/>
+              </a:rPr>
+              <a:t>的量级很大。在</a:t>
+            </a:r>
+            <a:r>
+              <a:rPr lang="en-US" altLang="zh-CN" sz="1200" u="none" kern="1200" baseline="0" dirty="0">
+                <a:solidFill>
+                  <a:schemeClr val="tx1"/>
+                </a:solidFill>
+                <a:effectLst/>
+                <a:latin typeface="Malgun Gothic" panose="020B0503020000020004" pitchFamily="2" charset="-127"/>
+                <a:ea typeface="Malgun Gothic" panose="020B0503020000020004" pitchFamily="2" charset="-127"/>
+              </a:rPr>
+              <a:t>connect(E2T+TRT)(disc)</a:t>
+            </a:r>
+            <a:r>
+              <a:rPr lang="zh-CN" altLang="en-US" sz="1200" u="none" kern="1200" baseline="0" dirty="0">
+                <a:solidFill>
+                  <a:schemeClr val="tx1"/>
+                </a:solidFill>
+                <a:effectLst/>
+                <a:latin typeface="Malgun Gothic" panose="020B0503020000020004" pitchFamily="2" charset="-127"/>
+                <a:ea typeface="Malgun Gothic" panose="020B0503020000020004" pitchFamily="2" charset="-127"/>
+              </a:rPr>
+              <a:t>中取平均值后，比</a:t>
+            </a:r>
+            <a:r>
+              <a:rPr lang="en-US" altLang="zh-CN" sz="1200" u="none" kern="1200" baseline="0" dirty="0">
+                <a:solidFill>
+                  <a:schemeClr val="tx1"/>
+                </a:solidFill>
+                <a:effectLst/>
+                <a:latin typeface="Malgun Gothic" panose="020B0503020000020004" pitchFamily="2" charset="-127"/>
+                <a:ea typeface="Malgun Gothic" panose="020B0503020000020004" pitchFamily="2" charset="-127"/>
+              </a:rPr>
+              <a:t>YAGO43kET</a:t>
+            </a:r>
+            <a:r>
+              <a:rPr lang="zh-CN" altLang="en-US" sz="1200" u="none" kern="1200" baseline="0" dirty="0">
+                <a:solidFill>
+                  <a:schemeClr val="tx1"/>
+                </a:solidFill>
+                <a:effectLst/>
+                <a:latin typeface="Malgun Gothic" panose="020B0503020000020004" pitchFamily="2" charset="-127"/>
+                <a:ea typeface="Malgun Gothic" panose="020B0503020000020004" pitchFamily="2" charset="-127"/>
+              </a:rPr>
+              <a:t>上的结果更稳定且显著。</a:t>
+            </a:r>
+          </a:p>
+          <a:p>
             <a:endParaRPr lang="zh-CN" altLang="en-US" dirty="0"/>
           </a:p>
         </p:txBody>
@@ -3826,21 +4079,225 @@
           <a:lstStyle/>
           <a:p>
             <a:r>
-              <a:rPr lang="en-US" altLang="zh-CN" dirty="0"/>
-              <a:t>BLEU(https://zhuanlan.zhihu.com/p/223048748)</a:t>
-            </a:r>
-          </a:p>
-          <a:p>
-            <a:r>
-              <a:rPr lang="en-US" altLang="zh-CN" dirty="0"/>
-              <a:t>Rouge-L(https://blog.csdn.net/qq_25222361/article/details/78694617)</a:t>
-            </a:r>
-          </a:p>
-          <a:p>
-            <a:r>
-              <a:rPr lang="en-US" altLang="zh-CN" dirty="0"/>
-              <a:t>F1-score(https://blog.csdn.net/qq_14997473/article/details/82684300)</a:t>
-            </a:r>
+              <a:rPr lang="zh-CN" altLang="en-US" sz="1200" u="none" kern="1200" baseline="0" dirty="0">
+                <a:solidFill>
+                  <a:schemeClr val="tx1"/>
+                </a:solidFill>
+                <a:effectLst/>
+                <a:latin typeface="Malgun Gothic" panose="020B0503020000020004" pitchFamily="2" charset="-127"/>
+                <a:ea typeface="Malgun Gothic" panose="020B0503020000020004" pitchFamily="2" charset="-127"/>
+              </a:rPr>
+              <a:t>表</a:t>
+            </a:r>
+            <a:r>
+              <a:rPr lang="en-US" altLang="zh-CN" sz="1200" u="none" kern="1200" baseline="0" dirty="0">
+                <a:solidFill>
+                  <a:schemeClr val="tx1"/>
+                </a:solidFill>
+                <a:effectLst/>
+                <a:latin typeface="Malgun Gothic" panose="020B0503020000020004" pitchFamily="2" charset="-127"/>
+                <a:ea typeface="Malgun Gothic" panose="020B0503020000020004" pitchFamily="2" charset="-127"/>
+              </a:rPr>
+              <a:t>5</a:t>
+            </a:r>
+            <a:r>
+              <a:rPr lang="zh-CN" altLang="en-US" sz="1200" u="none" kern="1200" baseline="0" dirty="0">
+                <a:solidFill>
+                  <a:schemeClr val="tx1"/>
+                </a:solidFill>
+                <a:effectLst/>
+                <a:latin typeface="Malgun Gothic" panose="020B0503020000020004" pitchFamily="2" charset="-127"/>
+                <a:ea typeface="Malgun Gothic" panose="020B0503020000020004" pitchFamily="2" charset="-127"/>
+              </a:rPr>
+              <a:t>显示了本文的模型从</a:t>
+            </a:r>
+            <a:r>
+              <a:rPr lang="en-US" altLang="zh-CN" sz="1200" u="none" kern="1200" baseline="0" dirty="0">
+                <a:solidFill>
+                  <a:schemeClr val="tx1"/>
+                </a:solidFill>
+                <a:effectLst/>
+                <a:latin typeface="Malgun Gothic" panose="020B0503020000020004" pitchFamily="2" charset="-127"/>
+                <a:ea typeface="Malgun Gothic" panose="020B0503020000020004" pitchFamily="2" charset="-127"/>
+              </a:rPr>
+              <a:t>FB15k/ET/TRT</a:t>
+            </a:r>
+            <a:r>
+              <a:rPr lang="zh-CN" altLang="en-US" sz="1200" u="none" kern="1200" baseline="0" dirty="0">
+                <a:solidFill>
+                  <a:schemeClr val="tx1"/>
+                </a:solidFill>
+                <a:effectLst/>
+                <a:latin typeface="Malgun Gothic" panose="020B0503020000020004" pitchFamily="2" charset="-127"/>
+                <a:ea typeface="Malgun Gothic" panose="020B0503020000020004" pitchFamily="2" charset="-127"/>
+              </a:rPr>
+              <a:t>预测实体类型的例子，这证明了我们（实体的缺失实体类型可以通过它们之间的关系从其他</a:t>
+            </a:r>
+            <a:r>
+              <a:rPr lang="en-US" altLang="zh-CN" sz="1200" u="none" kern="1200" baseline="0" dirty="0">
+                <a:solidFill>
+                  <a:schemeClr val="tx1"/>
+                </a:solidFill>
+                <a:effectLst/>
+                <a:latin typeface="Malgun Gothic" panose="020B0503020000020004" pitchFamily="2" charset="-127"/>
+                <a:ea typeface="Malgun Gothic" panose="020B0503020000020004" pitchFamily="2" charset="-127"/>
+              </a:rPr>
+              <a:t>(</a:t>
+            </a:r>
+            <a:r>
+              <a:rPr lang="zh-CN" altLang="en-US" sz="1200" u="none" kern="1200" baseline="0" dirty="0">
+                <a:solidFill>
+                  <a:schemeClr val="tx1"/>
+                </a:solidFill>
+                <a:effectLst/>
+                <a:latin typeface="Malgun Gothic" panose="020B0503020000020004" pitchFamily="2" charset="-127"/>
+                <a:ea typeface="Malgun Gothic" panose="020B0503020000020004" pitchFamily="2" charset="-127"/>
+              </a:rPr>
+              <a:t>尾或头</a:t>
+            </a:r>
+            <a:r>
+              <a:rPr lang="en-US" altLang="zh-CN" sz="1200" u="none" kern="1200" baseline="0" dirty="0">
+                <a:solidFill>
+                  <a:schemeClr val="tx1"/>
+                </a:solidFill>
+                <a:effectLst/>
+                <a:latin typeface="Malgun Gothic" panose="020B0503020000020004" pitchFamily="2" charset="-127"/>
+                <a:ea typeface="Malgun Gothic" panose="020B0503020000020004" pitchFamily="2" charset="-127"/>
+              </a:rPr>
+              <a:t>)</a:t>
+            </a:r>
+            <a:r>
+              <a:rPr lang="zh-CN" altLang="en-US" sz="1200" u="none" kern="1200" baseline="0" dirty="0">
+                <a:solidFill>
+                  <a:schemeClr val="tx1"/>
+                </a:solidFill>
+                <a:effectLst/>
+                <a:latin typeface="Malgun Gothic" panose="020B0503020000020004" pitchFamily="2" charset="-127"/>
+                <a:ea typeface="Malgun Gothic" panose="020B0503020000020004" pitchFamily="2" charset="-127"/>
+              </a:rPr>
+              <a:t>实体的类型中推断出来）</a:t>
+            </a:r>
+            <a:endParaRPr lang="en-US" altLang="zh-CN" sz="1200" u="none" kern="1200" baseline="0" dirty="0">
+              <a:solidFill>
+                <a:schemeClr val="tx1"/>
+              </a:solidFill>
+              <a:effectLst/>
+              <a:latin typeface="Malgun Gothic" panose="020B0503020000020004" pitchFamily="2" charset="-127"/>
+              <a:ea typeface="Malgun Gothic" panose="020B0503020000020004" pitchFamily="2" charset="-127"/>
+            </a:endParaRPr>
+          </a:p>
+          <a:p>
+            <a:r>
+              <a:rPr lang="zh-CN" altLang="en-US" sz="1200" u="none" kern="1200" baseline="0" dirty="0">
+                <a:solidFill>
+                  <a:schemeClr val="tx1"/>
+                </a:solidFill>
+                <a:effectLst/>
+                <a:latin typeface="Malgun Gothic" panose="020B0503020000020004" pitchFamily="2" charset="-127"/>
+              </a:rPr>
+              <a:t>给定一个实体</a:t>
+            </a:r>
+            <a:r>
+              <a:rPr lang="en-US" altLang="zh-CN" sz="1200" u="none" kern="1200" baseline="0" dirty="0">
+                <a:solidFill>
+                  <a:schemeClr val="tx1"/>
+                </a:solidFill>
+                <a:effectLst/>
+                <a:latin typeface="Malgun Gothic" panose="020B0503020000020004" pitchFamily="2" charset="-127"/>
+                <a:ea typeface="Malgun Gothic" panose="020B0503020000020004" pitchFamily="2" charset="-127"/>
+              </a:rPr>
+              <a:t>Peter Berg</a:t>
+            </a:r>
+            <a:r>
+              <a:rPr lang="zh-CN" altLang="en-US" sz="1200" u="none" kern="1200" baseline="0" dirty="0">
+                <a:solidFill>
+                  <a:schemeClr val="tx1"/>
+                </a:solidFill>
+                <a:effectLst/>
+                <a:latin typeface="Malgun Gothic" panose="020B0503020000020004" pitchFamily="2" charset="-127"/>
+                <a:ea typeface="Malgun Gothic" panose="020B0503020000020004" pitchFamily="2" charset="-127"/>
+              </a:rPr>
+              <a:t>，</a:t>
+            </a:r>
+            <a:r>
+              <a:rPr lang="en-US" altLang="zh-CN" sz="1200" u="none" kern="1200" baseline="0" dirty="0">
+                <a:solidFill>
+                  <a:schemeClr val="tx1"/>
+                </a:solidFill>
+                <a:effectLst/>
+                <a:latin typeface="Malgun Gothic" panose="020B0503020000020004" pitchFamily="2" charset="-127"/>
+                <a:ea typeface="Malgun Gothic" panose="020B0503020000020004" pitchFamily="2" charset="-127"/>
+              </a:rPr>
+              <a:t>TRT</a:t>
+            </a:r>
+            <a:r>
+              <a:rPr lang="zh-CN" altLang="en-US" sz="1200" u="none" kern="1200" baseline="0" dirty="0">
+                <a:solidFill>
+                  <a:schemeClr val="tx1"/>
+                </a:solidFill>
+                <a:effectLst/>
+                <a:latin typeface="Malgun Gothic" panose="020B0503020000020004" pitchFamily="2" charset="-127"/>
+                <a:ea typeface="Malgun Gothic" panose="020B0503020000020004" pitchFamily="2" charset="-127"/>
+              </a:rPr>
+              <a:t>找到的排名第一的实体类型预测为</a:t>
+            </a:r>
+            <a:r>
+              <a:rPr lang="en-US" altLang="zh-CN" sz="1200" u="none" kern="1200" baseline="0" dirty="0">
+                <a:solidFill>
+                  <a:schemeClr val="tx1"/>
+                </a:solidFill>
+                <a:effectLst/>
+                <a:latin typeface="Malgun Gothic" panose="020B0503020000020004" pitchFamily="2" charset="-127"/>
+                <a:ea typeface="Malgun Gothic" panose="020B0503020000020004" pitchFamily="2" charset="-127"/>
+              </a:rPr>
+              <a:t>/people/person</a:t>
+            </a:r>
+            <a:r>
+              <a:rPr lang="zh-CN" altLang="en-US" sz="1200" u="none" kern="1200" baseline="0" dirty="0">
+                <a:solidFill>
+                  <a:schemeClr val="tx1"/>
+                </a:solidFill>
+                <a:effectLst/>
+                <a:latin typeface="Malgun Gothic" panose="020B0503020000020004" pitchFamily="2" charset="-127"/>
+                <a:ea typeface="Malgun Gothic" panose="020B0503020000020004" pitchFamily="2" charset="-127"/>
+              </a:rPr>
+              <a:t>，通过已经存在的实体类型</a:t>
+            </a:r>
+            <a:r>
+              <a:rPr lang="en-US" altLang="zh-CN" sz="1200" u="none" kern="1200" baseline="0" dirty="0">
+                <a:solidFill>
+                  <a:schemeClr val="tx1"/>
+                </a:solidFill>
+                <a:effectLst/>
+                <a:latin typeface="Malgun Gothic" panose="020B0503020000020004" pitchFamily="2" charset="-127"/>
+                <a:ea typeface="Malgun Gothic" panose="020B0503020000020004" pitchFamily="2" charset="-127"/>
+              </a:rPr>
+              <a:t>(New York, /location/location)</a:t>
+            </a:r>
+            <a:r>
+              <a:rPr lang="zh-CN" altLang="en-US" sz="1200" u="none" kern="1200" baseline="0" dirty="0">
+                <a:solidFill>
+                  <a:schemeClr val="tx1"/>
+                </a:solidFill>
+                <a:effectLst/>
+                <a:latin typeface="Malgun Gothic" panose="020B0503020000020004" pitchFamily="2" charset="-127"/>
+                <a:ea typeface="Malgun Gothic" panose="020B0503020000020004" pitchFamily="2" charset="-127"/>
+              </a:rPr>
+              <a:t>和他们之间的关系</a:t>
+            </a:r>
+            <a:r>
+              <a:rPr lang="en-US" altLang="zh-CN" sz="1200" u="none" kern="1200" baseline="0" dirty="0">
+                <a:solidFill>
+                  <a:schemeClr val="tx1"/>
+                </a:solidFill>
+                <a:effectLst/>
+                <a:latin typeface="Malgun Gothic" panose="020B0503020000020004" pitchFamily="2" charset="-127"/>
+                <a:ea typeface="Malgun Gothic" panose="020B0503020000020004" pitchFamily="2" charset="-127"/>
+              </a:rPr>
+              <a:t>/loc./loc./people born here</a:t>
+            </a:r>
+          </a:p>
+          <a:p>
             <a:endParaRPr lang="zh-CN" altLang="en-US" dirty="0"/>
           </a:p>
         </p:txBody>
@@ -3907,127 +4364,9 @@
           <a:bodyPr/>
           <a:lstStyle/>
           <a:p>
-            <a:r>
-              <a:rPr lang="zh-CN" altLang="en-US" sz="1200" u="none" kern="1200" baseline="0" dirty="0">
-                <a:solidFill>
-                  <a:schemeClr val="tx1"/>
-                </a:solidFill>
-                <a:effectLst/>
-                <a:latin typeface="Malgun Gothic" panose="020B0503020000020004" pitchFamily="2" charset="-127"/>
-                <a:ea typeface="Malgun Gothic" panose="020B0503020000020004" pitchFamily="2" charset="-127"/>
-              </a:rPr>
-              <a:t>基于局部子图的</a:t>
-            </a:r>
-            <a:r>
-              <a:rPr lang="en-US" altLang="zh-CN" sz="1200" u="none" kern="1200" baseline="0" dirty="0">
-                <a:solidFill>
-                  <a:schemeClr val="tx1"/>
-                </a:solidFill>
-                <a:effectLst/>
-                <a:latin typeface="Malgun Gothic" panose="020B0503020000020004" pitchFamily="2" charset="-127"/>
-                <a:ea typeface="Malgun Gothic" panose="020B0503020000020004" pitchFamily="2" charset="-127"/>
-              </a:rPr>
-              <a:t>GED</a:t>
-            </a:r>
-            <a:r>
-              <a:rPr lang="zh-CN" altLang="en-US" sz="1200" u="none" kern="1200" baseline="0" dirty="0">
-                <a:solidFill>
-                  <a:schemeClr val="tx1"/>
-                </a:solidFill>
-                <a:effectLst/>
-                <a:latin typeface="Malgun Gothic" panose="020B0503020000020004" pitchFamily="2" charset="-127"/>
-                <a:ea typeface="Malgun Gothic" panose="020B0503020000020004" pitchFamily="2" charset="-127"/>
-              </a:rPr>
-              <a:t>计算。</a:t>
-            </a:r>
-            <a:r>
-              <a:rPr lang="en-US" altLang="zh-CN" sz="1200" u="none" kern="1200" baseline="0" dirty="0">
-                <a:solidFill>
-                  <a:schemeClr val="tx1"/>
-                </a:solidFill>
-                <a:effectLst/>
-                <a:latin typeface="Malgun Gothic" panose="020B0503020000020004" pitchFamily="2" charset="-127"/>
-                <a:ea typeface="Malgun Gothic" panose="020B0503020000020004" pitchFamily="2" charset="-127"/>
-              </a:rPr>
-              <a:t>GED</a:t>
-            </a:r>
-            <a:r>
-              <a:rPr lang="zh-CN" altLang="en-US" sz="1200" u="none" kern="1200" baseline="0" dirty="0">
-                <a:solidFill>
-                  <a:schemeClr val="tx1"/>
-                </a:solidFill>
-                <a:effectLst/>
-                <a:latin typeface="Malgun Gothic" panose="020B0503020000020004" pitchFamily="2" charset="-127"/>
-                <a:ea typeface="Malgun Gothic" panose="020B0503020000020004" pitchFamily="2" charset="-127"/>
-              </a:rPr>
-              <a:t>是作为相应局部图的平均值计算的。随着局部图尺寸的增加，计算值更接近全局</a:t>
-            </a:r>
-            <a:r>
-              <a:rPr lang="en-US" altLang="zh-CN" sz="1200" u="none" kern="1200" baseline="0" dirty="0">
-                <a:solidFill>
-                  <a:schemeClr val="tx1"/>
-                </a:solidFill>
-                <a:effectLst/>
-                <a:latin typeface="Malgun Gothic" panose="020B0503020000020004" pitchFamily="2" charset="-127"/>
-                <a:ea typeface="Malgun Gothic" panose="020B0503020000020004" pitchFamily="2" charset="-127"/>
-              </a:rPr>
-              <a:t>GED</a:t>
-            </a:r>
-            <a:r>
-              <a:rPr lang="zh-CN" altLang="en-US" sz="1200" u="none" kern="1200" baseline="0" dirty="0">
-                <a:solidFill>
-                  <a:schemeClr val="tx1"/>
-                </a:solidFill>
-                <a:effectLst/>
-                <a:latin typeface="Malgun Gothic" panose="020B0503020000020004" pitchFamily="2" charset="-127"/>
-                <a:ea typeface="Malgun Gothic" panose="020B0503020000020004" pitchFamily="2" charset="-127"/>
-              </a:rPr>
-              <a:t>。在我们的实验中，由于计算成本，我们使用了由</a:t>
-            </a:r>
-            <a:r>
-              <a:rPr lang="en-US" altLang="zh-CN" sz="1200" u="none" kern="1200" baseline="0" dirty="0">
-                <a:solidFill>
-                  <a:schemeClr val="tx1"/>
-                </a:solidFill>
-                <a:effectLst/>
-                <a:latin typeface="Malgun Gothic" panose="020B0503020000020004" pitchFamily="2" charset="-127"/>
-                <a:ea typeface="Malgun Gothic" panose="020B0503020000020004" pitchFamily="2" charset="-127"/>
-              </a:rPr>
-              <a:t>10</a:t>
-            </a:r>
-            <a:r>
-              <a:rPr lang="zh-CN" altLang="en-US" sz="1200" u="none" kern="1200" baseline="0" dirty="0">
-                <a:solidFill>
-                  <a:schemeClr val="tx1"/>
-                </a:solidFill>
-                <a:effectLst/>
-                <a:latin typeface="Malgun Gothic" panose="020B0503020000020004" pitchFamily="2" charset="-127"/>
-                <a:ea typeface="Malgun Gothic" panose="020B0503020000020004" pitchFamily="2" charset="-127"/>
-              </a:rPr>
-              <a:t>条路径组成的子图。路径数量越多，</a:t>
-            </a:r>
-            <a:r>
-              <a:rPr lang="en-US" altLang="zh-CN" sz="1200" u="none" kern="1200" baseline="0" dirty="0">
-                <a:solidFill>
-                  <a:schemeClr val="tx1"/>
-                </a:solidFill>
-                <a:effectLst/>
-                <a:latin typeface="Malgun Gothic" panose="020B0503020000020004" pitchFamily="2" charset="-127"/>
-                <a:ea typeface="Malgun Gothic" panose="020B0503020000020004" pitchFamily="2" charset="-127"/>
-              </a:rPr>
-              <a:t>GED</a:t>
-            </a:r>
-            <a:r>
-              <a:rPr lang="zh-CN" altLang="en-US" sz="1200" u="none" kern="1200" baseline="0" dirty="0">
-                <a:solidFill>
-                  <a:schemeClr val="tx1"/>
-                </a:solidFill>
-                <a:effectLst/>
-                <a:latin typeface="Malgun Gothic" panose="020B0503020000020004" pitchFamily="2" charset="-127"/>
-                <a:ea typeface="Malgun Gothic" panose="020B0503020000020004" pitchFamily="2" charset="-127"/>
-              </a:rPr>
-              <a:t>的计算成本就越高。</a:t>
-            </a:r>
+            <a:pPr marL="0" indent="457200">
+              <a:buNone/>
+            </a:pPr>
             <a:endParaRPr lang="zh-CN" altLang="en-US" dirty="0"/>
           </a:p>
         </p:txBody>
@@ -4035,885 +4374,7 @@
     </p:spTree>
     <p:extLst>
       <p:ext uri="{BB962C8B-B14F-4D97-AF65-F5344CB8AC3E}">
-        <p14:creationId xmlns:p14="http://schemas.microsoft.com/office/powerpoint/2010/main" val="3392272059"/>
-      </p:ext>
-    </p:extLst>
-  </p:cSld>
-  <p:clrMapOvr>
-    <a:masterClrMapping/>
-  </p:clrMapOvr>
-</p:notes>
-</file>
-
-<file path=ppt/notesSlides/notesSlide25.xml><?xml version="1.0" encoding="utf-8"?>
-<p:notes xmlns:a="http://schemas.openxmlformats.org/drawingml/2006/main" xmlns:r="http://schemas.openxmlformats.org/officeDocument/2006/relationships" xmlns:p="http://schemas.openxmlformats.org/presentationml/2006/main">
-  <p:cSld>
-    <p:spTree>
-      <p:nvGrpSpPr>
-        <p:cNvPr id="1" name=""/>
-        <p:cNvGrpSpPr/>
-        <p:nvPr/>
-      </p:nvGrpSpPr>
-      <p:grpSpPr>
-        <a:xfrm>
-          <a:off x="0" y="0"/>
-          <a:ext cx="0" cy="0"/>
-          <a:chOff x="0" y="0"/>
-          <a:chExt cx="0" cy="0"/>
-        </a:xfrm>
-      </p:grpSpPr>
-      <p:sp>
-        <p:nvSpPr>
-          <p:cNvPr id="2" name="幻灯片图像占位符 1"/>
-          <p:cNvSpPr>
-            <a:spLocks noGrp="1" noRot="1" noChangeAspect="1"/>
-          </p:cNvSpPr>
-          <p:nvPr>
-            <p:ph type="sldImg"/>
-          </p:nvPr>
-        </p:nvSpPr>
-        <p:spPr>
-          <a:xfrm>
-            <a:off x="852488" y="744538"/>
-            <a:ext cx="4964112" cy="3722687"/>
-          </a:xfrm>
-        </p:spPr>
-      </p:sp>
-      <p:sp>
-        <p:nvSpPr>
-          <p:cNvPr id="3" name="备注占位符 2"/>
-          <p:cNvSpPr>
-            <a:spLocks noGrp="1"/>
-          </p:cNvSpPr>
-          <p:nvPr>
-            <p:ph type="body" idx="1"/>
-          </p:nvPr>
-        </p:nvSpPr>
-        <p:spPr/>
-        <p:txBody>
-          <a:bodyPr/>
-          <a:lstStyle/>
-          <a:p>
-            <a:r>
-              <a:rPr lang="zh-CN" altLang="en-US" dirty="0"/>
-              <a:t>文本到文本</a:t>
-            </a:r>
-            <a:r>
-              <a:rPr lang="en-US" altLang="zh-CN" dirty="0"/>
-              <a:t>(AA)</a:t>
-            </a:r>
-            <a:r>
-              <a:rPr lang="zh-CN" altLang="en-US" dirty="0"/>
-              <a:t>任务在各项指标上都表现良好，同时也看出不同模型的性能的差距也是很大的。但文本到路径到文本</a:t>
-            </a:r>
-            <a:r>
-              <a:rPr lang="en-US" altLang="zh-CN" dirty="0"/>
-              <a:t>(ABA)</a:t>
-            </a:r>
-            <a:r>
-              <a:rPr lang="zh-CN" altLang="en-US" dirty="0"/>
-              <a:t>任务的表现则相对差许多，说明间接路径</a:t>
-            </a:r>
-            <a:r>
-              <a:rPr lang="en-US" altLang="zh-CN" dirty="0"/>
-              <a:t>(BA)</a:t>
-            </a:r>
-            <a:r>
-              <a:rPr lang="zh-CN" altLang="en-US" dirty="0"/>
-              <a:t>到文本的跨模态的知识迁移能力仍然需要提升。</a:t>
-            </a:r>
-            <a:endParaRPr lang="en-US" altLang="zh-CN" dirty="0"/>
-          </a:p>
-        </p:txBody>
-      </p:sp>
-    </p:spTree>
-    <p:extLst>
-      <p:ext uri="{BB962C8B-B14F-4D97-AF65-F5344CB8AC3E}">
-        <p14:creationId xmlns:p14="http://schemas.microsoft.com/office/powerpoint/2010/main" val="3281377947"/>
-      </p:ext>
-    </p:extLst>
-  </p:cSld>
-  <p:clrMapOvr>
-    <a:masterClrMapping/>
-  </p:clrMapOvr>
-</p:notes>
-</file>
-
-<file path=ppt/notesSlides/notesSlide26.xml><?xml version="1.0" encoding="utf-8"?>
-<p:notes xmlns:a="http://schemas.openxmlformats.org/drawingml/2006/main" xmlns:r="http://schemas.openxmlformats.org/officeDocument/2006/relationships" xmlns:p="http://schemas.openxmlformats.org/presentationml/2006/main">
-  <p:cSld>
-    <p:spTree>
-      <p:nvGrpSpPr>
-        <p:cNvPr id="1" name=""/>
-        <p:cNvGrpSpPr/>
-        <p:nvPr/>
-      </p:nvGrpSpPr>
-      <p:grpSpPr>
-        <a:xfrm>
-          <a:off x="0" y="0"/>
-          <a:ext cx="0" cy="0"/>
-          <a:chOff x="0" y="0"/>
-          <a:chExt cx="0" cy="0"/>
-        </a:xfrm>
-      </p:grpSpPr>
-      <p:sp>
-        <p:nvSpPr>
-          <p:cNvPr id="2" name="幻灯片图像占位符 1"/>
-          <p:cNvSpPr>
-            <a:spLocks noGrp="1" noRot="1" noChangeAspect="1"/>
-          </p:cNvSpPr>
-          <p:nvPr>
-            <p:ph type="sldImg"/>
-          </p:nvPr>
-        </p:nvSpPr>
-        <p:spPr>
-          <a:xfrm>
-            <a:off x="852488" y="744538"/>
-            <a:ext cx="4964112" cy="3722687"/>
-          </a:xfrm>
-        </p:spPr>
-      </p:sp>
-      <p:sp>
-        <p:nvSpPr>
-          <p:cNvPr id="3" name="备注占位符 2"/>
-          <p:cNvSpPr>
-            <a:spLocks noGrp="1"/>
-          </p:cNvSpPr>
-          <p:nvPr>
-            <p:ph type="body" idx="1"/>
-          </p:nvPr>
-        </p:nvSpPr>
-        <p:spPr/>
-        <p:txBody>
-          <a:bodyPr/>
-          <a:lstStyle/>
-          <a:p>
-            <a:r>
-              <a:rPr lang="zh-CN" altLang="en-US" sz="1200" u="none" kern="1200" baseline="0" dirty="0">
-                <a:solidFill>
-                  <a:schemeClr val="tx1"/>
-                </a:solidFill>
-                <a:effectLst/>
-                <a:latin typeface="Malgun Gothic" panose="020B0503020000020004" pitchFamily="2" charset="-127"/>
-                <a:ea typeface="Malgun Gothic" panose="020B0503020000020004" pitchFamily="2" charset="-127"/>
-              </a:rPr>
-              <a:t>从路径生成句子是另一个重要的任务。</a:t>
-            </a:r>
-            <a:endParaRPr lang="en-US" altLang="zh-CN" sz="1200" u="none" kern="1200" baseline="0" dirty="0">
-              <a:solidFill>
-                <a:schemeClr val="tx1"/>
-              </a:solidFill>
-              <a:effectLst/>
-              <a:latin typeface="Malgun Gothic" panose="020B0503020000020004" pitchFamily="2" charset="-127"/>
-              <a:ea typeface="Malgun Gothic" panose="020B0503020000020004" pitchFamily="2" charset="-127"/>
-            </a:endParaRPr>
-          </a:p>
-          <a:p>
-            <a:r>
-              <a:rPr lang="zh-CN" altLang="en-US" dirty="0"/>
-              <a:t>对比</a:t>
-            </a:r>
-            <a:r>
-              <a:rPr lang="en-US" altLang="zh-CN" dirty="0"/>
-              <a:t>ABA</a:t>
-            </a:r>
-            <a:r>
-              <a:rPr lang="zh-CN" altLang="en-US" dirty="0"/>
-              <a:t>和</a:t>
-            </a:r>
-            <a:r>
-              <a:rPr lang="en-US" altLang="zh-CN" dirty="0"/>
-              <a:t>BA</a:t>
-            </a:r>
-            <a:r>
-              <a:rPr lang="zh-CN" altLang="en-US" dirty="0"/>
-              <a:t>的结果，可以看出</a:t>
-            </a:r>
-            <a:r>
-              <a:rPr lang="en-US" altLang="zh-CN" dirty="0"/>
-              <a:t>ABA</a:t>
-            </a:r>
-            <a:r>
-              <a:rPr lang="zh-CN" altLang="en-US" dirty="0"/>
-              <a:t>的整体效果是要优于</a:t>
-            </a:r>
-            <a:r>
-              <a:rPr lang="en-US" altLang="zh-CN" dirty="0"/>
-              <a:t>BA</a:t>
-            </a:r>
-            <a:r>
-              <a:rPr lang="zh-CN" altLang="en-US" dirty="0"/>
-              <a:t>，说明直接将路径转换为文本的效果其实还有待提升的。</a:t>
-            </a:r>
-            <a:endParaRPr lang="en-US" altLang="zh-CN" dirty="0"/>
-          </a:p>
-          <a:p>
-            <a:pPr marL="0" marR="0" lvl="0" indent="0" algn="l" defTabSz="914400" eaLnBrk="0" fontAlgn="base" latinLnBrk="1" hangingPunct="0">
-              <a:lnSpc>
-                <a:spcPct val="100000"/>
-              </a:lnSpc>
-              <a:spcBef>
-                <a:spcPct val="30000"/>
-              </a:spcBef>
-              <a:spcAft>
-                <a:spcPct val="0"/>
-              </a:spcAft>
-              <a:buClrTx/>
-              <a:buSzTx/>
-              <a:buFontTx/>
-              <a:buNone/>
-              <a:tabLst/>
-              <a:defRPr/>
-            </a:pPr>
-            <a:r>
-              <a:rPr lang="zh-CN" altLang="en-US" dirty="0"/>
-              <a:t>上表中报告了两种模型选择的方式，原来的模型是基于</a:t>
-            </a:r>
-            <a:r>
-              <a:rPr lang="en-US" altLang="zh-CN" dirty="0"/>
-              <a:t>Best MRR</a:t>
-            </a:r>
-            <a:r>
-              <a:rPr lang="zh-CN" altLang="en-US" dirty="0"/>
-              <a:t>选择的，星号的模型是基于</a:t>
-            </a:r>
-            <a:r>
-              <a:rPr lang="en-US" altLang="zh-CN" dirty="0"/>
-              <a:t>Best BLEU2</a:t>
-            </a:r>
-            <a:r>
-              <a:rPr lang="zh-CN" altLang="en-US" dirty="0"/>
-              <a:t>选择的</a:t>
-            </a:r>
-          </a:p>
-        </p:txBody>
-      </p:sp>
-    </p:spTree>
-    <p:extLst>
-      <p:ext uri="{BB962C8B-B14F-4D97-AF65-F5344CB8AC3E}">
-        <p14:creationId xmlns:p14="http://schemas.microsoft.com/office/powerpoint/2010/main" val="2017151083"/>
-      </p:ext>
-    </p:extLst>
-  </p:cSld>
-  <p:clrMapOvr>
-    <a:masterClrMapping/>
-  </p:clrMapOvr>
-</p:notes>
-</file>
-
-<file path=ppt/notesSlides/notesSlide27.xml><?xml version="1.0" encoding="utf-8"?>
-<p:notes xmlns:a="http://schemas.openxmlformats.org/drawingml/2006/main" xmlns:r="http://schemas.openxmlformats.org/officeDocument/2006/relationships" xmlns:p="http://schemas.openxmlformats.org/presentationml/2006/main">
-  <p:cSld>
-    <p:spTree>
-      <p:nvGrpSpPr>
-        <p:cNvPr id="1" name=""/>
-        <p:cNvGrpSpPr/>
-        <p:nvPr/>
-      </p:nvGrpSpPr>
-      <p:grpSpPr>
-        <a:xfrm>
-          <a:off x="0" y="0"/>
-          <a:ext cx="0" cy="0"/>
-          <a:chOff x="0" y="0"/>
-          <a:chExt cx="0" cy="0"/>
-        </a:xfrm>
-      </p:grpSpPr>
-      <p:sp>
-        <p:nvSpPr>
-          <p:cNvPr id="2" name="幻灯片图像占位符 1"/>
-          <p:cNvSpPr>
-            <a:spLocks noGrp="1" noRot="1" noChangeAspect="1"/>
-          </p:cNvSpPr>
-          <p:nvPr>
-            <p:ph type="sldImg"/>
-          </p:nvPr>
-        </p:nvSpPr>
-        <p:spPr>
-          <a:xfrm>
-            <a:off x="852488" y="744538"/>
-            <a:ext cx="4964112" cy="3722687"/>
-          </a:xfrm>
-        </p:spPr>
-      </p:sp>
-      <p:sp>
-        <p:nvSpPr>
-          <p:cNvPr id="3" name="备注占位符 2"/>
-          <p:cNvSpPr>
-            <a:spLocks noGrp="1"/>
-          </p:cNvSpPr>
-          <p:nvPr>
-            <p:ph type="body" idx="1"/>
-          </p:nvPr>
-        </p:nvSpPr>
-        <p:spPr/>
-        <p:txBody>
-          <a:bodyPr/>
-          <a:lstStyle/>
-          <a:p>
-            <a:r>
-              <a:rPr lang="zh-CN" altLang="en-US" sz="1200" u="none" kern="1200" baseline="0" dirty="0">
-                <a:solidFill>
-                  <a:schemeClr val="tx1"/>
-                </a:solidFill>
-                <a:effectLst/>
-                <a:latin typeface="Malgun Gothic" panose="020B0503020000020004" pitchFamily="2" charset="-127"/>
-                <a:ea typeface="Malgun Gothic" panose="020B0503020000020004" pitchFamily="2" charset="-127"/>
-              </a:rPr>
-              <a:t>针对</a:t>
-            </a:r>
-            <a:r>
-              <a:rPr lang="en-US" altLang="zh-CN" sz="1200" u="none" kern="1200" baseline="0" dirty="0">
-                <a:solidFill>
-                  <a:schemeClr val="tx1"/>
-                </a:solidFill>
-                <a:effectLst/>
-                <a:latin typeface="Malgun Gothic" panose="020B0503020000020004" pitchFamily="2" charset="-127"/>
-                <a:ea typeface="Malgun Gothic" panose="020B0503020000020004" pitchFamily="2" charset="-127"/>
-              </a:rPr>
-              <a:t>MRR</a:t>
-            </a:r>
-            <a:r>
-              <a:rPr lang="zh-CN" altLang="en-US" sz="1200" u="none" kern="1200" baseline="0" dirty="0">
-                <a:solidFill>
-                  <a:schemeClr val="tx1"/>
-                </a:solidFill>
-                <a:effectLst/>
-                <a:latin typeface="Malgun Gothic" panose="020B0503020000020004" pitchFamily="2" charset="-127"/>
-                <a:ea typeface="Malgun Gothic" panose="020B0503020000020004" pitchFamily="2" charset="-127"/>
-              </a:rPr>
-              <a:t>、</a:t>
-            </a:r>
-            <a:r>
-              <a:rPr lang="en-US" altLang="zh-CN" sz="1200" u="none" kern="1200" baseline="0" dirty="0">
-                <a:solidFill>
-                  <a:schemeClr val="tx1"/>
-                </a:solidFill>
-                <a:effectLst/>
-                <a:latin typeface="Malgun Gothic" panose="020B0503020000020004" pitchFamily="2" charset="-127"/>
-                <a:ea typeface="Malgun Gothic" panose="020B0503020000020004" pitchFamily="2" charset="-127"/>
-              </a:rPr>
-              <a:t>HITS</a:t>
-            </a:r>
-            <a:r>
-              <a:rPr lang="zh-CN" altLang="en-US" sz="1200" u="none" kern="1200" baseline="0" dirty="0">
-                <a:solidFill>
-                  <a:schemeClr val="tx1"/>
-                </a:solidFill>
-                <a:effectLst/>
-                <a:latin typeface="Malgun Gothic" panose="020B0503020000020004" pitchFamily="2" charset="-127"/>
-                <a:ea typeface="Malgun Gothic" panose="020B0503020000020004" pitchFamily="2" charset="-127"/>
-              </a:rPr>
-              <a:t>和</a:t>
-            </a:r>
-            <a:r>
-              <a:rPr lang="en-US" altLang="zh-CN" sz="1200" u="none" kern="1200" baseline="0" dirty="0">
-                <a:solidFill>
-                  <a:schemeClr val="tx1"/>
-                </a:solidFill>
-                <a:effectLst/>
-                <a:latin typeface="Malgun Gothic" panose="020B0503020000020004" pitchFamily="2" charset="-127"/>
-                <a:ea typeface="Malgun Gothic" panose="020B0503020000020004" pitchFamily="2" charset="-127"/>
-              </a:rPr>
-              <a:t>GED</a:t>
-            </a:r>
-            <a:r>
-              <a:rPr lang="zh-CN" altLang="en-US" sz="1200" u="none" kern="1200" baseline="0" dirty="0">
-                <a:solidFill>
-                  <a:schemeClr val="tx1"/>
-                </a:solidFill>
-                <a:effectLst/>
-                <a:latin typeface="Malgun Gothic" panose="020B0503020000020004" pitchFamily="2" charset="-127"/>
-                <a:ea typeface="Malgun Gothic" panose="020B0503020000020004" pitchFamily="2" charset="-127"/>
-              </a:rPr>
-              <a:t>指标的</a:t>
-            </a:r>
-            <a:r>
-              <a:rPr lang="en-US" altLang="zh-CN" sz="1200" u="none" kern="1200" baseline="0" dirty="0" err="1">
-                <a:solidFill>
-                  <a:schemeClr val="tx1"/>
-                </a:solidFill>
-                <a:effectLst/>
-                <a:latin typeface="Malgun Gothic" panose="020B0503020000020004" pitchFamily="2" charset="-127"/>
-                <a:ea typeface="Malgun Gothic" panose="020B0503020000020004" pitchFamily="2" charset="-127"/>
-              </a:rPr>
-              <a:t>ConceptNet</a:t>
-            </a:r>
-            <a:r>
-              <a:rPr lang="zh-CN" altLang="en-US" sz="1200" u="none" kern="1200" baseline="0" dirty="0">
-                <a:solidFill>
-                  <a:schemeClr val="tx1"/>
-                </a:solidFill>
-                <a:effectLst/>
-                <a:latin typeface="Malgun Gothic" panose="020B0503020000020004" pitchFamily="2" charset="-127"/>
-                <a:ea typeface="Malgun Gothic" panose="020B0503020000020004" pitchFamily="2" charset="-127"/>
-              </a:rPr>
-              <a:t>测试集的常规和生成性知识库完成结果。</a:t>
-            </a:r>
-            <a:endParaRPr lang="en-US" altLang="zh-CN" sz="1200" u="none" kern="1200" baseline="0" dirty="0">
-              <a:solidFill>
-                <a:schemeClr val="tx1"/>
-              </a:solidFill>
-              <a:effectLst/>
-              <a:latin typeface="Malgun Gothic" panose="020B0503020000020004" pitchFamily="2" charset="-127"/>
-              <a:ea typeface="Malgun Gothic" panose="020B0503020000020004" pitchFamily="2" charset="-127"/>
-            </a:endParaRPr>
-          </a:p>
-          <a:p>
-            <a:r>
-              <a:rPr lang="zh-CN" altLang="en-US" dirty="0"/>
-              <a:t>上表中报告了两种模型选择的方式，蓝框的模型是基于</a:t>
-            </a:r>
-            <a:r>
-              <a:rPr lang="en-US" altLang="zh-CN" dirty="0"/>
-              <a:t>Best MRR</a:t>
-            </a:r>
-            <a:r>
-              <a:rPr lang="zh-CN" altLang="en-US" dirty="0"/>
-              <a:t>选择的，红框模型是基于</a:t>
-            </a:r>
-            <a:r>
-              <a:rPr lang="en-US" altLang="zh-CN" dirty="0"/>
-              <a:t>Best BLEU2</a:t>
-            </a:r>
-            <a:r>
-              <a:rPr lang="zh-CN" altLang="en-US" dirty="0"/>
-              <a:t>选择的，明显蓝框中的模型效果更好。</a:t>
-            </a:r>
-            <a:endParaRPr lang="en-US" altLang="zh-CN" dirty="0"/>
-          </a:p>
-          <a:p>
-            <a:r>
-              <a:rPr lang="zh-CN" altLang="en-US" dirty="0"/>
-              <a:t>此处无法得出结论哪个模型是最好的，不同的框架选择、不同的选择指标、不同的监督比例（</a:t>
-            </a:r>
-            <a:r>
-              <a:rPr lang="en-US" altLang="zh-CN" dirty="0"/>
-              <a:t>ρ) </a:t>
-            </a:r>
-            <a:r>
-              <a:rPr lang="zh-CN" altLang="en-US" dirty="0"/>
-              <a:t>导致的结论都不相同。但可以得出结论的是</a:t>
-            </a:r>
-            <a:r>
-              <a:rPr lang="en-US" altLang="zh-CN" dirty="0" err="1"/>
-              <a:t>DualTKB</a:t>
-            </a:r>
-            <a:r>
-              <a:rPr lang="zh-CN" altLang="en-US" dirty="0"/>
-              <a:t>训练的模型的整体性能是相对稳定的，并且可以找到若干模型的性能比之前模型更好。</a:t>
-            </a:r>
-          </a:p>
-        </p:txBody>
-      </p:sp>
-    </p:spTree>
-    <p:extLst>
-      <p:ext uri="{BB962C8B-B14F-4D97-AF65-F5344CB8AC3E}">
-        <p14:creationId xmlns:p14="http://schemas.microsoft.com/office/powerpoint/2010/main" val="1373624462"/>
-      </p:ext>
-    </p:extLst>
-  </p:cSld>
-  <p:clrMapOvr>
-    <a:masterClrMapping/>
-  </p:clrMapOvr>
-</p:notes>
-</file>
-
-<file path=ppt/notesSlides/notesSlide28.xml><?xml version="1.0" encoding="utf-8"?>
-<p:notes xmlns:a="http://schemas.openxmlformats.org/drawingml/2006/main" xmlns:r="http://schemas.openxmlformats.org/officeDocument/2006/relationships" xmlns:p="http://schemas.openxmlformats.org/presentationml/2006/main">
-  <p:cSld>
-    <p:spTree>
-      <p:nvGrpSpPr>
-        <p:cNvPr id="1" name=""/>
-        <p:cNvGrpSpPr/>
-        <p:nvPr/>
-      </p:nvGrpSpPr>
-      <p:grpSpPr>
-        <a:xfrm>
-          <a:off x="0" y="0"/>
-          <a:ext cx="0" cy="0"/>
-          <a:chOff x="0" y="0"/>
-          <a:chExt cx="0" cy="0"/>
-        </a:xfrm>
-      </p:grpSpPr>
-      <p:sp>
-        <p:nvSpPr>
-          <p:cNvPr id="2" name="幻灯片图像占位符 1"/>
-          <p:cNvSpPr>
-            <a:spLocks noGrp="1" noRot="1" noChangeAspect="1"/>
-          </p:cNvSpPr>
-          <p:nvPr>
-            <p:ph type="sldImg"/>
-          </p:nvPr>
-        </p:nvSpPr>
-        <p:spPr>
-          <a:xfrm>
-            <a:off x="852488" y="744538"/>
-            <a:ext cx="4964112" cy="3722687"/>
-          </a:xfrm>
-        </p:spPr>
-      </p:sp>
-      <p:sp>
-        <p:nvSpPr>
-          <p:cNvPr id="3" name="备注占位符 2"/>
-          <p:cNvSpPr>
-            <a:spLocks noGrp="1"/>
-          </p:cNvSpPr>
-          <p:nvPr>
-            <p:ph type="body" idx="1"/>
-          </p:nvPr>
-        </p:nvSpPr>
-        <p:spPr/>
-        <p:txBody>
-          <a:bodyPr/>
-          <a:lstStyle/>
-          <a:p>
-            <a:r>
-              <a:rPr lang="en-US" altLang="zh-CN" dirty="0"/>
-              <a:t>LBT</a:t>
-            </a:r>
-            <a:r>
-              <a:rPr lang="zh-CN" altLang="en-US" dirty="0"/>
-              <a:t>对</a:t>
-            </a:r>
-            <a:r>
-              <a:rPr lang="en-US" altLang="zh-CN" dirty="0"/>
-              <a:t>GRU-GRU</a:t>
-            </a:r>
-            <a:r>
-              <a:rPr lang="zh-CN" altLang="en-US" dirty="0"/>
-              <a:t>模型较有价值，弱监督</a:t>
-            </a:r>
-            <a:r>
-              <a:rPr lang="en-US" altLang="zh-CN" dirty="0"/>
-              <a:t>LSUP</a:t>
-            </a:r>
-            <a:r>
-              <a:rPr lang="zh-CN" altLang="en-US" dirty="0"/>
-              <a:t>对</a:t>
-            </a:r>
-            <a:r>
-              <a:rPr lang="en-US" altLang="zh-CN" dirty="0"/>
-              <a:t>Trans-Trans</a:t>
-            </a:r>
-            <a:r>
-              <a:rPr lang="zh-CN" altLang="en-US" dirty="0"/>
-              <a:t>模型更重要</a:t>
-            </a:r>
-            <a:endParaRPr lang="en-US" altLang="zh-CN" dirty="0"/>
-          </a:p>
-          <a:p>
-            <a:pPr marL="0" marR="0" lvl="0" indent="0" algn="l" defTabSz="914400" eaLnBrk="0" fontAlgn="base" latinLnBrk="1" hangingPunct="0">
-              <a:lnSpc>
-                <a:spcPct val="100000"/>
-              </a:lnSpc>
-              <a:spcBef>
-                <a:spcPct val="30000"/>
-              </a:spcBef>
-              <a:spcAft>
-                <a:spcPct val="0"/>
-              </a:spcAft>
-              <a:buClrTx/>
-              <a:buSzTx/>
-              <a:buFontTx/>
-              <a:buNone/>
-              <a:tabLst/>
-              <a:defRPr/>
-            </a:pPr>
-            <a:r>
-              <a:rPr lang="zh-CN" altLang="en-US" sz="1200" u="none" kern="1200" baseline="0" dirty="0">
-                <a:solidFill>
-                  <a:schemeClr val="tx1"/>
-                </a:solidFill>
-                <a:effectLst/>
-                <a:latin typeface="Malgun Gothic" panose="020B0503020000020004" pitchFamily="2" charset="-127"/>
-                <a:ea typeface="Malgun Gothic" panose="020B0503020000020004" pitchFamily="2" charset="-127"/>
-              </a:rPr>
-              <a:t>另一个有趣的结论是，虽然</a:t>
-            </a:r>
-            <a:r>
-              <a:rPr lang="en-US" altLang="zh-CN" sz="1200" u="none" kern="1200" baseline="0" dirty="0">
-                <a:solidFill>
-                  <a:schemeClr val="tx1"/>
-                </a:solidFill>
-                <a:effectLst/>
-                <a:latin typeface="Malgun Gothic" panose="020B0503020000020004" pitchFamily="2" charset="-127"/>
-                <a:ea typeface="Malgun Gothic" panose="020B0503020000020004" pitchFamily="2" charset="-127"/>
-              </a:rPr>
-              <a:t>LSUP</a:t>
-            </a:r>
-            <a:r>
-              <a:rPr lang="zh-CN" altLang="en-US" sz="1200" u="none" kern="1200" baseline="0" dirty="0">
-                <a:solidFill>
-                  <a:schemeClr val="tx1"/>
-                </a:solidFill>
-                <a:effectLst/>
-                <a:latin typeface="Malgun Gothic" panose="020B0503020000020004" pitchFamily="2" charset="-127"/>
-                <a:ea typeface="Malgun Gothic" panose="020B0503020000020004" pitchFamily="2" charset="-127"/>
-              </a:rPr>
-              <a:t>显性地</a:t>
-            </a:r>
-            <a:r>
-              <a:rPr lang="en-US" altLang="zh-CN" sz="1200" u="none" kern="1200" baseline="0" dirty="0">
-                <a:solidFill>
-                  <a:schemeClr val="tx1"/>
-                </a:solidFill>
-                <a:effectLst/>
-                <a:latin typeface="Malgun Gothic" panose="020B0503020000020004" pitchFamily="2" charset="-127"/>
-                <a:ea typeface="Malgun Gothic" panose="020B0503020000020004" pitchFamily="2" charset="-127"/>
-              </a:rPr>
-              <a:t>LBT</a:t>
-            </a:r>
-            <a:r>
-              <a:rPr lang="zh-CN" altLang="en-US" sz="1200" u="none" kern="1200" baseline="0" dirty="0">
-                <a:solidFill>
-                  <a:schemeClr val="tx1"/>
-                </a:solidFill>
-                <a:effectLst/>
-                <a:latin typeface="Malgun Gothic" panose="020B0503020000020004" pitchFamily="2" charset="-127"/>
-                <a:ea typeface="Malgun Gothic" panose="020B0503020000020004" pitchFamily="2" charset="-127"/>
-              </a:rPr>
-              <a:t>隐性地都控制传输质量</a:t>
-            </a:r>
-            <a:r>
-              <a:rPr lang="en-US" altLang="zh-CN" sz="1200" u="none" kern="1200" baseline="0" dirty="0">
-                <a:solidFill>
-                  <a:schemeClr val="tx1"/>
-                </a:solidFill>
-                <a:effectLst/>
-                <a:latin typeface="Malgun Gothic" panose="020B0503020000020004" pitchFamily="2" charset="-127"/>
-                <a:ea typeface="Malgun Gothic" panose="020B0503020000020004" pitchFamily="2" charset="-127"/>
-              </a:rPr>
-              <a:t>(TAB</a:t>
-            </a:r>
-            <a:r>
-              <a:rPr lang="zh-CN" altLang="en-US" sz="1200" u="none" kern="1200" baseline="0" dirty="0">
-                <a:solidFill>
-                  <a:schemeClr val="tx1"/>
-                </a:solidFill>
-                <a:effectLst/>
-                <a:latin typeface="Malgun Gothic" panose="020B0503020000020004" pitchFamily="2" charset="-127"/>
-                <a:ea typeface="Malgun Gothic" panose="020B0503020000020004" pitchFamily="2" charset="-127"/>
-              </a:rPr>
-              <a:t>和</a:t>
-            </a:r>
-            <a:r>
-              <a:rPr lang="en-US" altLang="zh-CN" sz="1200" u="none" kern="1200" baseline="0" dirty="0">
-                <a:solidFill>
-                  <a:schemeClr val="tx1"/>
-                </a:solidFill>
-                <a:effectLst/>
-                <a:latin typeface="Malgun Gothic" panose="020B0503020000020004" pitchFamily="2" charset="-127"/>
-                <a:ea typeface="Malgun Gothic" panose="020B0503020000020004" pitchFamily="2" charset="-127"/>
-              </a:rPr>
-              <a:t>TBA)</a:t>
-            </a:r>
-            <a:r>
-              <a:rPr lang="zh-CN" altLang="en-US" sz="1200" u="none" kern="1200" baseline="0" dirty="0">
-                <a:solidFill>
-                  <a:schemeClr val="tx1"/>
-                </a:solidFill>
-                <a:effectLst/>
-                <a:latin typeface="Malgun Gothic" panose="020B0503020000020004" pitchFamily="2" charset="-127"/>
-                <a:ea typeface="Malgun Gothic" panose="020B0503020000020004" pitchFamily="2" charset="-127"/>
-              </a:rPr>
-              <a:t>，但它们仍然是相互补充的，即在相同的损失下使用两者仍然有好处。</a:t>
-            </a:r>
-          </a:p>
-          <a:p>
-            <a:endParaRPr lang="zh-CN" altLang="en-US" dirty="0"/>
-          </a:p>
-        </p:txBody>
-      </p:sp>
-    </p:spTree>
-    <p:extLst>
-      <p:ext uri="{BB962C8B-B14F-4D97-AF65-F5344CB8AC3E}">
-        <p14:creationId xmlns:p14="http://schemas.microsoft.com/office/powerpoint/2010/main" val="460695498"/>
-      </p:ext>
-    </p:extLst>
-  </p:cSld>
-  <p:clrMapOvr>
-    <a:masterClrMapping/>
-  </p:clrMapOvr>
-</p:notes>
-</file>
-
-<file path=ppt/notesSlides/notesSlide29.xml><?xml version="1.0" encoding="utf-8"?>
-<p:notes xmlns:a="http://schemas.openxmlformats.org/drawingml/2006/main" xmlns:r="http://schemas.openxmlformats.org/officeDocument/2006/relationships" xmlns:p="http://schemas.openxmlformats.org/presentationml/2006/main">
-  <p:cSld>
-    <p:spTree>
-      <p:nvGrpSpPr>
-        <p:cNvPr id="1" name=""/>
-        <p:cNvGrpSpPr/>
-        <p:nvPr/>
-      </p:nvGrpSpPr>
-      <p:grpSpPr>
-        <a:xfrm>
-          <a:off x="0" y="0"/>
-          <a:ext cx="0" cy="0"/>
-          <a:chOff x="0" y="0"/>
-          <a:chExt cx="0" cy="0"/>
-        </a:xfrm>
-      </p:grpSpPr>
-      <p:sp>
-        <p:nvSpPr>
-          <p:cNvPr id="2" name="幻灯片图像占位符 1"/>
-          <p:cNvSpPr>
-            <a:spLocks noGrp="1" noRot="1" noChangeAspect="1"/>
-          </p:cNvSpPr>
-          <p:nvPr>
-            <p:ph type="sldImg"/>
-          </p:nvPr>
-        </p:nvSpPr>
-        <p:spPr>
-          <a:xfrm>
-            <a:off x="852488" y="744538"/>
-            <a:ext cx="4964112" cy="3722687"/>
-          </a:xfrm>
-        </p:spPr>
-      </p:sp>
-      <p:sp>
-        <p:nvSpPr>
-          <p:cNvPr id="3" name="备注占位符 2"/>
-          <p:cNvSpPr>
-            <a:spLocks noGrp="1"/>
-          </p:cNvSpPr>
-          <p:nvPr>
-            <p:ph type="body" idx="1"/>
-          </p:nvPr>
-        </p:nvSpPr>
-        <p:spPr/>
-        <p:txBody>
-          <a:bodyPr/>
-          <a:lstStyle/>
-          <a:p>
-            <a:r>
-              <a:rPr lang="zh-CN" altLang="en-US" sz="1200" u="none" kern="1200" baseline="0" dirty="0">
-                <a:solidFill>
-                  <a:schemeClr val="tx1"/>
-                </a:solidFill>
-                <a:effectLst/>
-                <a:latin typeface="Malgun Gothic" panose="020B0503020000020004" pitchFamily="2" charset="-127"/>
-                <a:ea typeface="Malgun Gothic" panose="020B0503020000020004" pitchFamily="2" charset="-127"/>
-              </a:rPr>
-              <a:t>弱监管对模型性能的影响如图</a:t>
-            </a:r>
-            <a:r>
-              <a:rPr lang="en-US" altLang="zh-CN" sz="1200" u="none" kern="1200" baseline="0" dirty="0">
-                <a:solidFill>
-                  <a:schemeClr val="tx1"/>
-                </a:solidFill>
-                <a:effectLst/>
-                <a:latin typeface="Malgun Gothic" panose="020B0503020000020004" pitchFamily="2" charset="-127"/>
-                <a:ea typeface="Malgun Gothic" panose="020B0503020000020004" pitchFamily="2" charset="-127"/>
-              </a:rPr>
-              <a:t>5</a:t>
-            </a:r>
-            <a:r>
-              <a:rPr lang="zh-CN" altLang="en-US" sz="1200" u="none" kern="1200" baseline="0" dirty="0">
-                <a:solidFill>
-                  <a:schemeClr val="tx1"/>
-                </a:solidFill>
-                <a:effectLst/>
-                <a:latin typeface="Malgun Gothic" panose="020B0503020000020004" pitchFamily="2" charset="-127"/>
-                <a:ea typeface="Malgun Gothic" panose="020B0503020000020004" pitchFamily="2" charset="-127"/>
-              </a:rPr>
-              <a:t>所示</a:t>
-            </a:r>
-            <a:endParaRPr lang="en-US" altLang="zh-CN" sz="1200" u="none" kern="1200" baseline="0" dirty="0">
-              <a:solidFill>
-                <a:schemeClr val="tx1"/>
-              </a:solidFill>
-              <a:effectLst/>
-              <a:latin typeface="Malgun Gothic" panose="020B0503020000020004" pitchFamily="2" charset="-127"/>
-              <a:ea typeface="Malgun Gothic" panose="020B0503020000020004" pitchFamily="2" charset="-127"/>
-            </a:endParaRPr>
-          </a:p>
-          <a:p>
-            <a:r>
-              <a:rPr lang="zh-CN" altLang="en-US" dirty="0"/>
-              <a:t>文中多处强调说加一点点点</a:t>
-            </a:r>
-            <a:r>
-              <a:rPr lang="en-US" altLang="zh-CN" dirty="0"/>
-              <a:t>weak </a:t>
-            </a:r>
-            <a:r>
-              <a:rPr lang="en-US" altLang="zh-CN" dirty="0" err="1"/>
-              <a:t>supervison</a:t>
-            </a:r>
-            <a:r>
-              <a:rPr lang="zh-CN" altLang="en-US" dirty="0"/>
-              <a:t>就可以使得模型性能提升很多。那么一点点是多少呢？</a:t>
-            </a:r>
-            <a:endParaRPr lang="en-US" altLang="zh-CN" dirty="0"/>
-          </a:p>
-          <a:p>
-            <a:r>
-              <a:rPr lang="zh-CN" altLang="en-US" dirty="0"/>
-              <a:t>图中对比了监督比例从</a:t>
-            </a:r>
-            <a:r>
-              <a:rPr lang="en-US" altLang="zh-CN" dirty="0"/>
-              <a:t>0</a:t>
-            </a:r>
-            <a:r>
-              <a:rPr lang="zh-CN" altLang="en-US" dirty="0"/>
-              <a:t>增加到</a:t>
-            </a:r>
-            <a:r>
-              <a:rPr lang="en-US" altLang="zh-CN" dirty="0"/>
-              <a:t>1 (x</a:t>
-            </a:r>
-            <a:r>
-              <a:rPr lang="zh-CN" altLang="en-US" dirty="0"/>
-              <a:t>轴）的过程中 </a:t>
-            </a:r>
-            <a:r>
-              <a:rPr lang="en-US" altLang="zh-CN" dirty="0"/>
-              <a:t>MRR</a:t>
-            </a:r>
-            <a:r>
-              <a:rPr lang="zh-CN" altLang="en-US" dirty="0"/>
-              <a:t>和</a:t>
-            </a:r>
-            <a:r>
-              <a:rPr lang="en-US" altLang="zh-CN" dirty="0"/>
-              <a:t>BLEU2</a:t>
-            </a:r>
-            <a:r>
-              <a:rPr lang="zh-CN" altLang="en-US" dirty="0"/>
-              <a:t>（</a:t>
-            </a:r>
-            <a:r>
-              <a:rPr lang="en-US" altLang="zh-CN" dirty="0"/>
-              <a:t>y</a:t>
-            </a:r>
-            <a:r>
-              <a:rPr lang="zh-CN" altLang="en-US" dirty="0"/>
-              <a:t>轴）的变化。</a:t>
-            </a:r>
-            <a:endParaRPr lang="en-US" altLang="zh-CN" dirty="0"/>
-          </a:p>
-          <a:p>
-            <a:r>
-              <a:rPr lang="zh-CN" altLang="en-US" dirty="0"/>
-              <a:t>针对这一现象，文中的解释是，因为弱监督数据中路径和文本的对齐不是</a:t>
-            </a:r>
-            <a:r>
-              <a:rPr lang="en-US" altLang="zh-CN" dirty="0"/>
-              <a:t>exact match</a:t>
-            </a:r>
-            <a:r>
-              <a:rPr lang="zh-CN" altLang="en-US" dirty="0"/>
-              <a:t>，所以加多了监督反倒将噪声引入了。噪声可以理解为，不是所有对齐的句子和路径都表达的相同的知识，所以监督数据过多时其实是引入了更多的错误信息</a:t>
-            </a:r>
-          </a:p>
-        </p:txBody>
-      </p:sp>
-    </p:spTree>
-    <p:extLst>
-      <p:ext uri="{BB962C8B-B14F-4D97-AF65-F5344CB8AC3E}">
-        <p14:creationId xmlns:p14="http://schemas.microsoft.com/office/powerpoint/2010/main" val="1491866559"/>
+        <p14:creationId xmlns:p14="http://schemas.microsoft.com/office/powerpoint/2010/main" val="982863483"/>
       </p:ext>
     </p:extLst>
   </p:cSld>
@@ -4983,144 +4444,6 @@
     <p:extLst>
       <p:ext uri="{BB962C8B-B14F-4D97-AF65-F5344CB8AC3E}">
         <p14:creationId xmlns:p14="http://schemas.microsoft.com/office/powerpoint/2010/main" val="113090417"/>
-      </p:ext>
-    </p:extLst>
-  </p:cSld>
-  <p:clrMapOvr>
-    <a:masterClrMapping/>
-  </p:clrMapOvr>
-</p:notes>
-</file>
-
-<file path=ppt/notesSlides/notesSlide30.xml><?xml version="1.0" encoding="utf-8"?>
-<p:notes xmlns:a="http://schemas.openxmlformats.org/drawingml/2006/main" xmlns:r="http://schemas.openxmlformats.org/officeDocument/2006/relationships" xmlns:p="http://schemas.openxmlformats.org/presentationml/2006/main">
-  <p:cSld>
-    <p:spTree>
-      <p:nvGrpSpPr>
-        <p:cNvPr id="1" name=""/>
-        <p:cNvGrpSpPr/>
-        <p:nvPr/>
-      </p:nvGrpSpPr>
-      <p:grpSpPr>
-        <a:xfrm>
-          <a:off x="0" y="0"/>
-          <a:ext cx="0" cy="0"/>
-          <a:chOff x="0" y="0"/>
-          <a:chExt cx="0" cy="0"/>
-        </a:xfrm>
-      </p:grpSpPr>
-      <p:sp>
-        <p:nvSpPr>
-          <p:cNvPr id="2" name="幻灯片图像占位符 1"/>
-          <p:cNvSpPr>
-            <a:spLocks noGrp="1" noRot="1" noChangeAspect="1"/>
-          </p:cNvSpPr>
-          <p:nvPr>
-            <p:ph type="sldImg"/>
-          </p:nvPr>
-        </p:nvSpPr>
-        <p:spPr>
-          <a:xfrm>
-            <a:off x="852488" y="744538"/>
-            <a:ext cx="4964112" cy="3722687"/>
-          </a:xfrm>
-        </p:spPr>
-      </p:sp>
-      <p:sp>
-        <p:nvSpPr>
-          <p:cNvPr id="3" name="备注占位符 2"/>
-          <p:cNvSpPr>
-            <a:spLocks noGrp="1"/>
-          </p:cNvSpPr>
-          <p:nvPr>
-            <p:ph type="body" idx="1"/>
-          </p:nvPr>
-        </p:nvSpPr>
-        <p:spPr/>
-        <p:txBody>
-          <a:bodyPr/>
-          <a:lstStyle/>
-          <a:p>
-            <a:pPr marL="0" indent="457200">
-              <a:buNone/>
-            </a:pPr>
-            <a:endParaRPr lang="zh-CN" altLang="en-US" dirty="0"/>
-          </a:p>
-        </p:txBody>
-      </p:sp>
-    </p:spTree>
-    <p:extLst>
-      <p:ext uri="{BB962C8B-B14F-4D97-AF65-F5344CB8AC3E}">
-        <p14:creationId xmlns:p14="http://schemas.microsoft.com/office/powerpoint/2010/main" val="1916409215"/>
-      </p:ext>
-    </p:extLst>
-  </p:cSld>
-  <p:clrMapOvr>
-    <a:masterClrMapping/>
-  </p:clrMapOvr>
-</p:notes>
-</file>
-
-<file path=ppt/notesSlides/notesSlide31.xml><?xml version="1.0" encoding="utf-8"?>
-<p:notes xmlns:a="http://schemas.openxmlformats.org/drawingml/2006/main" xmlns:r="http://schemas.openxmlformats.org/officeDocument/2006/relationships" xmlns:p="http://schemas.openxmlformats.org/presentationml/2006/main">
-  <p:cSld>
-    <p:spTree>
-      <p:nvGrpSpPr>
-        <p:cNvPr id="1" name=""/>
-        <p:cNvGrpSpPr/>
-        <p:nvPr/>
-      </p:nvGrpSpPr>
-      <p:grpSpPr>
-        <a:xfrm>
-          <a:off x="0" y="0"/>
-          <a:ext cx="0" cy="0"/>
-          <a:chOff x="0" y="0"/>
-          <a:chExt cx="0" cy="0"/>
-        </a:xfrm>
-      </p:grpSpPr>
-      <p:sp>
-        <p:nvSpPr>
-          <p:cNvPr id="2" name="幻灯片图像占位符 1"/>
-          <p:cNvSpPr>
-            <a:spLocks noGrp="1" noRot="1" noChangeAspect="1"/>
-          </p:cNvSpPr>
-          <p:nvPr>
-            <p:ph type="sldImg"/>
-          </p:nvPr>
-        </p:nvSpPr>
-        <p:spPr>
-          <a:xfrm>
-            <a:off x="852488" y="744538"/>
-            <a:ext cx="4964112" cy="3722687"/>
-          </a:xfrm>
-        </p:spPr>
-      </p:sp>
-      <p:sp>
-        <p:nvSpPr>
-          <p:cNvPr id="3" name="备注占位符 2"/>
-          <p:cNvSpPr>
-            <a:spLocks noGrp="1"/>
-          </p:cNvSpPr>
-          <p:nvPr>
-            <p:ph type="body" idx="1"/>
-          </p:nvPr>
-        </p:nvSpPr>
-        <p:spPr/>
-        <p:txBody>
-          <a:bodyPr/>
-          <a:lstStyle/>
-          <a:p>
-            <a:pPr marL="0" indent="457200">
-              <a:buNone/>
-            </a:pPr>
-            <a:endParaRPr lang="zh-CN" altLang="en-US" dirty="0"/>
-          </a:p>
-        </p:txBody>
-      </p:sp>
-    </p:spTree>
-    <p:extLst>
-      <p:ext uri="{BB962C8B-B14F-4D97-AF65-F5344CB8AC3E}">
-        <p14:creationId xmlns:p14="http://schemas.microsoft.com/office/powerpoint/2010/main" val="982863483"/>
       </p:ext>
     </p:extLst>
   </p:cSld>
@@ -17011,8 +16334,8 @@
           </a:p>
         </p:txBody>
       </p:sp>
-      <mc:AlternateContent xmlns:mc="http://schemas.openxmlformats.org/markup-compatibility/2006">
-        <mc:Choice xmlns:a14="http://schemas.microsoft.com/office/drawing/2010/main" Requires="a14">
+      <mc:AlternateContent xmlns:mc="http://schemas.openxmlformats.org/markup-compatibility/2006" xmlns:a14="http://schemas.microsoft.com/office/drawing/2010/main">
+        <mc:Choice Requires="a14">
           <p:sp>
             <p:nvSpPr>
               <p:cNvPr id="7" name="内容占位符 2">
@@ -17564,7 +16887,7 @@
             </p:txBody>
           </p:sp>
         </mc:Choice>
-        <mc:Fallback>
+        <mc:Fallback xmlns="">
           <p:sp>
             <p:nvSpPr>
               <p:cNvPr id="7" name="内容占位符 2">
@@ -18520,8 +17843,8 @@
           </a:p>
         </p:txBody>
       </p:sp>
-      <mc:AlternateContent xmlns:mc="http://schemas.openxmlformats.org/markup-compatibility/2006">
-        <mc:Choice xmlns:a14="http://schemas.microsoft.com/office/drawing/2010/main" Requires="a14">
+      <mc:AlternateContent xmlns:mc="http://schemas.openxmlformats.org/markup-compatibility/2006" xmlns:a14="http://schemas.microsoft.com/office/drawing/2010/main">
+        <mc:Choice Requires="a14">
           <p:sp>
             <p:nvSpPr>
               <p:cNvPr id="10" name="内容占位符 2"/>
@@ -18959,13 +18282,7 @@
                       <a:rPr lang="zh-CN" altLang="en-US" sz="2400" i="1">
                         <a:latin typeface="Cambria Math" panose="02040503050406030204" pitchFamily="18" charset="0"/>
                       </a:rPr>
-                      <m:t>分别代表</m:t>
-                    </m:r>
-                    <m:r>
-                      <a:rPr lang="zh-CN" altLang="en-US" sz="2400" i="1">
-                        <a:latin typeface="Cambria Math" panose="02040503050406030204" pitchFamily="18" charset="0"/>
-                      </a:rPr>
-                      <m:t>头实体</m:t>
+                      <m:t>分别代表头实体</m:t>
                     </m:r>
                     <m:r>
                       <a:rPr lang="zh-CN" altLang="en-US" sz="2400" b="0" i="1" smtClean="0">
@@ -19018,7 +18335,7 @@
             </p:txBody>
           </p:sp>
         </mc:Choice>
-        <mc:Fallback>
+        <mc:Fallback xmlns="">
           <p:sp>
             <p:nvSpPr>
               <p:cNvPr id="10" name="内容占位符 2"/>
@@ -19318,8 +18635,8 @@
           </a:p>
         </p:txBody>
       </p:sp>
-      <mc:AlternateContent xmlns:mc="http://schemas.openxmlformats.org/markup-compatibility/2006">
-        <mc:Choice xmlns:a14="http://schemas.microsoft.com/office/drawing/2010/main" Requires="a14">
+      <mc:AlternateContent xmlns:mc="http://schemas.openxmlformats.org/markup-compatibility/2006" xmlns:a14="http://schemas.microsoft.com/office/drawing/2010/main">
+        <mc:Choice Requires="a14">
           <p:sp>
             <p:nvSpPr>
               <p:cNvPr id="10" name="内容占位符 2"/>
@@ -19796,7 +19113,7 @@
             </p:txBody>
           </p:sp>
         </mc:Choice>
-        <mc:Fallback>
+        <mc:Fallback xmlns="">
           <p:sp>
             <p:nvSpPr>
               <p:cNvPr id="10" name="内容占位符 2"/>
@@ -20091,8 +19408,8 @@
           </a:p>
         </p:txBody>
       </p:sp>
-      <mc:AlternateContent xmlns:mc="http://schemas.openxmlformats.org/markup-compatibility/2006">
-        <mc:Choice xmlns:a14="http://schemas.microsoft.com/office/drawing/2010/main" Requires="a14">
+      <mc:AlternateContent xmlns:mc="http://schemas.openxmlformats.org/markup-compatibility/2006" xmlns:a14="http://schemas.microsoft.com/office/drawing/2010/main">
+        <mc:Choice Requires="a14">
           <p:sp>
             <p:nvSpPr>
               <p:cNvPr id="8195" name="内容占位符 2"/>
@@ -20233,7 +19550,7 @@
             </p:txBody>
           </p:sp>
         </mc:Choice>
-        <mc:Fallback>
+        <mc:Fallback xmlns="">
           <p:sp>
             <p:nvSpPr>
               <p:cNvPr id="8195" name="内容占位符 2"/>
@@ -20859,8 +20176,8 @@
           </a:p>
         </p:txBody>
       </p:sp>
-      <mc:AlternateContent xmlns:mc="http://schemas.openxmlformats.org/markup-compatibility/2006">
-        <mc:Choice xmlns:a14="http://schemas.microsoft.com/office/drawing/2010/main" Requires="a14">
+      <mc:AlternateContent xmlns:mc="http://schemas.openxmlformats.org/markup-compatibility/2006" xmlns:a14="http://schemas.microsoft.com/office/drawing/2010/main">
+        <mc:Choice Requires="a14">
           <p:sp>
             <p:nvSpPr>
               <p:cNvPr id="8195" name="内容占位符 2"/>
@@ -21388,7 +20705,7 @@
             </p:txBody>
           </p:sp>
         </mc:Choice>
-        <mc:Fallback>
+        <mc:Fallback xmlns="">
           <p:sp>
             <p:nvSpPr>
               <p:cNvPr id="8195" name="内容占位符 2"/>
@@ -23345,6 +22662,291 @@
           </a:p>
         </p:txBody>
       </p:sp>
+      <p:pic>
+        <p:nvPicPr>
+          <p:cNvPr id="2" name="内容占位符 1">
+            <a:extLst>
+              <a:ext uri="{FF2B5EF4-FFF2-40B4-BE49-F238E27FC236}">
+                <a16:creationId xmlns:a16="http://schemas.microsoft.com/office/drawing/2014/main" id="{5AA225B6-DEE4-4E1C-8112-39894627B2F0}"/>
+              </a:ext>
+            </a:extLst>
+          </p:cNvPr>
+          <p:cNvPicPr>
+            <a:picLocks noGrp="1" noChangeAspect="1"/>
+          </p:cNvPicPr>
+          <p:nvPr>
+            <p:ph idx="4294967295"/>
+          </p:nvPr>
+        </p:nvPicPr>
+        <p:blipFill>
+          <a:blip r:embed="rId3"/>
+          <a:stretch>
+            <a:fillRect/>
+          </a:stretch>
+        </p:blipFill>
+        <p:spPr>
+          <a:xfrm>
+            <a:off x="656760" y="838268"/>
+            <a:ext cx="7849529" cy="4953000"/>
+          </a:xfrm>
+          <a:prstGeom prst="rect">
+            <a:avLst/>
+          </a:prstGeom>
+        </p:spPr>
+      </p:pic>
+      <p:pic>
+        <p:nvPicPr>
+          <p:cNvPr id="8196" name="图片 3" descr="bb.jpg"/>
+          <p:cNvPicPr>
+            <a:picLocks noChangeAspect="1"/>
+          </p:cNvPicPr>
+          <p:nvPr/>
+        </p:nvPicPr>
+        <p:blipFill>
+          <a:blip r:embed="rId4"/>
+          <a:stretch>
+            <a:fillRect/>
+          </a:stretch>
+        </p:blipFill>
+        <p:spPr>
+          <a:xfrm>
+            <a:off x="7696200" y="6400802"/>
+            <a:ext cx="933450" cy="180975"/>
+          </a:xfrm>
+          <a:prstGeom prst="rect">
+            <a:avLst/>
+          </a:prstGeom>
+          <a:noFill/>
+          <a:ln w="9525">
+            <a:noFill/>
+          </a:ln>
+        </p:spPr>
+      </p:pic>
+      <p:sp>
+        <p:nvSpPr>
+          <p:cNvPr id="8197" name="TextBox 6"/>
+          <p:cNvSpPr txBox="1"/>
+          <p:nvPr/>
+        </p:nvSpPr>
+        <p:spPr>
+          <a:xfrm>
+            <a:off x="8077200" y="6248402"/>
+            <a:ext cx="685800" cy="461963"/>
+          </a:xfrm>
+          <a:prstGeom prst="rect">
+            <a:avLst/>
+          </a:prstGeom>
+          <a:noFill/>
+          <a:ln w="9525">
+            <a:noFill/>
+          </a:ln>
+        </p:spPr>
+        <p:txBody>
+          <a:bodyPr>
+            <a:spAutoFit/>
+          </a:bodyPr>
+          <a:lstStyle/>
+          <a:p>
+            <a:pPr marL="0" marR="0" lvl="0" indent="0" algn="l" defTabSz="914400" eaLnBrk="0" fontAlgn="base" latinLnBrk="0" hangingPunct="0">
+              <a:lnSpc>
+                <a:spcPct val="100000"/>
+              </a:lnSpc>
+              <a:spcBef>
+                <a:spcPct val="0"/>
+              </a:spcBef>
+              <a:spcAft>
+                <a:spcPct val="0"/>
+              </a:spcAft>
+              <a:buClrTx/>
+              <a:buSzTx/>
+              <a:buFont typeface="Arial" panose="020B0604020202020204" pitchFamily="34" charset="0"/>
+              <a:buNone/>
+              <a:tabLst/>
+              <a:defRPr/>
+            </a:pPr>
+            <a:fld id="{9A0DB2DC-4C9A-4742-B13C-FB6460FD3503}" type="slidenum">
+              <a:rPr kumimoji="0" lang="zh-CN" altLang="en-US" sz="2400" b="1" i="0" u="none" strike="noStrike" kern="1200" cap="none" spc="0" normalizeH="0" baseline="0" noProof="0" dirty="0">
+                <a:ln>
+                  <a:noFill/>
+                </a:ln>
+                <a:solidFill>
+                  <a:srgbClr val="254061"/>
+                </a:solidFill>
+                <a:effectLst/>
+                <a:uLnTx/>
+                <a:uFillTx/>
+                <a:latin typeface="HY헤드라인M" pitchFamily="2" charset="-127"/>
+                <a:ea typeface="HY헤드라인M" pitchFamily="2" charset="-127"/>
+              </a:rPr>
+              <a:pPr marL="0" marR="0" lvl="0" indent="0" algn="l" defTabSz="914400" eaLnBrk="0" fontAlgn="base" latinLnBrk="0" hangingPunct="0">
+                <a:lnSpc>
+                  <a:spcPct val="100000"/>
+                </a:lnSpc>
+                <a:spcBef>
+                  <a:spcPct val="0"/>
+                </a:spcBef>
+                <a:spcAft>
+                  <a:spcPct val="0"/>
+                </a:spcAft>
+                <a:buClrTx/>
+                <a:buSzTx/>
+                <a:buFont typeface="Arial" panose="020B0604020202020204" pitchFamily="34" charset="0"/>
+                <a:buNone/>
+                <a:tabLst/>
+                <a:defRPr/>
+              </a:pPr>
+              <a:t>23</a:t>
+            </a:fld>
+            <a:endParaRPr kumimoji="0" lang="zh-CN" altLang="en-US" sz="2400" b="1" i="0" u="none" strike="noStrike" kern="1200" cap="none" spc="0" normalizeH="0" baseline="0" noProof="0" dirty="0">
+              <a:ln>
+                <a:noFill/>
+              </a:ln>
+              <a:solidFill>
+                <a:srgbClr val="254061"/>
+              </a:solidFill>
+              <a:effectLst/>
+              <a:uLnTx/>
+              <a:uFillTx/>
+              <a:latin typeface="HY헤드라인M" pitchFamily="2" charset="-127"/>
+              <a:ea typeface="HY헤드라인M" pitchFamily="2" charset="-127"/>
+            </a:endParaRPr>
+          </a:p>
+        </p:txBody>
+      </p:sp>
+      <p:pic>
+        <p:nvPicPr>
+          <p:cNvPr id="3" name="图片 2">
+            <a:extLst>
+              <a:ext uri="{FF2B5EF4-FFF2-40B4-BE49-F238E27FC236}">
+                <a16:creationId xmlns:a16="http://schemas.microsoft.com/office/drawing/2014/main" id="{95D5224C-C49B-4E58-B617-ABBF198ECE0A}"/>
+              </a:ext>
+            </a:extLst>
+          </p:cNvPr>
+          <p:cNvPicPr>
+            <a:picLocks noChangeAspect="1"/>
+          </p:cNvPicPr>
+          <p:nvPr/>
+        </p:nvPicPr>
+        <p:blipFill>
+          <a:blip r:embed="rId5"/>
+          <a:stretch>
+            <a:fillRect/>
+          </a:stretch>
+        </p:blipFill>
+        <p:spPr>
+          <a:xfrm>
+            <a:off x="304912" y="5843966"/>
+            <a:ext cx="3403275" cy="389959"/>
+          </a:xfrm>
+          <a:prstGeom prst="rect">
+            <a:avLst/>
+          </a:prstGeom>
+        </p:spPr>
+      </p:pic>
+      <p:pic>
+        <p:nvPicPr>
+          <p:cNvPr id="4" name="图片 3">
+            <a:extLst>
+              <a:ext uri="{FF2B5EF4-FFF2-40B4-BE49-F238E27FC236}">
+                <a16:creationId xmlns:a16="http://schemas.microsoft.com/office/drawing/2014/main" id="{8E36EBBF-D728-4DFD-90EB-A03ADAB9CB5B}"/>
+              </a:ext>
+            </a:extLst>
+          </p:cNvPr>
+          <p:cNvPicPr>
+            <a:picLocks noChangeAspect="1"/>
+          </p:cNvPicPr>
+          <p:nvPr/>
+        </p:nvPicPr>
+        <p:blipFill>
+          <a:blip r:embed="rId6"/>
+          <a:stretch>
+            <a:fillRect/>
+          </a:stretch>
+        </p:blipFill>
+        <p:spPr>
+          <a:xfrm>
+            <a:off x="3714666" y="5813563"/>
+            <a:ext cx="5114107" cy="450763"/>
+          </a:xfrm>
+          <a:prstGeom prst="rect">
+            <a:avLst/>
+          </a:prstGeom>
+        </p:spPr>
+      </p:pic>
+    </p:spTree>
+    <p:extLst>
+      <p:ext uri="{BB962C8B-B14F-4D97-AF65-F5344CB8AC3E}">
+        <p14:creationId xmlns:p14="http://schemas.microsoft.com/office/powerpoint/2010/main" val="718184667"/>
+      </p:ext>
+    </p:extLst>
+  </p:cSld>
+  <p:clrMapOvr>
+    <a:masterClrMapping/>
+  </p:clrMapOvr>
+  <p:transition spd="slow" advTm="0"/>
+</p:sld>
+</file>
+
+<file path=ppt/slides/slide24.xml><?xml version="1.0" encoding="utf-8"?>
+<p:sld xmlns:a="http://schemas.openxmlformats.org/drawingml/2006/main" xmlns:r="http://schemas.openxmlformats.org/officeDocument/2006/relationships" xmlns:p="http://schemas.openxmlformats.org/presentationml/2006/main">
+  <p:cSld>
+    <p:spTree>
+      <p:nvGrpSpPr>
+        <p:cNvPr id="1" name=""/>
+        <p:cNvGrpSpPr/>
+        <p:nvPr/>
+      </p:nvGrpSpPr>
+      <p:grpSpPr>
+        <a:xfrm>
+          <a:off x="0" y="0"/>
+          <a:ext cx="0" cy="0"/>
+          <a:chOff x="0" y="0"/>
+          <a:chExt cx="0" cy="0"/>
+        </a:xfrm>
+      </p:grpSpPr>
+      <p:sp>
+        <p:nvSpPr>
+          <p:cNvPr id="8194" name="标题 1"/>
+          <p:cNvSpPr>
+            <a:spLocks noGrp="1"/>
+          </p:cNvSpPr>
+          <p:nvPr>
+            <p:ph type="title" idx="4294967295"/>
+          </p:nvPr>
+        </p:nvSpPr>
+        <p:spPr>
+          <a:xfrm>
+            <a:off x="611188" y="152400"/>
+            <a:ext cx="7770812" cy="603250"/>
+          </a:xfrm>
+        </p:spPr>
+        <p:txBody>
+          <a:bodyPr vert="horz" wrap="square" anchor="b"/>
+          <a:lstStyle/>
+          <a:p>
+            <a:r>
+              <a:rPr lang="en-US" altLang="zh-CN" sz="2800" b="1" dirty="0">
+                <a:effectLst>
+                  <a:outerShdw blurRad="38100" dist="38100" dir="2700000">
+                    <a:srgbClr val="C0C0C0"/>
+                  </a:outerShdw>
+                </a:effectLst>
+              </a:rPr>
+              <a:t>4</a:t>
+            </a:r>
+            <a:r>
+              <a:rPr lang="zh-CN" altLang="en-US" sz="2800" b="1" dirty="0">
+                <a:effectLst>
+                  <a:outerShdw blurRad="38100" dist="38100" dir="2700000">
+                    <a:srgbClr val="C0C0C0"/>
+                  </a:outerShdw>
+                </a:effectLst>
+              </a:rPr>
+              <a:t>、结论</a:t>
+            </a:r>
+          </a:p>
+        </p:txBody>
+      </p:sp>
       <p:sp>
         <p:nvSpPr>
           <p:cNvPr id="8195" name="内容占位符 2"/>
@@ -23357,21 +22959,14 @@
         </p:nvSpPr>
         <p:spPr>
           <a:xfrm>
-            <a:off x="533400" y="1066862"/>
-            <a:ext cx="8096250" cy="4952870"/>
+            <a:off x="483814" y="1219258"/>
+            <a:ext cx="8381886" cy="4800474"/>
           </a:xfrm>
         </p:spPr>
         <p:txBody>
           <a:bodyPr vert="horz" wrap="square" anchor="t"/>
           <a:lstStyle/>
           <a:p>
-            <a:r>
-              <a:rPr lang="zh-CN" altLang="en-US" dirty="0"/>
-              <a:t>评价指标</a:t>
-            </a:r>
-            <a:endParaRPr lang="en-US" altLang="zh-CN" dirty="0"/>
-          </a:p>
-          <a:p>
             <a:pPr marL="0" indent="457200">
               <a:lnSpc>
                 <a:spcPct val="150000"/>
@@ -23380,11 +22975,88 @@
             </a:pPr>
             <a:r>
               <a:rPr lang="zh-CN" altLang="en-US" dirty="0"/>
-              <a:t>文中同时涉及文本生成任务和知识图谱补全任务，因此在评价指标方面作者也兼顾了两方面。生成任务采用的指标有</a:t>
+              <a:t>本文描述了一个利用全局三元组知识来改进</a:t>
             </a:r>
             <a:r>
               <a:rPr lang="en-US" altLang="zh-CN" dirty="0"/>
-              <a:t>BLEU2</a:t>
+              <a:t>KG</a:t>
+            </a:r>
+            <a:r>
+              <a:rPr lang="zh-CN" altLang="en-US" dirty="0"/>
+              <a:t>实体类型的框架，不仅训练</a:t>
+            </a:r>
+            <a:r>
+              <a:rPr lang="en-US" altLang="zh-CN" dirty="0"/>
+              <a:t>(</a:t>
+            </a:r>
+            <a:r>
+              <a:rPr lang="zh-CN" altLang="en-US" dirty="0"/>
+              <a:t>实体，实体类型</a:t>
+            </a:r>
+            <a:r>
+              <a:rPr lang="en-US" altLang="zh-CN" dirty="0"/>
+              <a:t>)</a:t>
+            </a:r>
+            <a:r>
+              <a:rPr lang="zh-CN" altLang="en-US" dirty="0"/>
+              <a:t>断言，而且使用新生成的</a:t>
+            </a:r>
+            <a:r>
+              <a:rPr lang="en-US" altLang="zh-CN" dirty="0"/>
+              <a:t>(</a:t>
+            </a:r>
+            <a:r>
+              <a:rPr lang="zh-CN" altLang="en-US" dirty="0"/>
+              <a:t>头类型，关系，尾类型</a:t>
+            </a:r>
+            <a:r>
+              <a:rPr lang="en-US" altLang="zh-CN" dirty="0"/>
+              <a:t>)</a:t>
+            </a:r>
+            <a:r>
+              <a:rPr lang="zh-CN" altLang="en-US" dirty="0"/>
+              <a:t>类型三元组。具体来说，我们提出了两种新的基于嵌入的模型来分别编码实体类型实例和实体类型三元组。两个模型的连接被用来推断缺失的实体类型实例。</a:t>
+            </a:r>
+            <a:endParaRPr lang="en-US" altLang="zh-CN" dirty="0"/>
+          </a:p>
+          <a:p>
+            <a:pPr marL="0" indent="457200">
+              <a:lnSpc>
+                <a:spcPct val="150000"/>
+              </a:lnSpc>
+              <a:buNone/>
+            </a:pPr>
+            <a:r>
+              <a:rPr lang="en-US" altLang="zh-CN" dirty="0" err="1"/>
+              <a:t>ConnectE</a:t>
+            </a:r>
+            <a:r>
+              <a:rPr lang="en-US" altLang="zh-CN" dirty="0"/>
+              <a:t>(E2T+TRT)</a:t>
+            </a:r>
+            <a:r>
+              <a:rPr lang="zh-CN" altLang="en-US" dirty="0"/>
+              <a:t>模型在开放数据集</a:t>
+            </a:r>
+            <a:r>
+              <a:rPr lang="en-US" altLang="zh-CN" dirty="0"/>
+              <a:t>Freebase</a:t>
+            </a:r>
+            <a:r>
+              <a:rPr lang="zh-CN" altLang="en-US" dirty="0"/>
+              <a:t>和</a:t>
+            </a:r>
+            <a:r>
+              <a:rPr lang="en-US" altLang="zh-CN" dirty="0"/>
+              <a:t>YAGO</a:t>
+            </a:r>
+            <a:r>
+              <a:rPr lang="zh-CN" altLang="en-US" dirty="0"/>
+              <a:t>上的预测实体类型和分类实体类型的效果都优于之前提出的模型</a:t>
+            </a:r>
+            <a:r>
+              <a:rPr lang="en-US" altLang="zh-CN" dirty="0"/>
+              <a:t>LM</a:t>
             </a:r>
             <a:r>
               <a:rPr lang="zh-CN" altLang="en-US" dirty="0"/>
@@ -23392,67 +23064,11 @@
             </a:r>
             <a:r>
               <a:rPr lang="en-US" altLang="zh-CN" dirty="0"/>
-              <a:t>BLEU3</a:t>
+              <a:t>PEM</a:t>
             </a:r>
             <a:r>
               <a:rPr lang="zh-CN" altLang="en-US" dirty="0"/>
-              <a:t>，</a:t>
-            </a:r>
-            <a:r>
-              <a:rPr lang="en-US" altLang="zh-CN" dirty="0" err="1"/>
-              <a:t>RougeL</a:t>
-            </a:r>
-            <a:r>
-              <a:rPr lang="zh-CN" altLang="en-US" dirty="0"/>
-              <a:t>，</a:t>
-            </a:r>
-            <a:r>
-              <a:rPr lang="en-US" altLang="zh-CN" dirty="0"/>
-              <a:t>F1 BERT-score</a:t>
-            </a:r>
-            <a:r>
-              <a:rPr lang="zh-CN" altLang="en-US" dirty="0"/>
-              <a:t>。知识图谱补全的指标有常见的</a:t>
-            </a:r>
-            <a:r>
-              <a:rPr lang="en-US" altLang="zh-CN" dirty="0"/>
-              <a:t>MRR</a:t>
-            </a:r>
-            <a:r>
-              <a:rPr lang="zh-CN" altLang="en-US" dirty="0"/>
-              <a:t>和</a:t>
-            </a:r>
-            <a:r>
-              <a:rPr lang="en-US" altLang="zh-CN" dirty="0"/>
-              <a:t>HITS@N</a:t>
-            </a:r>
-            <a:r>
-              <a:rPr lang="zh-CN" altLang="en-US" dirty="0"/>
-              <a:t>。常用指标的对比对象都是预测或生成的单个路径和原始的单个路径对比，文中为了将一打句子生成的图（路径拼成的图）与原始图作为整体对比，提出使用一个新的指标：</a:t>
-            </a:r>
-            <a:r>
-              <a:rPr lang="en-US" altLang="zh-CN" dirty="0"/>
-              <a:t>GED</a:t>
-            </a:r>
-            <a:r>
-              <a:rPr lang="zh-CN" altLang="en-US" dirty="0"/>
-              <a:t>（图编辑距离）来计算从新图到原始图所需要的距离，距离越小说明两个图越相似。因为同时设计生成和知识图谱补全，用不同的指标来选择最后的测试模型得出的结论也会不同，因此作者提供了两种选择：基于于</a:t>
-            </a:r>
-            <a:r>
-              <a:rPr lang="en-US" altLang="zh-CN" dirty="0"/>
-              <a:t>Best MRR</a:t>
-            </a:r>
-            <a:r>
-              <a:rPr lang="zh-CN" altLang="en-US" dirty="0"/>
-              <a:t>选择模型和基于</a:t>
-            </a:r>
-            <a:r>
-              <a:rPr lang="en-US" altLang="zh-CN" dirty="0"/>
-              <a:t>Best BLEU2</a:t>
-            </a:r>
-            <a:r>
-              <a:rPr lang="zh-CN" altLang="en-US" dirty="0"/>
-              <a:t>选择模型。</a:t>
+              <a:t>等等。并且有效利用了局部标注知识和全局三元组知识，并且未来可以考虑用此模型做实体类型噪声检测。</a:t>
             </a:r>
           </a:p>
         </p:txBody>
@@ -23510,3027 +23126,16 @@
           </a:bodyPr>
           <a:lstStyle/>
           <a:p>
-            <a:pPr marL="0" marR="0" lvl="0" indent="0" algn="l" defTabSz="914400" eaLnBrk="0" fontAlgn="base" latinLnBrk="0" hangingPunct="0">
-              <a:lnSpc>
-                <a:spcPct val="100000"/>
-              </a:lnSpc>
-              <a:spcBef>
-                <a:spcPct val="0"/>
-              </a:spcBef>
-              <a:spcAft>
-                <a:spcPct val="0"/>
-              </a:spcAft>
-              <a:buClrTx/>
-              <a:buSzTx/>
-              <a:buFont typeface="Arial" panose="020B0604020202020204" pitchFamily="34" charset="0"/>
-              <a:buNone/>
-              <a:tabLst/>
-              <a:defRPr/>
-            </a:pPr>
             <a:fld id="{9A0DB2DC-4C9A-4742-B13C-FB6460FD3503}" type="slidenum">
-              <a:rPr kumimoji="0" lang="zh-CN" altLang="en-US" sz="2400" b="1" i="0" u="none" strike="noStrike" kern="1200" cap="none" spc="0" normalizeH="0" baseline="0" noProof="0" dirty="0">
-                <a:ln>
-                  <a:noFill/>
-                </a:ln>
+              <a:rPr lang="zh-CN" altLang="en-US" sz="2400" b="1" dirty="0">
                 <a:solidFill>
                   <a:srgbClr val="254061"/>
                 </a:solidFill>
-                <a:effectLst/>
-                <a:uLnTx/>
-                <a:uFillTx/>
                 <a:latin typeface="HY헤드라인M" pitchFamily="2" charset="-127"/>
                 <a:ea typeface="HY헤드라인M" pitchFamily="2" charset="-127"/>
               </a:rPr>
-              <a:pPr marL="0" marR="0" lvl="0" indent="0" algn="l" defTabSz="914400" eaLnBrk="0" fontAlgn="base" latinLnBrk="0" hangingPunct="0">
-                <a:lnSpc>
-                  <a:spcPct val="100000"/>
-                </a:lnSpc>
-                <a:spcBef>
-                  <a:spcPct val="0"/>
-                </a:spcBef>
-                <a:spcAft>
-                  <a:spcPct val="0"/>
-                </a:spcAft>
-                <a:buClrTx/>
-                <a:buSzTx/>
-                <a:buFont typeface="Arial" panose="020B0604020202020204" pitchFamily="34" charset="0"/>
-                <a:buNone/>
-                <a:tabLst/>
-                <a:defRPr/>
-              </a:pPr>
-              <a:t>23</a:t>
-            </a:fld>
-            <a:endParaRPr kumimoji="0" lang="zh-CN" altLang="en-US" sz="2400" b="1" i="0" u="none" strike="noStrike" kern="1200" cap="none" spc="0" normalizeH="0" baseline="0" noProof="0" dirty="0">
-              <a:ln>
-                <a:noFill/>
-              </a:ln>
-              <a:solidFill>
-                <a:srgbClr val="254061"/>
-              </a:solidFill>
-              <a:effectLst/>
-              <a:uLnTx/>
-              <a:uFillTx/>
-              <a:latin typeface="HY헤드라인M" pitchFamily="2" charset="-127"/>
-              <a:ea typeface="HY헤드라인M" pitchFamily="2" charset="-127"/>
-            </a:endParaRPr>
-          </a:p>
-        </p:txBody>
-      </p:sp>
-    </p:spTree>
-    <p:extLst>
-      <p:ext uri="{BB962C8B-B14F-4D97-AF65-F5344CB8AC3E}">
-        <p14:creationId xmlns:p14="http://schemas.microsoft.com/office/powerpoint/2010/main" val="718184667"/>
-      </p:ext>
-    </p:extLst>
-  </p:cSld>
-  <p:clrMapOvr>
-    <a:masterClrMapping/>
-  </p:clrMapOvr>
-  <p:transition spd="slow" advTm="0"/>
-</p:sld>
-</file>
-
-<file path=ppt/slides/slide24.xml><?xml version="1.0" encoding="utf-8"?>
-<p:sld xmlns:a="http://schemas.openxmlformats.org/drawingml/2006/main" xmlns:r="http://schemas.openxmlformats.org/officeDocument/2006/relationships" xmlns:p="http://schemas.openxmlformats.org/presentationml/2006/main">
-  <p:cSld>
-    <p:spTree>
-      <p:nvGrpSpPr>
-        <p:cNvPr id="1" name=""/>
-        <p:cNvGrpSpPr/>
-        <p:nvPr/>
-      </p:nvGrpSpPr>
-      <p:grpSpPr>
-        <a:xfrm>
-          <a:off x="0" y="0"/>
-          <a:ext cx="0" cy="0"/>
-          <a:chOff x="0" y="0"/>
-          <a:chExt cx="0" cy="0"/>
-        </a:xfrm>
-      </p:grpSpPr>
-      <p:pic>
-        <p:nvPicPr>
-          <p:cNvPr id="2" name="图片 1">
-            <a:extLst>
-              <a:ext uri="{FF2B5EF4-FFF2-40B4-BE49-F238E27FC236}">
-                <a16:creationId xmlns:a16="http://schemas.microsoft.com/office/drawing/2014/main" id="{24AB6218-4DFE-4AC6-9972-937B3629D0EE}"/>
-              </a:ext>
-            </a:extLst>
-          </p:cNvPr>
-          <p:cNvPicPr>
-            <a:picLocks noChangeAspect="1"/>
-          </p:cNvPicPr>
-          <p:nvPr/>
-        </p:nvPicPr>
-        <p:blipFill>
-          <a:blip r:embed="rId3"/>
-          <a:stretch>
-            <a:fillRect/>
-          </a:stretch>
-        </p:blipFill>
-        <p:spPr>
-          <a:xfrm>
-            <a:off x="6172158" y="14887"/>
-            <a:ext cx="2873500" cy="1846774"/>
-          </a:xfrm>
-          <a:prstGeom prst="rect">
-            <a:avLst/>
-          </a:prstGeom>
-        </p:spPr>
-      </p:pic>
-      <p:sp>
-        <p:nvSpPr>
-          <p:cNvPr id="8194" name="标题 1"/>
-          <p:cNvSpPr>
-            <a:spLocks noGrp="1"/>
-          </p:cNvSpPr>
-          <p:nvPr>
-            <p:ph type="title" idx="4294967295"/>
-          </p:nvPr>
-        </p:nvSpPr>
-        <p:spPr>
-          <a:xfrm>
-            <a:off x="611188" y="152400"/>
-            <a:ext cx="7770812" cy="603250"/>
-          </a:xfrm>
-        </p:spPr>
-        <p:txBody>
-          <a:bodyPr vert="horz" wrap="square" anchor="b"/>
-          <a:lstStyle/>
-          <a:p>
-            <a:r>
-              <a:rPr lang="en-US" altLang="zh-CN" sz="2800" b="1" dirty="0">
-                <a:effectLst>
-                  <a:outerShdw blurRad="38100" dist="38100" dir="2700000">
-                    <a:srgbClr val="C0C0C0"/>
-                  </a:outerShdw>
-                </a:effectLst>
-              </a:rPr>
-              <a:t>3</a:t>
-            </a:r>
-            <a:r>
-              <a:rPr lang="zh-CN" altLang="en-US" sz="2800" b="1" dirty="0">
-                <a:effectLst>
-                  <a:outerShdw blurRad="38100" dist="38100" dir="2700000">
-                    <a:srgbClr val="C0C0C0"/>
-                  </a:outerShdw>
-                </a:effectLst>
-              </a:rPr>
-              <a:t>、实验</a:t>
-            </a:r>
-          </a:p>
-        </p:txBody>
-      </p:sp>
-      <p:sp>
-        <p:nvSpPr>
-          <p:cNvPr id="8195" name="内容占位符 2"/>
-          <p:cNvSpPr>
-            <a:spLocks noGrp="1"/>
-          </p:cNvSpPr>
-          <p:nvPr>
-            <p:ph idx="4294967295"/>
-          </p:nvPr>
-        </p:nvSpPr>
-        <p:spPr>
-          <a:xfrm>
-            <a:off x="533400" y="1066862"/>
-            <a:ext cx="8096250" cy="4952870"/>
-          </a:xfrm>
-        </p:spPr>
-        <p:txBody>
-          <a:bodyPr vert="horz" wrap="square" anchor="t"/>
-          <a:lstStyle/>
-          <a:p>
-            <a:pPr>
-              <a:lnSpc>
-                <a:spcPct val="150000"/>
-              </a:lnSpc>
-            </a:pPr>
-            <a:r>
-              <a:rPr lang="en-US" altLang="zh-CN" dirty="0"/>
-              <a:t>GED</a:t>
-            </a:r>
-          </a:p>
-          <a:p>
-            <a:pPr marL="0" indent="457200">
-              <a:lnSpc>
-                <a:spcPct val="150000"/>
-              </a:lnSpc>
-              <a:buNone/>
-            </a:pPr>
-            <a:r>
-              <a:rPr lang="zh-CN" altLang="en-US" dirty="0"/>
-              <a:t>找到将一个图转换成另一个图的最小成本路径</a:t>
-            </a:r>
-            <a:r>
-              <a:rPr lang="en-US" altLang="zh-CN" dirty="0"/>
-              <a:t>(</a:t>
-            </a:r>
-            <a:r>
-              <a:rPr lang="zh-CN" altLang="en-US" dirty="0"/>
-              <a:t>包括节点</a:t>
-            </a:r>
-            <a:r>
-              <a:rPr lang="en-US" altLang="zh-CN" dirty="0"/>
-              <a:t>/</a:t>
-            </a:r>
-            <a:r>
-              <a:rPr lang="zh-CN" altLang="en-US" dirty="0"/>
-              <a:t>边替换、删除和插入</a:t>
-            </a:r>
-            <a:r>
-              <a:rPr lang="en-US" altLang="zh-CN" dirty="0"/>
-              <a:t>)</a:t>
-            </a:r>
-            <a:r>
-              <a:rPr lang="zh-CN" altLang="en-US" dirty="0"/>
-              <a:t>。</a:t>
-            </a:r>
-            <a:endParaRPr lang="en-US" altLang="zh-CN" dirty="0"/>
-          </a:p>
-          <a:p>
-            <a:pPr marL="0" indent="457200">
-              <a:lnSpc>
-                <a:spcPct val="150000"/>
-              </a:lnSpc>
-              <a:buNone/>
-            </a:pPr>
-            <a:r>
-              <a:rPr lang="zh-CN" altLang="en-US" dirty="0"/>
-              <a:t>因为一般来说，精确的</a:t>
-            </a:r>
-            <a:r>
-              <a:rPr lang="en-US" altLang="zh-CN" dirty="0"/>
-              <a:t>GED</a:t>
-            </a:r>
-            <a:r>
-              <a:rPr lang="zh-CN" altLang="en-US" dirty="0"/>
-              <a:t>计算是</a:t>
-            </a:r>
-            <a:r>
-              <a:rPr lang="en-US" altLang="zh-CN" dirty="0"/>
-              <a:t>NP</a:t>
-            </a:r>
-            <a:r>
-              <a:rPr lang="zh-CN" altLang="en-US" dirty="0"/>
-              <a:t>难问题，并且对于大型图实际上是不可行的，所以我们提出了一种基于局部子图的近似，如右上图所示。</a:t>
-            </a:r>
-            <a:endParaRPr lang="en-US" altLang="zh-CN" dirty="0"/>
-          </a:p>
-          <a:p>
-            <a:pPr marL="0" indent="457200">
-              <a:lnSpc>
-                <a:spcPct val="150000"/>
-              </a:lnSpc>
-              <a:buNone/>
-            </a:pPr>
-            <a:r>
-              <a:rPr lang="zh-CN" altLang="en-US" dirty="0"/>
-              <a:t>为了定义匹配节点</a:t>
-            </a:r>
-            <a:r>
-              <a:rPr lang="en-US" altLang="zh-CN" dirty="0"/>
-              <a:t>(</a:t>
-            </a:r>
-            <a:r>
-              <a:rPr lang="zh-CN" altLang="en-US" dirty="0"/>
-              <a:t>对应于头部和尾部</a:t>
-            </a:r>
-            <a:r>
-              <a:rPr lang="en-US" altLang="zh-CN" dirty="0"/>
-              <a:t>)</a:t>
-            </a:r>
-            <a:r>
-              <a:rPr lang="zh-CN" altLang="en-US" dirty="0"/>
-              <a:t>和弧</a:t>
-            </a:r>
-            <a:r>
-              <a:rPr lang="en-US" altLang="zh-CN" dirty="0"/>
-              <a:t>(</a:t>
-            </a:r>
-            <a:r>
-              <a:rPr lang="zh-CN" altLang="en-US" dirty="0"/>
-              <a:t>对应于关系运算符</a:t>
-            </a:r>
-            <a:r>
-              <a:rPr lang="en-US" altLang="zh-CN" dirty="0"/>
-              <a:t>)</a:t>
-            </a:r>
-            <a:r>
-              <a:rPr lang="zh-CN" altLang="en-US" dirty="0"/>
-              <a:t>的成本，我们使用</a:t>
-            </a:r>
-            <a:r>
-              <a:rPr lang="en-US" altLang="zh-CN" dirty="0"/>
-              <a:t>BERT</a:t>
-            </a:r>
-            <a:r>
-              <a:rPr lang="zh-CN" altLang="en-US" dirty="0"/>
-              <a:t>将它们编码成特征向量，并将它们的欧几里德距离值与预定义的阈值进行比较，以识别匹配的节点</a:t>
-            </a:r>
-            <a:r>
-              <a:rPr lang="en-US" altLang="zh-CN" dirty="0"/>
-              <a:t>/</a:t>
-            </a:r>
-            <a:r>
-              <a:rPr lang="zh-CN" altLang="en-US" dirty="0"/>
-              <a:t>边。</a:t>
-            </a:r>
-          </a:p>
-          <a:p>
-            <a:pPr marL="0" indent="0">
-              <a:buNone/>
-            </a:pPr>
-            <a:endParaRPr lang="en-US" altLang="zh-CN" dirty="0"/>
-          </a:p>
-        </p:txBody>
-      </p:sp>
-      <p:pic>
-        <p:nvPicPr>
-          <p:cNvPr id="8196" name="图片 3" descr="bb.jpg"/>
-          <p:cNvPicPr>
-            <a:picLocks noChangeAspect="1"/>
-          </p:cNvPicPr>
-          <p:nvPr/>
-        </p:nvPicPr>
-        <p:blipFill>
-          <a:blip r:embed="rId4"/>
-          <a:stretch>
-            <a:fillRect/>
-          </a:stretch>
-        </p:blipFill>
-        <p:spPr>
-          <a:xfrm>
-            <a:off x="7696200" y="6400802"/>
-            <a:ext cx="933450" cy="180975"/>
-          </a:xfrm>
-          <a:prstGeom prst="rect">
-            <a:avLst/>
-          </a:prstGeom>
-          <a:noFill/>
-          <a:ln w="9525">
-            <a:noFill/>
-          </a:ln>
-        </p:spPr>
-      </p:pic>
-      <p:sp>
-        <p:nvSpPr>
-          <p:cNvPr id="8197" name="TextBox 6"/>
-          <p:cNvSpPr txBox="1"/>
-          <p:nvPr/>
-        </p:nvSpPr>
-        <p:spPr>
-          <a:xfrm>
-            <a:off x="8077200" y="6248402"/>
-            <a:ext cx="685800" cy="461963"/>
-          </a:xfrm>
-          <a:prstGeom prst="rect">
-            <a:avLst/>
-          </a:prstGeom>
-          <a:noFill/>
-          <a:ln w="9525">
-            <a:noFill/>
-          </a:ln>
-        </p:spPr>
-        <p:txBody>
-          <a:bodyPr>
-            <a:spAutoFit/>
-          </a:bodyPr>
-          <a:lstStyle/>
-          <a:p>
-            <a:pPr marL="0" marR="0" lvl="0" indent="0" algn="l" defTabSz="914400" eaLnBrk="0" fontAlgn="base" latinLnBrk="0" hangingPunct="0">
-              <a:lnSpc>
-                <a:spcPct val="100000"/>
-              </a:lnSpc>
-              <a:spcBef>
-                <a:spcPct val="0"/>
-              </a:spcBef>
-              <a:spcAft>
-                <a:spcPct val="0"/>
-              </a:spcAft>
-              <a:buClrTx/>
-              <a:buSzTx/>
-              <a:buFont typeface="Arial" panose="020B0604020202020204" pitchFamily="34" charset="0"/>
-              <a:buNone/>
-              <a:tabLst/>
-              <a:defRPr/>
-            </a:pPr>
-            <a:fld id="{9A0DB2DC-4C9A-4742-B13C-FB6460FD3503}" type="slidenum">
-              <a:rPr kumimoji="0" lang="zh-CN" altLang="en-US" sz="2400" b="1" i="0" u="none" strike="noStrike" kern="1200" cap="none" spc="0" normalizeH="0" baseline="0" noProof="0" dirty="0">
-                <a:ln>
-                  <a:noFill/>
-                </a:ln>
-                <a:solidFill>
-                  <a:srgbClr val="254061"/>
-                </a:solidFill>
-                <a:effectLst/>
-                <a:uLnTx/>
-                <a:uFillTx/>
-                <a:latin typeface="HY헤드라인M" pitchFamily="2" charset="-127"/>
-                <a:ea typeface="HY헤드라인M" pitchFamily="2" charset="-127"/>
-              </a:rPr>
-              <a:pPr marL="0" marR="0" lvl="0" indent="0" algn="l" defTabSz="914400" eaLnBrk="0" fontAlgn="base" latinLnBrk="0" hangingPunct="0">
-                <a:lnSpc>
-                  <a:spcPct val="100000"/>
-                </a:lnSpc>
-                <a:spcBef>
-                  <a:spcPct val="0"/>
-                </a:spcBef>
-                <a:spcAft>
-                  <a:spcPct val="0"/>
-                </a:spcAft>
-                <a:buClrTx/>
-                <a:buSzTx/>
-                <a:buFont typeface="Arial" panose="020B0604020202020204" pitchFamily="34" charset="0"/>
-                <a:buNone/>
-                <a:tabLst/>
-                <a:defRPr/>
-              </a:pPr>
+              <a:pPr/>
               <a:t>24</a:t>
-            </a:fld>
-            <a:endParaRPr kumimoji="0" lang="zh-CN" altLang="en-US" sz="2400" b="1" i="0" u="none" strike="noStrike" kern="1200" cap="none" spc="0" normalizeH="0" baseline="0" noProof="0" dirty="0">
-              <a:ln>
-                <a:noFill/>
-              </a:ln>
-              <a:solidFill>
-                <a:srgbClr val="254061"/>
-              </a:solidFill>
-              <a:effectLst/>
-              <a:uLnTx/>
-              <a:uFillTx/>
-              <a:latin typeface="HY헤드라인M" pitchFamily="2" charset="-127"/>
-              <a:ea typeface="HY헤드라인M" pitchFamily="2" charset="-127"/>
-            </a:endParaRPr>
-          </a:p>
-        </p:txBody>
-      </p:sp>
-    </p:spTree>
-    <p:extLst>
-      <p:ext uri="{BB962C8B-B14F-4D97-AF65-F5344CB8AC3E}">
-        <p14:creationId xmlns:p14="http://schemas.microsoft.com/office/powerpoint/2010/main" val="2437894573"/>
-      </p:ext>
-    </p:extLst>
-  </p:cSld>
-  <p:clrMapOvr>
-    <a:masterClrMapping/>
-  </p:clrMapOvr>
-  <p:transition spd="slow" advTm="0"/>
-</p:sld>
-</file>
-
-<file path=ppt/slides/slide25.xml><?xml version="1.0" encoding="utf-8"?>
-<p:sld xmlns:a="http://schemas.openxmlformats.org/drawingml/2006/main" xmlns:r="http://schemas.openxmlformats.org/officeDocument/2006/relationships" xmlns:p="http://schemas.openxmlformats.org/presentationml/2006/main">
-  <p:cSld>
-    <p:spTree>
-      <p:nvGrpSpPr>
-        <p:cNvPr id="1" name=""/>
-        <p:cNvGrpSpPr/>
-        <p:nvPr/>
-      </p:nvGrpSpPr>
-      <p:grpSpPr>
-        <a:xfrm>
-          <a:off x="0" y="0"/>
-          <a:ext cx="0" cy="0"/>
-          <a:chOff x="0" y="0"/>
-          <a:chExt cx="0" cy="0"/>
-        </a:xfrm>
-      </p:grpSpPr>
-      <p:sp>
-        <p:nvSpPr>
-          <p:cNvPr id="8194" name="标题 1"/>
-          <p:cNvSpPr>
-            <a:spLocks noGrp="1"/>
-          </p:cNvSpPr>
-          <p:nvPr>
-            <p:ph type="title" idx="4294967295"/>
-          </p:nvPr>
-        </p:nvSpPr>
-        <p:spPr>
-          <a:xfrm>
-            <a:off x="611188" y="152400"/>
-            <a:ext cx="7770812" cy="603250"/>
-          </a:xfrm>
-        </p:spPr>
-        <p:txBody>
-          <a:bodyPr vert="horz" wrap="square" anchor="b"/>
-          <a:lstStyle/>
-          <a:p>
-            <a:r>
-              <a:rPr lang="en-US" altLang="zh-CN" sz="2800" b="1" dirty="0">
-                <a:effectLst>
-                  <a:outerShdw blurRad="38100" dist="38100" dir="2700000">
-                    <a:srgbClr val="C0C0C0"/>
-                  </a:outerShdw>
-                </a:effectLst>
-              </a:rPr>
-              <a:t>3</a:t>
-            </a:r>
-            <a:r>
-              <a:rPr lang="zh-CN" altLang="en-US" sz="2800" b="1" dirty="0">
-                <a:effectLst>
-                  <a:outerShdw blurRad="38100" dist="38100" dir="2700000">
-                    <a:srgbClr val="C0C0C0"/>
-                  </a:outerShdw>
-                </a:effectLst>
-              </a:rPr>
-              <a:t>、实验</a:t>
-            </a:r>
-          </a:p>
-        </p:txBody>
-      </p:sp>
-      <mc:AlternateContent xmlns:mc="http://schemas.openxmlformats.org/markup-compatibility/2006" xmlns:a14="http://schemas.microsoft.com/office/drawing/2010/main">
-        <mc:Choice Requires="a14">
-          <p:sp>
-            <p:nvSpPr>
-              <p:cNvPr id="8195" name="内容占位符 2"/>
-              <p:cNvSpPr>
-                <a:spLocks noGrp="1"/>
-              </p:cNvSpPr>
-              <p:nvPr>
-                <p:ph idx="4294967295"/>
-              </p:nvPr>
-            </p:nvSpPr>
-            <p:spPr>
-              <a:xfrm>
-                <a:off x="533400" y="1066862"/>
-                <a:ext cx="8096250" cy="4952870"/>
-              </a:xfrm>
-            </p:spPr>
-            <p:txBody>
-              <a:bodyPr vert="horz" wrap="square" anchor="t"/>
-              <a:lstStyle/>
-              <a:p>
-                <a:r>
-                  <a:rPr lang="zh-CN" altLang="en-US" dirty="0"/>
-                  <a:t>实验结果</a:t>
-                </a:r>
-                <a:r>
-                  <a:rPr lang="en-US" altLang="zh-CN" dirty="0"/>
-                  <a:t>—AA(</a:t>
-                </a:r>
-                <a:r>
-                  <a:rPr lang="zh-CN" altLang="en-US" dirty="0"/>
-                  <a:t>文本</a:t>
-                </a:r>
-                <a:r>
-                  <a:rPr lang="en-US" altLang="zh-CN" dirty="0"/>
-                  <a:t>-</a:t>
-                </a:r>
-                <a:r>
-                  <a:rPr lang="zh-CN" altLang="en-US" dirty="0"/>
-                  <a:t>文本</a:t>
-                </a:r>
-                <a:r>
-                  <a:rPr lang="en-US" altLang="zh-CN" dirty="0"/>
-                  <a:t>)</a:t>
-                </a:r>
-                <a:r>
-                  <a:rPr lang="zh-CN" altLang="en-US" dirty="0"/>
-                  <a:t>、</a:t>
-                </a:r>
-                <a:r>
-                  <a:rPr lang="en-US" altLang="zh-CN" dirty="0"/>
-                  <a:t>ABA(</a:t>
-                </a:r>
-                <a:r>
-                  <a:rPr lang="zh-CN" altLang="en-US" dirty="0"/>
-                  <a:t>文本</a:t>
-                </a:r>
-                <a:r>
-                  <a:rPr lang="en-US" altLang="zh-CN" dirty="0"/>
-                  <a:t>-</a:t>
-                </a:r>
-                <a:r>
-                  <a:rPr lang="zh-CN" altLang="en-US" dirty="0"/>
-                  <a:t>路径</a:t>
-                </a:r>
-                <a:r>
-                  <a:rPr lang="en-US" altLang="zh-CN" dirty="0"/>
-                  <a:t>-</a:t>
-                </a:r>
-                <a:r>
-                  <a:rPr lang="zh-CN" altLang="en-US" dirty="0"/>
-                  <a:t>文本</a:t>
-                </a:r>
-                <a:r>
-                  <a:rPr lang="en-US" altLang="zh-CN" dirty="0"/>
-                  <a:t>)</a:t>
-                </a:r>
-              </a:p>
-              <a:p>
-                <a:endParaRPr lang="en-US" altLang="zh-CN" dirty="0"/>
-              </a:p>
-              <a:p>
-                <a:endParaRPr lang="en-US" altLang="zh-CN" dirty="0"/>
-              </a:p>
-              <a:p>
-                <a:endParaRPr lang="en-US" altLang="zh-CN" dirty="0"/>
-              </a:p>
-              <a:p>
-                <a:endParaRPr lang="en-US" altLang="zh-CN" dirty="0"/>
-              </a:p>
-              <a:p>
-                <a:endParaRPr lang="en-US" altLang="zh-CN" dirty="0"/>
-              </a:p>
-              <a:p>
-                <a:endParaRPr lang="en-US" altLang="zh-CN" dirty="0"/>
-              </a:p>
-              <a:p>
-                <a:pPr>
-                  <a:buFont typeface="Wingdings" panose="05000000000000000000" pitchFamily="2" charset="2"/>
-                  <a:buChar char="l"/>
-                </a:pPr>
-                <a:r>
-                  <a:rPr lang="en-US" altLang="zh-CN" dirty="0"/>
-                  <a:t>BLEU</a:t>
-                </a:r>
-                <a:r>
-                  <a:rPr lang="zh-CN" altLang="en-US" dirty="0"/>
-                  <a:t>越接近</a:t>
-                </a:r>
-                <a:r>
-                  <a:rPr lang="en-US" altLang="zh-CN" dirty="0"/>
-                  <a:t>1</a:t>
-                </a:r>
-                <a:r>
-                  <a:rPr lang="zh-CN" altLang="en-US" dirty="0"/>
-                  <a:t>越好</a:t>
-                </a:r>
-              </a:p>
-              <a:p>
-                <a:pPr>
-                  <a:buFont typeface="Wingdings" panose="05000000000000000000" pitchFamily="2" charset="2"/>
-                  <a:buChar char="l"/>
-                </a:pPr>
-                <a14:m>
-                  <m:oMath xmlns:m="http://schemas.openxmlformats.org/officeDocument/2006/math">
-                    <m:sSub>
-                      <m:sSubPr>
-                        <m:ctrlPr>
-                          <a:rPr lang="en-US" altLang="zh-CN" i="1" smtClean="0">
-                            <a:latin typeface="Cambria Math" panose="02040503050406030204" pitchFamily="18" charset="0"/>
-                          </a:rPr>
-                        </m:ctrlPr>
-                      </m:sSubPr>
-                      <m:e>
-                        <m:r>
-                          <a:rPr lang="en-US" altLang="zh-CN" b="0" i="1" smtClean="0">
-                            <a:latin typeface="Cambria Math" panose="02040503050406030204" pitchFamily="18" charset="0"/>
-                          </a:rPr>
-                          <m:t>𝑅</m:t>
-                        </m:r>
-                      </m:e>
-                      <m:sub>
-                        <m:r>
-                          <a:rPr lang="en-US" altLang="zh-CN" b="0" i="1" smtClean="0">
-                            <a:latin typeface="Cambria Math" panose="02040503050406030204" pitchFamily="18" charset="0"/>
-                          </a:rPr>
-                          <m:t>𝐿</m:t>
-                        </m:r>
-                      </m:sub>
-                    </m:sSub>
-                    <m:r>
-                      <a:rPr lang="zh-CN" altLang="en-US" i="1">
-                        <a:latin typeface="Cambria Math" panose="02040503050406030204" pitchFamily="18" charset="0"/>
-                      </a:rPr>
-                      <m:t>越</m:t>
-                    </m:r>
-                    <m:r>
-                      <a:rPr lang="zh-CN" altLang="en-US" b="0" i="1" smtClean="0">
-                        <a:latin typeface="Cambria Math" panose="02040503050406030204" pitchFamily="18" charset="0"/>
-                      </a:rPr>
-                      <m:t>大</m:t>
-                    </m:r>
-                    <m:r>
-                      <a:rPr lang="zh-CN" altLang="en-US" i="1">
-                        <a:latin typeface="Cambria Math" panose="02040503050406030204" pitchFamily="18" charset="0"/>
-                      </a:rPr>
-                      <m:t>越好</m:t>
-                    </m:r>
-                  </m:oMath>
-                </a14:m>
-                <a:endParaRPr lang="en-US" altLang="zh-CN" dirty="0"/>
-              </a:p>
-              <a:p>
-                <a:pPr>
-                  <a:buFont typeface="Wingdings" panose="05000000000000000000" pitchFamily="2" charset="2"/>
-                  <a:buChar char="l"/>
-                </a:pPr>
-                <a:r>
-                  <a:rPr lang="en-US" altLang="zh-CN" dirty="0"/>
-                  <a:t>BERT F1</a:t>
-                </a:r>
-                <a:r>
-                  <a:rPr lang="zh-CN" altLang="en-US" dirty="0"/>
-                  <a:t>越接近</a:t>
-                </a:r>
-                <a:r>
-                  <a:rPr lang="en-US" altLang="zh-CN" dirty="0"/>
-                  <a:t>1</a:t>
-                </a:r>
-                <a:r>
-                  <a:rPr lang="zh-CN" altLang="en-US" dirty="0"/>
-                  <a:t>越好</a:t>
-                </a:r>
-              </a:p>
-              <a:p>
-                <a:endParaRPr lang="zh-CN" altLang="en-US" dirty="0"/>
-              </a:p>
-            </p:txBody>
-          </p:sp>
-        </mc:Choice>
-        <mc:Fallback xmlns="">
-          <p:sp>
-            <p:nvSpPr>
-              <p:cNvPr id="8195" name="内容占位符 2"/>
-              <p:cNvSpPr>
-                <a:spLocks noGrp="1" noRot="1" noChangeAspect="1" noMove="1" noResize="1" noEditPoints="1" noAdjustHandles="1" noChangeArrowheads="1" noChangeShapeType="1" noTextEdit="1"/>
-              </p:cNvSpPr>
-              <p:nvPr>
-                <p:ph idx="4294967295"/>
-              </p:nvPr>
-            </p:nvSpPr>
-            <p:spPr>
-              <a:xfrm>
-                <a:off x="533400" y="1066862"/>
-                <a:ext cx="8096250" cy="4952870"/>
-              </a:xfrm>
-              <a:blipFill>
-                <a:blip r:embed="rId3"/>
-                <a:stretch>
-                  <a:fillRect l="-678" t="-246"/>
-                </a:stretch>
-              </a:blipFill>
-            </p:spPr>
-            <p:txBody>
-              <a:bodyPr/>
-              <a:lstStyle/>
-              <a:p>
-                <a:r>
-                  <a:rPr lang="zh-CN" altLang="en-US">
-                    <a:noFill/>
-                  </a:rPr>
-                  <a:t> </a:t>
-                </a:r>
-              </a:p>
-            </p:txBody>
-          </p:sp>
-        </mc:Fallback>
-      </mc:AlternateContent>
-      <p:pic>
-        <p:nvPicPr>
-          <p:cNvPr id="8196" name="图片 3" descr="bb.jpg"/>
-          <p:cNvPicPr>
-            <a:picLocks noChangeAspect="1"/>
-          </p:cNvPicPr>
-          <p:nvPr/>
-        </p:nvPicPr>
-        <p:blipFill>
-          <a:blip r:embed="rId4"/>
-          <a:stretch>
-            <a:fillRect/>
-          </a:stretch>
-        </p:blipFill>
-        <p:spPr>
-          <a:xfrm>
-            <a:off x="7696200" y="6400802"/>
-            <a:ext cx="933450" cy="180975"/>
-          </a:xfrm>
-          <a:prstGeom prst="rect">
-            <a:avLst/>
-          </a:prstGeom>
-          <a:noFill/>
-          <a:ln w="9525">
-            <a:noFill/>
-          </a:ln>
-        </p:spPr>
-      </p:pic>
-      <p:sp>
-        <p:nvSpPr>
-          <p:cNvPr id="8197" name="TextBox 6"/>
-          <p:cNvSpPr txBox="1"/>
-          <p:nvPr/>
-        </p:nvSpPr>
-        <p:spPr>
-          <a:xfrm>
-            <a:off x="8077200" y="6248402"/>
-            <a:ext cx="685800" cy="461963"/>
-          </a:xfrm>
-          <a:prstGeom prst="rect">
-            <a:avLst/>
-          </a:prstGeom>
-          <a:noFill/>
-          <a:ln w="9525">
-            <a:noFill/>
-          </a:ln>
-        </p:spPr>
-        <p:txBody>
-          <a:bodyPr>
-            <a:spAutoFit/>
-          </a:bodyPr>
-          <a:lstStyle/>
-          <a:p>
-            <a:pPr marL="0" marR="0" lvl="0" indent="0" algn="l" defTabSz="914400" eaLnBrk="0" fontAlgn="base" latinLnBrk="0" hangingPunct="0">
-              <a:lnSpc>
-                <a:spcPct val="100000"/>
-              </a:lnSpc>
-              <a:spcBef>
-                <a:spcPct val="0"/>
-              </a:spcBef>
-              <a:spcAft>
-                <a:spcPct val="0"/>
-              </a:spcAft>
-              <a:buClrTx/>
-              <a:buSzTx/>
-              <a:buFont typeface="Arial" panose="020B0604020202020204" pitchFamily="34" charset="0"/>
-              <a:buNone/>
-              <a:tabLst/>
-              <a:defRPr/>
-            </a:pPr>
-            <a:fld id="{9A0DB2DC-4C9A-4742-B13C-FB6460FD3503}" type="slidenum">
-              <a:rPr kumimoji="0" lang="zh-CN" altLang="en-US" sz="2400" b="1" i="0" u="none" strike="noStrike" kern="1200" cap="none" spc="0" normalizeH="0" baseline="0" noProof="0" dirty="0">
-                <a:ln>
-                  <a:noFill/>
-                </a:ln>
-                <a:solidFill>
-                  <a:srgbClr val="254061"/>
-                </a:solidFill>
-                <a:effectLst/>
-                <a:uLnTx/>
-                <a:uFillTx/>
-                <a:latin typeface="HY헤드라인M" pitchFamily="2" charset="-127"/>
-                <a:ea typeface="HY헤드라인M" pitchFamily="2" charset="-127"/>
-              </a:rPr>
-              <a:pPr marL="0" marR="0" lvl="0" indent="0" algn="l" defTabSz="914400" eaLnBrk="0" fontAlgn="base" latinLnBrk="0" hangingPunct="0">
-                <a:lnSpc>
-                  <a:spcPct val="100000"/>
-                </a:lnSpc>
-                <a:spcBef>
-                  <a:spcPct val="0"/>
-                </a:spcBef>
-                <a:spcAft>
-                  <a:spcPct val="0"/>
-                </a:spcAft>
-                <a:buClrTx/>
-                <a:buSzTx/>
-                <a:buFont typeface="Arial" panose="020B0604020202020204" pitchFamily="34" charset="0"/>
-                <a:buNone/>
-                <a:tabLst/>
-                <a:defRPr/>
-              </a:pPr>
-              <a:t>25</a:t>
-            </a:fld>
-            <a:endParaRPr kumimoji="0" lang="zh-CN" altLang="en-US" sz="2400" b="1" i="0" u="none" strike="noStrike" kern="1200" cap="none" spc="0" normalizeH="0" baseline="0" noProof="0" dirty="0">
-              <a:ln>
-                <a:noFill/>
-              </a:ln>
-              <a:solidFill>
-                <a:srgbClr val="254061"/>
-              </a:solidFill>
-              <a:effectLst/>
-              <a:uLnTx/>
-              <a:uFillTx/>
-              <a:latin typeface="HY헤드라인M" pitchFamily="2" charset="-127"/>
-              <a:ea typeface="HY헤드라인M" pitchFamily="2" charset="-127"/>
-            </a:endParaRPr>
-          </a:p>
-        </p:txBody>
-      </p:sp>
-      <p:pic>
-        <p:nvPicPr>
-          <p:cNvPr id="3" name="图片 2">
-            <a:extLst>
-              <a:ext uri="{FF2B5EF4-FFF2-40B4-BE49-F238E27FC236}">
-                <a16:creationId xmlns:a16="http://schemas.microsoft.com/office/drawing/2014/main" id="{A6D7BE70-7AF0-4EAB-9B9E-DDBCC8014158}"/>
-              </a:ext>
-            </a:extLst>
-          </p:cNvPr>
-          <p:cNvPicPr>
-            <a:picLocks noChangeAspect="1"/>
-          </p:cNvPicPr>
-          <p:nvPr/>
-        </p:nvPicPr>
-        <p:blipFill>
-          <a:blip r:embed="rId5"/>
-          <a:stretch>
-            <a:fillRect/>
-          </a:stretch>
-        </p:blipFill>
-        <p:spPr>
-          <a:xfrm>
-            <a:off x="0" y="1676446"/>
-            <a:ext cx="9144000" cy="2332089"/>
-          </a:xfrm>
-          <a:prstGeom prst="rect">
-            <a:avLst/>
-          </a:prstGeom>
-        </p:spPr>
-      </p:pic>
-    </p:spTree>
-    <p:extLst>
-      <p:ext uri="{BB962C8B-B14F-4D97-AF65-F5344CB8AC3E}">
-        <p14:creationId xmlns:p14="http://schemas.microsoft.com/office/powerpoint/2010/main" val="2409316052"/>
-      </p:ext>
-    </p:extLst>
-  </p:cSld>
-  <p:clrMapOvr>
-    <a:masterClrMapping/>
-  </p:clrMapOvr>
-  <p:transition spd="slow" advTm="0"/>
-</p:sld>
-</file>
-
-<file path=ppt/slides/slide26.xml><?xml version="1.0" encoding="utf-8"?>
-<p:sld xmlns:a="http://schemas.openxmlformats.org/drawingml/2006/main" xmlns:r="http://schemas.openxmlformats.org/officeDocument/2006/relationships" xmlns:p="http://schemas.openxmlformats.org/presentationml/2006/main">
-  <p:cSld>
-    <p:spTree>
-      <p:nvGrpSpPr>
-        <p:cNvPr id="1" name=""/>
-        <p:cNvGrpSpPr/>
-        <p:nvPr/>
-      </p:nvGrpSpPr>
-      <p:grpSpPr>
-        <a:xfrm>
-          <a:off x="0" y="0"/>
-          <a:ext cx="0" cy="0"/>
-          <a:chOff x="0" y="0"/>
-          <a:chExt cx="0" cy="0"/>
-        </a:xfrm>
-      </p:grpSpPr>
-      <p:sp>
-        <p:nvSpPr>
-          <p:cNvPr id="8194" name="标题 1"/>
-          <p:cNvSpPr>
-            <a:spLocks noGrp="1"/>
-          </p:cNvSpPr>
-          <p:nvPr>
-            <p:ph type="title" idx="4294967295"/>
-          </p:nvPr>
-        </p:nvSpPr>
-        <p:spPr>
-          <a:xfrm>
-            <a:off x="611188" y="152400"/>
-            <a:ext cx="7770812" cy="603250"/>
-          </a:xfrm>
-        </p:spPr>
-        <p:txBody>
-          <a:bodyPr vert="horz" wrap="square" anchor="b"/>
-          <a:lstStyle/>
-          <a:p>
-            <a:r>
-              <a:rPr lang="en-US" altLang="zh-CN" sz="2800" b="1" dirty="0">
-                <a:effectLst>
-                  <a:outerShdw blurRad="38100" dist="38100" dir="2700000">
-                    <a:srgbClr val="C0C0C0"/>
-                  </a:outerShdw>
-                </a:effectLst>
-              </a:rPr>
-              <a:t>3</a:t>
-            </a:r>
-            <a:r>
-              <a:rPr lang="zh-CN" altLang="en-US" sz="2800" b="1" dirty="0">
-                <a:effectLst>
-                  <a:outerShdw blurRad="38100" dist="38100" dir="2700000">
-                    <a:srgbClr val="C0C0C0"/>
-                  </a:outerShdw>
-                </a:effectLst>
-              </a:rPr>
-              <a:t>、实验</a:t>
-            </a:r>
-          </a:p>
-        </p:txBody>
-      </p:sp>
-      <p:sp>
-        <p:nvSpPr>
-          <p:cNvPr id="8195" name="内容占位符 2"/>
-          <p:cNvSpPr>
-            <a:spLocks noGrp="1"/>
-          </p:cNvSpPr>
-          <p:nvPr>
-            <p:ph idx="4294967295"/>
-          </p:nvPr>
-        </p:nvSpPr>
-        <p:spPr>
-          <a:xfrm>
-            <a:off x="533400" y="1066862"/>
-            <a:ext cx="8096250" cy="4952870"/>
-          </a:xfrm>
-        </p:spPr>
-        <p:txBody>
-          <a:bodyPr vert="horz" wrap="square" anchor="t"/>
-          <a:lstStyle/>
-          <a:p>
-            <a:r>
-              <a:rPr lang="zh-CN" altLang="en-US" dirty="0"/>
-              <a:t>实验结果</a:t>
-            </a:r>
-            <a:r>
-              <a:rPr lang="en-US" altLang="zh-CN" dirty="0"/>
-              <a:t>—BA(</a:t>
-            </a:r>
-            <a:r>
-              <a:rPr lang="zh-CN" altLang="en-US" dirty="0"/>
-              <a:t>路径</a:t>
-            </a:r>
-            <a:r>
-              <a:rPr lang="en-US" altLang="zh-CN" dirty="0"/>
-              <a:t>-</a:t>
-            </a:r>
-            <a:r>
-              <a:rPr lang="zh-CN" altLang="en-US" dirty="0"/>
-              <a:t>文本</a:t>
-            </a:r>
-            <a:r>
-              <a:rPr lang="en-US" altLang="zh-CN" dirty="0"/>
-              <a:t>)</a:t>
-            </a:r>
-            <a:endParaRPr lang="zh-CN" altLang="en-US" dirty="0"/>
-          </a:p>
-        </p:txBody>
-      </p:sp>
-      <p:pic>
-        <p:nvPicPr>
-          <p:cNvPr id="8196" name="图片 3" descr="bb.jpg"/>
-          <p:cNvPicPr>
-            <a:picLocks noChangeAspect="1"/>
-          </p:cNvPicPr>
-          <p:nvPr/>
-        </p:nvPicPr>
-        <p:blipFill>
-          <a:blip r:embed="rId3"/>
-          <a:stretch>
-            <a:fillRect/>
-          </a:stretch>
-        </p:blipFill>
-        <p:spPr>
-          <a:xfrm>
-            <a:off x="7696200" y="6400802"/>
-            <a:ext cx="933450" cy="180975"/>
-          </a:xfrm>
-          <a:prstGeom prst="rect">
-            <a:avLst/>
-          </a:prstGeom>
-          <a:noFill/>
-          <a:ln w="9525">
-            <a:noFill/>
-          </a:ln>
-        </p:spPr>
-      </p:pic>
-      <p:sp>
-        <p:nvSpPr>
-          <p:cNvPr id="8197" name="TextBox 6"/>
-          <p:cNvSpPr txBox="1"/>
-          <p:nvPr/>
-        </p:nvSpPr>
-        <p:spPr>
-          <a:xfrm>
-            <a:off x="8077200" y="6248402"/>
-            <a:ext cx="685800" cy="461963"/>
-          </a:xfrm>
-          <a:prstGeom prst="rect">
-            <a:avLst/>
-          </a:prstGeom>
-          <a:noFill/>
-          <a:ln w="9525">
-            <a:noFill/>
-          </a:ln>
-        </p:spPr>
-        <p:txBody>
-          <a:bodyPr>
-            <a:spAutoFit/>
-          </a:bodyPr>
-          <a:lstStyle/>
-          <a:p>
-            <a:pPr marL="0" marR="0" lvl="0" indent="0" algn="l" defTabSz="914400" eaLnBrk="0" fontAlgn="base" latinLnBrk="0" hangingPunct="0">
-              <a:lnSpc>
-                <a:spcPct val="100000"/>
-              </a:lnSpc>
-              <a:spcBef>
-                <a:spcPct val="0"/>
-              </a:spcBef>
-              <a:spcAft>
-                <a:spcPct val="0"/>
-              </a:spcAft>
-              <a:buClrTx/>
-              <a:buSzTx/>
-              <a:buFont typeface="Arial" panose="020B0604020202020204" pitchFamily="34" charset="0"/>
-              <a:buNone/>
-              <a:tabLst/>
-              <a:defRPr/>
-            </a:pPr>
-            <a:fld id="{9A0DB2DC-4C9A-4742-B13C-FB6460FD3503}" type="slidenum">
-              <a:rPr kumimoji="0" lang="zh-CN" altLang="en-US" sz="2400" b="1" i="0" u="none" strike="noStrike" kern="1200" cap="none" spc="0" normalizeH="0" baseline="0" noProof="0" dirty="0">
-                <a:ln>
-                  <a:noFill/>
-                </a:ln>
-                <a:solidFill>
-                  <a:srgbClr val="254061"/>
-                </a:solidFill>
-                <a:effectLst/>
-                <a:uLnTx/>
-                <a:uFillTx/>
-                <a:latin typeface="HY헤드라인M" pitchFamily="2" charset="-127"/>
-                <a:ea typeface="HY헤드라인M" pitchFamily="2" charset="-127"/>
-              </a:rPr>
-              <a:pPr marL="0" marR="0" lvl="0" indent="0" algn="l" defTabSz="914400" eaLnBrk="0" fontAlgn="base" latinLnBrk="0" hangingPunct="0">
-                <a:lnSpc>
-                  <a:spcPct val="100000"/>
-                </a:lnSpc>
-                <a:spcBef>
-                  <a:spcPct val="0"/>
-                </a:spcBef>
-                <a:spcAft>
-                  <a:spcPct val="0"/>
-                </a:spcAft>
-                <a:buClrTx/>
-                <a:buSzTx/>
-                <a:buFont typeface="Arial" panose="020B0604020202020204" pitchFamily="34" charset="0"/>
-                <a:buNone/>
-                <a:tabLst/>
-                <a:defRPr/>
-              </a:pPr>
-              <a:t>26</a:t>
-            </a:fld>
-            <a:endParaRPr kumimoji="0" lang="zh-CN" altLang="en-US" sz="2400" b="1" i="0" u="none" strike="noStrike" kern="1200" cap="none" spc="0" normalizeH="0" baseline="0" noProof="0" dirty="0">
-              <a:ln>
-                <a:noFill/>
-              </a:ln>
-              <a:solidFill>
-                <a:srgbClr val="254061"/>
-              </a:solidFill>
-              <a:effectLst/>
-              <a:uLnTx/>
-              <a:uFillTx/>
-              <a:latin typeface="HY헤드라인M" pitchFamily="2" charset="-127"/>
-              <a:ea typeface="HY헤드라인M" pitchFamily="2" charset="-127"/>
-            </a:endParaRPr>
-          </a:p>
-        </p:txBody>
-      </p:sp>
-      <p:pic>
-        <p:nvPicPr>
-          <p:cNvPr id="4" name="图片 3">
-            <a:extLst>
-              <a:ext uri="{FF2B5EF4-FFF2-40B4-BE49-F238E27FC236}">
-                <a16:creationId xmlns:a16="http://schemas.microsoft.com/office/drawing/2014/main" id="{FA1E5A5F-C260-4E87-A248-7313788E9E43}"/>
-              </a:ext>
-            </a:extLst>
-          </p:cNvPr>
-          <p:cNvPicPr>
-            <a:picLocks noChangeAspect="1"/>
-          </p:cNvPicPr>
-          <p:nvPr/>
-        </p:nvPicPr>
-        <p:blipFill>
-          <a:blip r:embed="rId4"/>
-          <a:stretch>
-            <a:fillRect/>
-          </a:stretch>
-        </p:blipFill>
-        <p:spPr>
-          <a:xfrm>
-            <a:off x="1295486" y="1952726"/>
-            <a:ext cx="5783907" cy="2952547"/>
-          </a:xfrm>
-          <a:prstGeom prst="rect">
-            <a:avLst/>
-          </a:prstGeom>
-        </p:spPr>
-      </p:pic>
-    </p:spTree>
-    <p:extLst>
-      <p:ext uri="{BB962C8B-B14F-4D97-AF65-F5344CB8AC3E}">
-        <p14:creationId xmlns:p14="http://schemas.microsoft.com/office/powerpoint/2010/main" val="3798182708"/>
-      </p:ext>
-    </p:extLst>
-  </p:cSld>
-  <p:clrMapOvr>
-    <a:masterClrMapping/>
-  </p:clrMapOvr>
-  <p:transition spd="slow" advTm="0"/>
-</p:sld>
-</file>
-
-<file path=ppt/slides/slide27.xml><?xml version="1.0" encoding="utf-8"?>
-<p:sld xmlns:a="http://schemas.openxmlformats.org/drawingml/2006/main" xmlns:r="http://schemas.openxmlformats.org/officeDocument/2006/relationships" xmlns:p="http://schemas.openxmlformats.org/presentationml/2006/main">
-  <p:cSld>
-    <p:spTree>
-      <p:nvGrpSpPr>
-        <p:cNvPr id="1" name=""/>
-        <p:cNvGrpSpPr/>
-        <p:nvPr/>
-      </p:nvGrpSpPr>
-      <p:grpSpPr>
-        <a:xfrm>
-          <a:off x="0" y="0"/>
-          <a:ext cx="0" cy="0"/>
-          <a:chOff x="0" y="0"/>
-          <a:chExt cx="0" cy="0"/>
-        </a:xfrm>
-      </p:grpSpPr>
-      <p:sp>
-        <p:nvSpPr>
-          <p:cNvPr id="8194" name="标题 1"/>
-          <p:cNvSpPr>
-            <a:spLocks noGrp="1"/>
-          </p:cNvSpPr>
-          <p:nvPr>
-            <p:ph type="title" idx="4294967295"/>
-          </p:nvPr>
-        </p:nvSpPr>
-        <p:spPr>
-          <a:xfrm>
-            <a:off x="611188" y="152400"/>
-            <a:ext cx="7770812" cy="603250"/>
-          </a:xfrm>
-        </p:spPr>
-        <p:txBody>
-          <a:bodyPr vert="horz" wrap="square" anchor="b"/>
-          <a:lstStyle/>
-          <a:p>
-            <a:r>
-              <a:rPr lang="en-US" altLang="zh-CN" sz="2800" b="1" dirty="0">
-                <a:effectLst>
-                  <a:outerShdw blurRad="38100" dist="38100" dir="2700000">
-                    <a:srgbClr val="C0C0C0"/>
-                  </a:outerShdw>
-                </a:effectLst>
-              </a:rPr>
-              <a:t>3</a:t>
-            </a:r>
-            <a:r>
-              <a:rPr lang="zh-CN" altLang="en-US" sz="2800" b="1" dirty="0">
-                <a:effectLst>
-                  <a:outerShdw blurRad="38100" dist="38100" dir="2700000">
-                    <a:srgbClr val="C0C0C0"/>
-                  </a:outerShdw>
-                </a:effectLst>
-              </a:rPr>
-              <a:t>、实验</a:t>
-            </a:r>
-          </a:p>
-        </p:txBody>
-      </p:sp>
-      <p:sp>
-        <p:nvSpPr>
-          <p:cNvPr id="8195" name="内容占位符 2"/>
-          <p:cNvSpPr>
-            <a:spLocks noGrp="1"/>
-          </p:cNvSpPr>
-          <p:nvPr>
-            <p:ph idx="4294967295"/>
-          </p:nvPr>
-        </p:nvSpPr>
-        <p:spPr>
-          <a:xfrm>
-            <a:off x="533400" y="1066862"/>
-            <a:ext cx="8096250" cy="4952870"/>
-          </a:xfrm>
-        </p:spPr>
-        <p:txBody>
-          <a:bodyPr vert="horz" wrap="square" anchor="t"/>
-          <a:lstStyle/>
-          <a:p>
-            <a:r>
-              <a:rPr lang="zh-CN" altLang="en-US" dirty="0"/>
-              <a:t>实验结果</a:t>
-            </a:r>
-            <a:r>
-              <a:rPr lang="en-US" altLang="zh-CN" dirty="0"/>
-              <a:t>—AB(</a:t>
-            </a:r>
-            <a:r>
-              <a:rPr lang="zh-CN" altLang="en-US" dirty="0"/>
-              <a:t>文本</a:t>
-            </a:r>
-            <a:r>
-              <a:rPr lang="en-US" altLang="zh-CN" dirty="0"/>
-              <a:t>-</a:t>
-            </a:r>
-            <a:r>
-              <a:rPr lang="zh-CN" altLang="en-US" dirty="0"/>
-              <a:t>路径</a:t>
-            </a:r>
-            <a:r>
-              <a:rPr lang="en-US" altLang="zh-CN" dirty="0"/>
-              <a:t>)</a:t>
-            </a:r>
-            <a:endParaRPr lang="zh-CN" altLang="en-US" dirty="0"/>
-          </a:p>
-        </p:txBody>
-      </p:sp>
-      <p:pic>
-        <p:nvPicPr>
-          <p:cNvPr id="8196" name="图片 3" descr="bb.jpg"/>
-          <p:cNvPicPr>
-            <a:picLocks noChangeAspect="1"/>
-          </p:cNvPicPr>
-          <p:nvPr/>
-        </p:nvPicPr>
-        <p:blipFill>
-          <a:blip r:embed="rId3"/>
-          <a:stretch>
-            <a:fillRect/>
-          </a:stretch>
-        </p:blipFill>
-        <p:spPr>
-          <a:xfrm>
-            <a:off x="7696200" y="6400802"/>
-            <a:ext cx="933450" cy="180975"/>
-          </a:xfrm>
-          <a:prstGeom prst="rect">
-            <a:avLst/>
-          </a:prstGeom>
-          <a:noFill/>
-          <a:ln w="9525">
-            <a:noFill/>
-          </a:ln>
-        </p:spPr>
-      </p:pic>
-      <p:sp>
-        <p:nvSpPr>
-          <p:cNvPr id="8197" name="TextBox 6"/>
-          <p:cNvSpPr txBox="1"/>
-          <p:nvPr/>
-        </p:nvSpPr>
-        <p:spPr>
-          <a:xfrm>
-            <a:off x="8077200" y="6248402"/>
-            <a:ext cx="685800" cy="461963"/>
-          </a:xfrm>
-          <a:prstGeom prst="rect">
-            <a:avLst/>
-          </a:prstGeom>
-          <a:noFill/>
-          <a:ln w="9525">
-            <a:noFill/>
-          </a:ln>
-        </p:spPr>
-        <p:txBody>
-          <a:bodyPr>
-            <a:spAutoFit/>
-          </a:bodyPr>
-          <a:lstStyle/>
-          <a:p>
-            <a:pPr marL="0" marR="0" lvl="0" indent="0" algn="l" defTabSz="914400" eaLnBrk="0" fontAlgn="base" latinLnBrk="0" hangingPunct="0">
-              <a:lnSpc>
-                <a:spcPct val="100000"/>
-              </a:lnSpc>
-              <a:spcBef>
-                <a:spcPct val="0"/>
-              </a:spcBef>
-              <a:spcAft>
-                <a:spcPct val="0"/>
-              </a:spcAft>
-              <a:buClrTx/>
-              <a:buSzTx/>
-              <a:buFont typeface="Arial" panose="020B0604020202020204" pitchFamily="34" charset="0"/>
-              <a:buNone/>
-              <a:tabLst/>
-              <a:defRPr/>
-            </a:pPr>
-            <a:fld id="{9A0DB2DC-4C9A-4742-B13C-FB6460FD3503}" type="slidenum">
-              <a:rPr kumimoji="0" lang="zh-CN" altLang="en-US" sz="2400" b="1" i="0" u="none" strike="noStrike" kern="1200" cap="none" spc="0" normalizeH="0" baseline="0" noProof="0" dirty="0">
-                <a:ln>
-                  <a:noFill/>
-                </a:ln>
-                <a:solidFill>
-                  <a:srgbClr val="254061"/>
-                </a:solidFill>
-                <a:effectLst/>
-                <a:uLnTx/>
-                <a:uFillTx/>
-                <a:latin typeface="HY헤드라인M" pitchFamily="2" charset="-127"/>
-                <a:ea typeface="HY헤드라인M" pitchFamily="2" charset="-127"/>
-              </a:rPr>
-              <a:pPr marL="0" marR="0" lvl="0" indent="0" algn="l" defTabSz="914400" eaLnBrk="0" fontAlgn="base" latinLnBrk="0" hangingPunct="0">
-                <a:lnSpc>
-                  <a:spcPct val="100000"/>
-                </a:lnSpc>
-                <a:spcBef>
-                  <a:spcPct val="0"/>
-                </a:spcBef>
-                <a:spcAft>
-                  <a:spcPct val="0"/>
-                </a:spcAft>
-                <a:buClrTx/>
-                <a:buSzTx/>
-                <a:buFont typeface="Arial" panose="020B0604020202020204" pitchFamily="34" charset="0"/>
-                <a:buNone/>
-                <a:tabLst/>
-                <a:defRPr/>
-              </a:pPr>
-              <a:t>27</a:t>
-            </a:fld>
-            <a:endParaRPr kumimoji="0" lang="zh-CN" altLang="en-US" sz="2400" b="1" i="0" u="none" strike="noStrike" kern="1200" cap="none" spc="0" normalizeH="0" baseline="0" noProof="0" dirty="0">
-              <a:ln>
-                <a:noFill/>
-              </a:ln>
-              <a:solidFill>
-                <a:srgbClr val="254061"/>
-              </a:solidFill>
-              <a:effectLst/>
-              <a:uLnTx/>
-              <a:uFillTx/>
-              <a:latin typeface="HY헤드라인M" pitchFamily="2" charset="-127"/>
-              <a:ea typeface="HY헤드라인M" pitchFamily="2" charset="-127"/>
-            </a:endParaRPr>
-          </a:p>
-        </p:txBody>
-      </p:sp>
-      <p:pic>
-        <p:nvPicPr>
-          <p:cNvPr id="2" name="图片 1">
-            <a:extLst>
-              <a:ext uri="{FF2B5EF4-FFF2-40B4-BE49-F238E27FC236}">
-                <a16:creationId xmlns:a16="http://schemas.microsoft.com/office/drawing/2014/main" id="{E2E34205-4517-4F94-AE95-FA48934C5F0A}"/>
-              </a:ext>
-            </a:extLst>
-          </p:cNvPr>
-          <p:cNvPicPr>
-            <a:picLocks noChangeAspect="1"/>
-          </p:cNvPicPr>
-          <p:nvPr/>
-        </p:nvPicPr>
-        <p:blipFill>
-          <a:blip r:embed="rId4"/>
-          <a:stretch>
-            <a:fillRect/>
-          </a:stretch>
-        </p:blipFill>
-        <p:spPr>
-          <a:xfrm>
-            <a:off x="362476" y="1562559"/>
-            <a:ext cx="8419048" cy="4152381"/>
-          </a:xfrm>
-          <a:prstGeom prst="rect">
-            <a:avLst/>
-          </a:prstGeom>
-        </p:spPr>
-      </p:pic>
-    </p:spTree>
-    <p:extLst>
-      <p:ext uri="{BB962C8B-B14F-4D97-AF65-F5344CB8AC3E}">
-        <p14:creationId xmlns:p14="http://schemas.microsoft.com/office/powerpoint/2010/main" val="435105271"/>
-      </p:ext>
-    </p:extLst>
-  </p:cSld>
-  <p:clrMapOvr>
-    <a:masterClrMapping/>
-  </p:clrMapOvr>
-  <p:transition spd="slow" advTm="0"/>
-</p:sld>
-</file>
-
-<file path=ppt/slides/slide28.xml><?xml version="1.0" encoding="utf-8"?>
-<p:sld xmlns:a="http://schemas.openxmlformats.org/drawingml/2006/main" xmlns:r="http://schemas.openxmlformats.org/officeDocument/2006/relationships" xmlns:p="http://schemas.openxmlformats.org/presentationml/2006/main">
-  <p:cSld>
-    <p:spTree>
-      <p:nvGrpSpPr>
-        <p:cNvPr id="1" name=""/>
-        <p:cNvGrpSpPr/>
-        <p:nvPr/>
-      </p:nvGrpSpPr>
-      <p:grpSpPr>
-        <a:xfrm>
-          <a:off x="0" y="0"/>
-          <a:ext cx="0" cy="0"/>
-          <a:chOff x="0" y="0"/>
-          <a:chExt cx="0" cy="0"/>
-        </a:xfrm>
-      </p:grpSpPr>
-      <p:sp>
-        <p:nvSpPr>
-          <p:cNvPr id="8194" name="标题 1"/>
-          <p:cNvSpPr>
-            <a:spLocks noGrp="1"/>
-          </p:cNvSpPr>
-          <p:nvPr>
-            <p:ph type="title" idx="4294967295"/>
-          </p:nvPr>
-        </p:nvSpPr>
-        <p:spPr>
-          <a:xfrm>
-            <a:off x="611188" y="152400"/>
-            <a:ext cx="7770812" cy="603250"/>
-          </a:xfrm>
-        </p:spPr>
-        <p:txBody>
-          <a:bodyPr vert="horz" wrap="square" anchor="b"/>
-          <a:lstStyle/>
-          <a:p>
-            <a:r>
-              <a:rPr lang="en-US" altLang="zh-CN" sz="2800" b="1" dirty="0">
-                <a:effectLst>
-                  <a:outerShdw blurRad="38100" dist="38100" dir="2700000">
-                    <a:srgbClr val="C0C0C0"/>
-                  </a:outerShdw>
-                </a:effectLst>
-              </a:rPr>
-              <a:t>3</a:t>
-            </a:r>
-            <a:r>
-              <a:rPr lang="zh-CN" altLang="en-US" sz="2800" b="1" dirty="0">
-                <a:effectLst>
-                  <a:outerShdw blurRad="38100" dist="38100" dir="2700000">
-                    <a:srgbClr val="C0C0C0"/>
-                  </a:outerShdw>
-                </a:effectLst>
-              </a:rPr>
-              <a:t>、实验</a:t>
-            </a:r>
-          </a:p>
-        </p:txBody>
-      </p:sp>
-      <mc:AlternateContent xmlns:mc="http://schemas.openxmlformats.org/markup-compatibility/2006" xmlns:a14="http://schemas.microsoft.com/office/drawing/2010/main">
-        <mc:Choice Requires="a14">
-          <p:sp>
-            <p:nvSpPr>
-              <p:cNvPr id="8195" name="内容占位符 2"/>
-              <p:cNvSpPr>
-                <a:spLocks noGrp="1"/>
-              </p:cNvSpPr>
-              <p:nvPr>
-                <p:ph idx="4294967295"/>
-              </p:nvPr>
-            </p:nvSpPr>
-            <p:spPr>
-              <a:xfrm>
-                <a:off x="533400" y="1066862"/>
-                <a:ext cx="8096250" cy="4952870"/>
-              </a:xfrm>
-            </p:spPr>
-            <p:txBody>
-              <a:bodyPr vert="horz" wrap="square" anchor="t"/>
-              <a:lstStyle/>
-              <a:p>
-                <a:r>
-                  <a:rPr lang="zh-CN" altLang="en-US" dirty="0"/>
-                  <a:t>损失函数的消融实验</a:t>
-                </a:r>
-                <a:endParaRPr lang="en-US" altLang="zh-CN" dirty="0"/>
-              </a:p>
-              <a:p>
-                <a:pPr marL="0" indent="457200">
-                  <a:buNone/>
-                </a:pPr>
-                <a:r>
-                  <a:rPr lang="zh-CN" altLang="en-US" dirty="0"/>
-                  <a:t>作者评估了</a:t>
-                </a:r>
-                <a14:m>
-                  <m:oMath xmlns:m="http://schemas.openxmlformats.org/officeDocument/2006/math">
-                    <m:sSub>
-                      <m:sSubPr>
-                        <m:ctrlPr>
-                          <a:rPr lang="en-US" altLang="zh-CN" i="1">
-                            <a:latin typeface="Cambria Math" panose="02040503050406030204" pitchFamily="18" charset="0"/>
-                          </a:rPr>
-                        </m:ctrlPr>
-                      </m:sSubPr>
-                      <m:e>
-                        <m:r>
-                          <a:rPr lang="en-US" altLang="zh-CN" i="1">
-                            <a:latin typeface="Cambria Math" panose="02040503050406030204" pitchFamily="18" charset="0"/>
-                          </a:rPr>
-                          <m:t>𝐿</m:t>
-                        </m:r>
-                      </m:e>
-                      <m:sub>
-                        <m:r>
-                          <m:rPr>
-                            <m:sty m:val="p"/>
-                          </m:rPr>
-                          <a:rPr lang="en-US" altLang="zh-CN" i="1">
-                            <a:latin typeface="Cambria Math" panose="02040503050406030204" pitchFamily="18" charset="0"/>
-                          </a:rPr>
-                          <m:t>REC</m:t>
-                        </m:r>
-                      </m:sub>
-                    </m:sSub>
-                    <m:r>
-                      <a:rPr lang="zh-CN" altLang="en-US" b="0" i="1" smtClean="0">
-                        <a:latin typeface="Cambria Math" panose="02040503050406030204" pitchFamily="18" charset="0"/>
-                      </a:rPr>
-                      <m:t>、</m:t>
-                    </m:r>
-                  </m:oMath>
-                </a14:m>
-                <a:r>
-                  <a:rPr lang="en-US" altLang="zh-CN" dirty="0"/>
-                  <a:t> </a:t>
-                </a:r>
-                <a14:m>
-                  <m:oMath xmlns:m="http://schemas.openxmlformats.org/officeDocument/2006/math">
-                    <m:sSub>
-                      <m:sSubPr>
-                        <m:ctrlPr>
-                          <a:rPr lang="en-US" altLang="zh-CN" i="1">
-                            <a:latin typeface="Cambria Math" panose="02040503050406030204" pitchFamily="18" charset="0"/>
-                          </a:rPr>
-                        </m:ctrlPr>
-                      </m:sSubPr>
-                      <m:e>
-                        <m:r>
-                          <a:rPr lang="en-US" altLang="zh-CN" i="1">
-                            <a:latin typeface="Cambria Math" panose="02040503050406030204" pitchFamily="18" charset="0"/>
-                          </a:rPr>
-                          <m:t>𝐿</m:t>
-                        </m:r>
-                      </m:e>
-                      <m:sub>
-                        <m:r>
-                          <m:rPr>
-                            <m:sty m:val="p"/>
-                          </m:rPr>
-                          <a:rPr lang="en-US" altLang="zh-CN" i="1">
-                            <a:latin typeface="Cambria Math" panose="02040503050406030204" pitchFamily="18" charset="0"/>
-                          </a:rPr>
-                          <m:t>BT</m:t>
-                        </m:r>
-                      </m:sub>
-                    </m:sSub>
-                    <m:r>
-                      <a:rPr lang="zh-CN" altLang="en-US" b="0" i="1" smtClean="0">
-                        <a:latin typeface="Cambria Math" panose="02040503050406030204" pitchFamily="18" charset="0"/>
-                      </a:rPr>
-                      <m:t>和</m:t>
-                    </m:r>
-                    <m:sSub>
-                      <m:sSubPr>
-                        <m:ctrlPr>
-                          <a:rPr lang="en-US" altLang="zh-CN" i="1">
-                            <a:latin typeface="Cambria Math" panose="02040503050406030204" pitchFamily="18" charset="0"/>
-                          </a:rPr>
-                        </m:ctrlPr>
-                      </m:sSubPr>
-                      <m:e>
-                        <m:r>
-                          <a:rPr lang="en-US" altLang="zh-CN" i="1">
-                            <a:latin typeface="Cambria Math" panose="02040503050406030204" pitchFamily="18" charset="0"/>
-                          </a:rPr>
-                          <m:t>𝐿</m:t>
-                        </m:r>
-                      </m:e>
-                      <m:sub>
-                        <m:r>
-                          <a:rPr lang="en-US" altLang="zh-CN" i="1">
-                            <a:latin typeface="Cambria Math" panose="02040503050406030204" pitchFamily="18" charset="0"/>
-                          </a:rPr>
-                          <m:t>𝑆𝑈𝑃</m:t>
-                        </m:r>
-                      </m:sub>
-                    </m:sSub>
-                  </m:oMath>
-                </a14:m>
-                <a:r>
-                  <a:rPr lang="zh-CN" altLang="en-US" dirty="0"/>
-                  <a:t>对模型整体性能的影响。</a:t>
-                </a:r>
-                <a:endParaRPr lang="en-US" altLang="zh-CN" dirty="0"/>
-              </a:p>
-              <a:p>
-                <a:pPr marL="0" indent="457200">
-                  <a:buNone/>
-                </a:pPr>
-                <a:r>
-                  <a:rPr lang="zh-CN" altLang="en-US" dirty="0"/>
-                  <a:t>如表</a:t>
-                </a:r>
-                <a:r>
-                  <a:rPr lang="en-US" altLang="zh-CN" dirty="0"/>
-                  <a:t>4</a:t>
-                </a:r>
-                <a:r>
-                  <a:rPr lang="zh-CN" altLang="en-US" dirty="0"/>
-                  <a:t>，消除了任意一个损失后，模型的性能都会下降。</a:t>
-                </a:r>
-                <a:endParaRPr lang="en-US" altLang="zh-CN" dirty="0"/>
-              </a:p>
-              <a:p>
-                <a:pPr marL="0" indent="457200">
-                  <a:buNone/>
-                </a:pPr>
-                <a:r>
-                  <a:rPr lang="zh-CN" altLang="en-US" dirty="0"/>
-                  <a:t>同时，对于不同的模型，每个损失都有它自己的影响。</a:t>
-                </a:r>
-              </a:p>
-            </p:txBody>
-          </p:sp>
-        </mc:Choice>
-        <mc:Fallback xmlns="">
-          <p:sp>
-            <p:nvSpPr>
-              <p:cNvPr id="8195" name="内容占位符 2"/>
-              <p:cNvSpPr>
-                <a:spLocks noGrp="1" noRot="1" noChangeAspect="1" noMove="1" noResize="1" noEditPoints="1" noAdjustHandles="1" noChangeArrowheads="1" noChangeShapeType="1" noTextEdit="1"/>
-              </p:cNvSpPr>
-              <p:nvPr>
-                <p:ph idx="4294967295"/>
-              </p:nvPr>
-            </p:nvSpPr>
-            <p:spPr>
-              <a:xfrm>
-                <a:off x="533400" y="1066862"/>
-                <a:ext cx="8096250" cy="4952870"/>
-              </a:xfrm>
-              <a:blipFill>
-                <a:blip r:embed="rId3"/>
-                <a:stretch>
-                  <a:fillRect l="-678" t="-246"/>
-                </a:stretch>
-              </a:blipFill>
-            </p:spPr>
-            <p:txBody>
-              <a:bodyPr/>
-              <a:lstStyle/>
-              <a:p>
-                <a:r>
-                  <a:rPr lang="zh-CN" altLang="en-US">
-                    <a:noFill/>
-                  </a:rPr>
-                  <a:t> </a:t>
-                </a:r>
-              </a:p>
-            </p:txBody>
-          </p:sp>
-        </mc:Fallback>
-      </mc:AlternateContent>
-      <p:pic>
-        <p:nvPicPr>
-          <p:cNvPr id="8196" name="图片 3" descr="bb.jpg"/>
-          <p:cNvPicPr>
-            <a:picLocks noChangeAspect="1"/>
-          </p:cNvPicPr>
-          <p:nvPr/>
-        </p:nvPicPr>
-        <p:blipFill>
-          <a:blip r:embed="rId4"/>
-          <a:stretch>
-            <a:fillRect/>
-          </a:stretch>
-        </p:blipFill>
-        <p:spPr>
-          <a:xfrm>
-            <a:off x="7696200" y="6400802"/>
-            <a:ext cx="933450" cy="180975"/>
-          </a:xfrm>
-          <a:prstGeom prst="rect">
-            <a:avLst/>
-          </a:prstGeom>
-          <a:noFill/>
-          <a:ln w="9525">
-            <a:noFill/>
-          </a:ln>
-        </p:spPr>
-      </p:pic>
-      <p:sp>
-        <p:nvSpPr>
-          <p:cNvPr id="8197" name="TextBox 6"/>
-          <p:cNvSpPr txBox="1"/>
-          <p:nvPr/>
-        </p:nvSpPr>
-        <p:spPr>
-          <a:xfrm>
-            <a:off x="8077200" y="6248402"/>
-            <a:ext cx="685800" cy="461963"/>
-          </a:xfrm>
-          <a:prstGeom prst="rect">
-            <a:avLst/>
-          </a:prstGeom>
-          <a:noFill/>
-          <a:ln w="9525">
-            <a:noFill/>
-          </a:ln>
-        </p:spPr>
-        <p:txBody>
-          <a:bodyPr>
-            <a:spAutoFit/>
-          </a:bodyPr>
-          <a:lstStyle/>
-          <a:p>
-            <a:pPr marL="0" marR="0" lvl="0" indent="0" algn="l" defTabSz="914400" eaLnBrk="0" fontAlgn="base" latinLnBrk="0" hangingPunct="0">
-              <a:lnSpc>
-                <a:spcPct val="100000"/>
-              </a:lnSpc>
-              <a:spcBef>
-                <a:spcPct val="0"/>
-              </a:spcBef>
-              <a:spcAft>
-                <a:spcPct val="0"/>
-              </a:spcAft>
-              <a:buClrTx/>
-              <a:buSzTx/>
-              <a:buFont typeface="Arial" panose="020B0604020202020204" pitchFamily="34" charset="0"/>
-              <a:buNone/>
-              <a:tabLst/>
-              <a:defRPr/>
-            </a:pPr>
-            <a:fld id="{9A0DB2DC-4C9A-4742-B13C-FB6460FD3503}" type="slidenum">
-              <a:rPr kumimoji="0" lang="zh-CN" altLang="en-US" sz="2400" b="1" i="0" u="none" strike="noStrike" kern="1200" cap="none" spc="0" normalizeH="0" baseline="0" noProof="0" dirty="0">
-                <a:ln>
-                  <a:noFill/>
-                </a:ln>
-                <a:solidFill>
-                  <a:srgbClr val="254061"/>
-                </a:solidFill>
-                <a:effectLst/>
-                <a:uLnTx/>
-                <a:uFillTx/>
-                <a:latin typeface="HY헤드라인M" pitchFamily="2" charset="-127"/>
-                <a:ea typeface="HY헤드라인M" pitchFamily="2" charset="-127"/>
-              </a:rPr>
-              <a:pPr marL="0" marR="0" lvl="0" indent="0" algn="l" defTabSz="914400" eaLnBrk="0" fontAlgn="base" latinLnBrk="0" hangingPunct="0">
-                <a:lnSpc>
-                  <a:spcPct val="100000"/>
-                </a:lnSpc>
-                <a:spcBef>
-                  <a:spcPct val="0"/>
-                </a:spcBef>
-                <a:spcAft>
-                  <a:spcPct val="0"/>
-                </a:spcAft>
-                <a:buClrTx/>
-                <a:buSzTx/>
-                <a:buFont typeface="Arial" panose="020B0604020202020204" pitchFamily="34" charset="0"/>
-                <a:buNone/>
-                <a:tabLst/>
-                <a:defRPr/>
-              </a:pPr>
-              <a:t>28</a:t>
-            </a:fld>
-            <a:endParaRPr kumimoji="0" lang="zh-CN" altLang="en-US" sz="2400" b="1" i="0" u="none" strike="noStrike" kern="1200" cap="none" spc="0" normalizeH="0" baseline="0" noProof="0" dirty="0">
-              <a:ln>
-                <a:noFill/>
-              </a:ln>
-              <a:solidFill>
-                <a:srgbClr val="254061"/>
-              </a:solidFill>
-              <a:effectLst/>
-              <a:uLnTx/>
-              <a:uFillTx/>
-              <a:latin typeface="HY헤드라인M" pitchFamily="2" charset="-127"/>
-              <a:ea typeface="HY헤드라인M" pitchFamily="2" charset="-127"/>
-            </a:endParaRPr>
-          </a:p>
-        </p:txBody>
-      </p:sp>
-      <p:pic>
-        <p:nvPicPr>
-          <p:cNvPr id="6" name="图片 5">
-            <a:extLst>
-              <a:ext uri="{FF2B5EF4-FFF2-40B4-BE49-F238E27FC236}">
-                <a16:creationId xmlns:a16="http://schemas.microsoft.com/office/drawing/2014/main" id="{894BFDAA-7024-47FA-83A8-7DAABF73D4D3}"/>
-              </a:ext>
-            </a:extLst>
-          </p:cNvPr>
-          <p:cNvPicPr>
-            <a:picLocks noChangeAspect="1"/>
-          </p:cNvPicPr>
-          <p:nvPr/>
-        </p:nvPicPr>
-        <p:blipFill>
-          <a:blip r:embed="rId5"/>
-          <a:stretch>
-            <a:fillRect/>
-          </a:stretch>
-        </p:blipFill>
-        <p:spPr>
-          <a:xfrm>
-            <a:off x="609704" y="3657842"/>
-            <a:ext cx="7866667" cy="2514286"/>
-          </a:xfrm>
-          <a:prstGeom prst="rect">
-            <a:avLst/>
-          </a:prstGeom>
-        </p:spPr>
-      </p:pic>
-    </p:spTree>
-    <p:extLst>
-      <p:ext uri="{BB962C8B-B14F-4D97-AF65-F5344CB8AC3E}">
-        <p14:creationId xmlns:p14="http://schemas.microsoft.com/office/powerpoint/2010/main" val="1807373849"/>
-      </p:ext>
-    </p:extLst>
-  </p:cSld>
-  <p:clrMapOvr>
-    <a:masterClrMapping/>
-  </p:clrMapOvr>
-  <p:transition spd="slow" advTm="0"/>
-</p:sld>
-</file>
-
-<file path=ppt/slides/slide29.xml><?xml version="1.0" encoding="utf-8"?>
-<p:sld xmlns:a="http://schemas.openxmlformats.org/drawingml/2006/main" xmlns:r="http://schemas.openxmlformats.org/officeDocument/2006/relationships" xmlns:p="http://schemas.openxmlformats.org/presentationml/2006/main">
-  <p:cSld>
-    <p:spTree>
-      <p:nvGrpSpPr>
-        <p:cNvPr id="1" name=""/>
-        <p:cNvGrpSpPr/>
-        <p:nvPr/>
-      </p:nvGrpSpPr>
-      <p:grpSpPr>
-        <a:xfrm>
-          <a:off x="0" y="0"/>
-          <a:ext cx="0" cy="0"/>
-          <a:chOff x="0" y="0"/>
-          <a:chExt cx="0" cy="0"/>
-        </a:xfrm>
-      </p:grpSpPr>
-      <p:pic>
-        <p:nvPicPr>
-          <p:cNvPr id="3" name="图片 2">
-            <a:extLst>
-              <a:ext uri="{FF2B5EF4-FFF2-40B4-BE49-F238E27FC236}">
-                <a16:creationId xmlns:a16="http://schemas.microsoft.com/office/drawing/2014/main" id="{F90C1BF9-38B5-4703-8EBE-7A4F32749CBD}"/>
-              </a:ext>
-            </a:extLst>
-          </p:cNvPr>
-          <p:cNvPicPr>
-            <a:picLocks noChangeAspect="1"/>
-          </p:cNvPicPr>
-          <p:nvPr/>
-        </p:nvPicPr>
-        <p:blipFill>
-          <a:blip r:embed="rId3"/>
-          <a:stretch>
-            <a:fillRect/>
-          </a:stretch>
-        </p:blipFill>
-        <p:spPr>
-          <a:xfrm>
-            <a:off x="1447882" y="2775882"/>
-            <a:ext cx="5824163" cy="3796216"/>
-          </a:xfrm>
-          <a:prstGeom prst="rect">
-            <a:avLst/>
-          </a:prstGeom>
-        </p:spPr>
-      </p:pic>
-      <p:sp>
-        <p:nvSpPr>
-          <p:cNvPr id="8194" name="标题 1"/>
-          <p:cNvSpPr>
-            <a:spLocks noGrp="1"/>
-          </p:cNvSpPr>
-          <p:nvPr>
-            <p:ph type="title" idx="4294967295"/>
-          </p:nvPr>
-        </p:nvSpPr>
-        <p:spPr>
-          <a:xfrm>
-            <a:off x="611188" y="152400"/>
-            <a:ext cx="7770812" cy="603250"/>
-          </a:xfrm>
-        </p:spPr>
-        <p:txBody>
-          <a:bodyPr vert="horz" wrap="square" anchor="b"/>
-          <a:lstStyle/>
-          <a:p>
-            <a:r>
-              <a:rPr lang="en-US" altLang="zh-CN" sz="2800" b="1" dirty="0">
-                <a:effectLst>
-                  <a:outerShdw blurRad="38100" dist="38100" dir="2700000">
-                    <a:srgbClr val="C0C0C0"/>
-                  </a:outerShdw>
-                </a:effectLst>
-              </a:rPr>
-              <a:t>3</a:t>
-            </a:r>
-            <a:r>
-              <a:rPr lang="zh-CN" altLang="en-US" sz="2800" b="1" dirty="0">
-                <a:effectLst>
-                  <a:outerShdw blurRad="38100" dist="38100" dir="2700000">
-                    <a:srgbClr val="C0C0C0"/>
-                  </a:outerShdw>
-                </a:effectLst>
-              </a:rPr>
-              <a:t>、实验</a:t>
-            </a:r>
-          </a:p>
-        </p:txBody>
-      </p:sp>
-      <p:sp>
-        <p:nvSpPr>
-          <p:cNvPr id="8195" name="内容占位符 2"/>
-          <p:cNvSpPr>
-            <a:spLocks noGrp="1"/>
-          </p:cNvSpPr>
-          <p:nvPr>
-            <p:ph idx="4294967295"/>
-          </p:nvPr>
-        </p:nvSpPr>
-        <p:spPr>
-          <a:xfrm>
-            <a:off x="533400" y="1066862"/>
-            <a:ext cx="8096250" cy="4952870"/>
-          </a:xfrm>
-        </p:spPr>
-        <p:txBody>
-          <a:bodyPr vert="horz" wrap="square" anchor="t"/>
-          <a:lstStyle/>
-          <a:p>
-            <a:r>
-              <a:rPr lang="zh-CN" altLang="en-US" dirty="0"/>
-              <a:t>监督比</a:t>
-            </a:r>
-            <a:r>
-              <a:rPr lang="en-US" altLang="zh-CN" dirty="0"/>
-              <a:t>ρ</a:t>
-            </a:r>
-            <a:r>
-              <a:rPr lang="zh-CN" altLang="en-US" dirty="0"/>
-              <a:t>的影响</a:t>
-            </a:r>
-            <a:endParaRPr lang="en-US" altLang="zh-CN" dirty="0"/>
-          </a:p>
-          <a:p>
-            <a:pPr>
-              <a:buFont typeface="Wingdings" panose="05000000000000000000" pitchFamily="2" charset="2"/>
-              <a:buChar char="l"/>
-            </a:pPr>
-            <a:r>
-              <a:rPr lang="zh-CN" altLang="en-US" dirty="0"/>
-              <a:t>从</a:t>
-            </a:r>
-            <a:r>
-              <a:rPr lang="en-US" altLang="zh-CN" dirty="0"/>
-              <a:t>0</a:t>
-            </a:r>
-            <a:r>
-              <a:rPr lang="zh-CN" altLang="en-US" dirty="0"/>
-              <a:t>增加到</a:t>
-            </a:r>
-            <a:r>
-              <a:rPr lang="en-US" altLang="zh-CN" dirty="0"/>
-              <a:t>0.2</a:t>
-            </a:r>
-            <a:r>
-              <a:rPr lang="zh-CN" altLang="en-US" dirty="0"/>
-              <a:t>的过程中，三个模型的</a:t>
-            </a:r>
-            <a:r>
-              <a:rPr lang="en-US" altLang="zh-CN" dirty="0"/>
-              <a:t>MRR</a:t>
-            </a:r>
-            <a:r>
-              <a:rPr lang="zh-CN" altLang="en-US" dirty="0"/>
-              <a:t>都获得了明显的提升。</a:t>
-            </a:r>
-          </a:p>
-          <a:p>
-            <a:pPr>
-              <a:buFont typeface="Wingdings" panose="05000000000000000000" pitchFamily="2" charset="2"/>
-              <a:buChar char="l"/>
-            </a:pPr>
-            <a:r>
-              <a:rPr lang="zh-CN" altLang="en-US" dirty="0"/>
-              <a:t>当比例从</a:t>
-            </a:r>
-            <a:r>
-              <a:rPr lang="en-US" altLang="zh-CN" dirty="0"/>
-              <a:t>0.2</a:t>
-            </a:r>
-            <a:r>
-              <a:rPr lang="zh-CN" altLang="en-US" dirty="0"/>
-              <a:t>继续增加时，不同模型的变化趋势却不相同。</a:t>
-            </a:r>
-          </a:p>
-          <a:p>
-            <a:pPr>
-              <a:buFont typeface="Wingdings" panose="05000000000000000000" pitchFamily="2" charset="2"/>
-              <a:buChar char="l"/>
-            </a:pPr>
-            <a:r>
-              <a:rPr lang="zh-CN" altLang="en-US" dirty="0"/>
-              <a:t>当比例增加到</a:t>
-            </a:r>
-            <a:r>
-              <a:rPr lang="en-US" altLang="zh-CN" dirty="0"/>
-              <a:t>1</a:t>
-            </a:r>
-            <a:r>
-              <a:rPr lang="zh-CN" altLang="en-US" dirty="0"/>
-              <a:t>时，模型性能却低于比例等于</a:t>
-            </a:r>
-            <a:r>
-              <a:rPr lang="en-US" altLang="zh-CN" dirty="0"/>
-              <a:t>0.5</a:t>
-            </a:r>
-            <a:r>
-              <a:rPr lang="zh-CN" altLang="en-US" dirty="0"/>
-              <a:t>时</a:t>
-            </a:r>
-            <a:endParaRPr lang="en-US" altLang="zh-CN" dirty="0"/>
-          </a:p>
-          <a:p>
-            <a:endParaRPr lang="en-US" altLang="zh-CN" dirty="0"/>
-          </a:p>
-          <a:p>
-            <a:endParaRPr lang="en-US" altLang="zh-CN" dirty="0"/>
-          </a:p>
-          <a:p>
-            <a:endParaRPr lang="en-US" altLang="zh-CN" dirty="0"/>
-          </a:p>
-          <a:p>
-            <a:pPr marL="0" indent="0">
-              <a:buNone/>
-            </a:pPr>
-            <a:endParaRPr lang="en-US" altLang="zh-CN" dirty="0"/>
-          </a:p>
-          <a:p>
-            <a:endParaRPr lang="en-US" altLang="zh-CN" dirty="0"/>
-          </a:p>
-          <a:p>
-            <a:endParaRPr lang="en-US" altLang="zh-CN" dirty="0"/>
-          </a:p>
-          <a:p>
-            <a:endParaRPr lang="en-US" altLang="zh-CN" dirty="0"/>
-          </a:p>
-          <a:p>
-            <a:endParaRPr lang="en-US" altLang="zh-CN" dirty="0"/>
-          </a:p>
-          <a:p>
-            <a:endParaRPr lang="en-US" altLang="zh-CN" dirty="0"/>
-          </a:p>
-        </p:txBody>
-      </p:sp>
-      <p:pic>
-        <p:nvPicPr>
-          <p:cNvPr id="8196" name="图片 3" descr="bb.jpg"/>
-          <p:cNvPicPr>
-            <a:picLocks noChangeAspect="1"/>
-          </p:cNvPicPr>
-          <p:nvPr/>
-        </p:nvPicPr>
-        <p:blipFill>
-          <a:blip r:embed="rId4"/>
-          <a:stretch>
-            <a:fillRect/>
-          </a:stretch>
-        </p:blipFill>
-        <p:spPr>
-          <a:xfrm>
-            <a:off x="7696200" y="6400802"/>
-            <a:ext cx="933450" cy="180975"/>
-          </a:xfrm>
-          <a:prstGeom prst="rect">
-            <a:avLst/>
-          </a:prstGeom>
-          <a:noFill/>
-          <a:ln w="9525">
-            <a:noFill/>
-          </a:ln>
-        </p:spPr>
-      </p:pic>
-      <p:sp>
-        <p:nvSpPr>
-          <p:cNvPr id="8197" name="TextBox 6"/>
-          <p:cNvSpPr txBox="1"/>
-          <p:nvPr/>
-        </p:nvSpPr>
-        <p:spPr>
-          <a:xfrm>
-            <a:off x="8077200" y="6248402"/>
-            <a:ext cx="685800" cy="461963"/>
-          </a:xfrm>
-          <a:prstGeom prst="rect">
-            <a:avLst/>
-          </a:prstGeom>
-          <a:noFill/>
-          <a:ln w="9525">
-            <a:noFill/>
-          </a:ln>
-        </p:spPr>
-        <p:txBody>
-          <a:bodyPr>
-            <a:spAutoFit/>
-          </a:bodyPr>
-          <a:lstStyle/>
-          <a:p>
-            <a:pPr marL="0" marR="0" lvl="0" indent="0" algn="l" defTabSz="914400" eaLnBrk="0" fontAlgn="base" latinLnBrk="0" hangingPunct="0">
-              <a:lnSpc>
-                <a:spcPct val="100000"/>
-              </a:lnSpc>
-              <a:spcBef>
-                <a:spcPct val="0"/>
-              </a:spcBef>
-              <a:spcAft>
-                <a:spcPct val="0"/>
-              </a:spcAft>
-              <a:buClrTx/>
-              <a:buSzTx/>
-              <a:buFont typeface="Arial" panose="020B0604020202020204" pitchFamily="34" charset="0"/>
-              <a:buNone/>
-              <a:tabLst/>
-              <a:defRPr/>
-            </a:pPr>
-            <a:fld id="{9A0DB2DC-4C9A-4742-B13C-FB6460FD3503}" type="slidenum">
-              <a:rPr kumimoji="0" lang="zh-CN" altLang="en-US" sz="2400" b="1" i="0" u="none" strike="noStrike" kern="1200" cap="none" spc="0" normalizeH="0" baseline="0" noProof="0" dirty="0">
-                <a:ln>
-                  <a:noFill/>
-                </a:ln>
-                <a:solidFill>
-                  <a:srgbClr val="254061"/>
-                </a:solidFill>
-                <a:effectLst/>
-                <a:uLnTx/>
-                <a:uFillTx/>
-                <a:latin typeface="HY헤드라인M" pitchFamily="2" charset="-127"/>
-                <a:ea typeface="HY헤드라인M" pitchFamily="2" charset="-127"/>
-              </a:rPr>
-              <a:pPr marL="0" marR="0" lvl="0" indent="0" algn="l" defTabSz="914400" eaLnBrk="0" fontAlgn="base" latinLnBrk="0" hangingPunct="0">
-                <a:lnSpc>
-                  <a:spcPct val="100000"/>
-                </a:lnSpc>
-                <a:spcBef>
-                  <a:spcPct val="0"/>
-                </a:spcBef>
-                <a:spcAft>
-                  <a:spcPct val="0"/>
-                </a:spcAft>
-                <a:buClrTx/>
-                <a:buSzTx/>
-                <a:buFont typeface="Arial" panose="020B0604020202020204" pitchFamily="34" charset="0"/>
-                <a:buNone/>
-                <a:tabLst/>
-                <a:defRPr/>
-              </a:pPr>
-              <a:t>29</a:t>
-            </a:fld>
-            <a:endParaRPr kumimoji="0" lang="zh-CN" altLang="en-US" sz="2400" b="1" i="0" u="none" strike="noStrike" kern="1200" cap="none" spc="0" normalizeH="0" baseline="0" noProof="0" dirty="0">
-              <a:ln>
-                <a:noFill/>
-              </a:ln>
-              <a:solidFill>
-                <a:srgbClr val="254061"/>
-              </a:solidFill>
-              <a:effectLst/>
-              <a:uLnTx/>
-              <a:uFillTx/>
-              <a:latin typeface="HY헤드라인M" pitchFamily="2" charset="-127"/>
-              <a:ea typeface="HY헤드라인M" pitchFamily="2" charset="-127"/>
-            </a:endParaRPr>
-          </a:p>
-        </p:txBody>
-      </p:sp>
-    </p:spTree>
-    <p:extLst>
-      <p:ext uri="{BB962C8B-B14F-4D97-AF65-F5344CB8AC3E}">
-        <p14:creationId xmlns:p14="http://schemas.microsoft.com/office/powerpoint/2010/main" val="1550661019"/>
-      </p:ext>
-    </p:extLst>
-  </p:cSld>
-  <p:clrMapOvr>
-    <a:masterClrMapping/>
-  </p:clrMapOvr>
-  <p:transition spd="slow" advTm="0"/>
-</p:sld>
-</file>
-
-<file path=ppt/slides/slide3.xml><?xml version="1.0" encoding="utf-8"?>
-<p:sld xmlns:a="http://schemas.openxmlformats.org/drawingml/2006/main" xmlns:r="http://schemas.openxmlformats.org/officeDocument/2006/relationships" xmlns:p="http://schemas.openxmlformats.org/presentationml/2006/main">
-  <p:cSld>
-    <p:spTree>
-      <p:nvGrpSpPr>
-        <p:cNvPr id="1" name=""/>
-        <p:cNvGrpSpPr/>
-        <p:nvPr/>
-      </p:nvGrpSpPr>
-      <p:grpSpPr>
-        <a:xfrm>
-          <a:off x="0" y="0"/>
-          <a:ext cx="0" cy="0"/>
-          <a:chOff x="0" y="0"/>
-          <a:chExt cx="0" cy="0"/>
-        </a:xfrm>
-      </p:grpSpPr>
-      <p:sp>
-        <p:nvSpPr>
-          <p:cNvPr id="8194" name="标题 1"/>
-          <p:cNvSpPr>
-            <a:spLocks noGrp="1"/>
-          </p:cNvSpPr>
-          <p:nvPr>
-            <p:ph type="title"/>
-          </p:nvPr>
-        </p:nvSpPr>
-        <p:spPr>
-          <a:xfrm>
-            <a:off x="611188" y="152400"/>
-            <a:ext cx="7770812" cy="603250"/>
-          </a:xfrm>
-        </p:spPr>
-        <p:txBody>
-          <a:bodyPr vert="horz" wrap="square" anchor="b"/>
-          <a:lstStyle/>
-          <a:p>
-            <a:r>
-              <a:rPr lang="zh-CN" altLang="en-US" sz="2800" b="1" dirty="0">
-                <a:effectLst>
-                  <a:outerShdw blurRad="38100" dist="38100" dir="2700000">
-                    <a:srgbClr val="C0C0C0"/>
-                  </a:outerShdw>
-                </a:effectLst>
-              </a:rPr>
-              <a:t>大纲</a:t>
-            </a:r>
-          </a:p>
-        </p:txBody>
-      </p:sp>
-      <p:sp>
-        <p:nvSpPr>
-          <p:cNvPr id="8195" name="内容占位符 2"/>
-          <p:cNvSpPr>
-            <a:spLocks noGrp="1"/>
-          </p:cNvSpPr>
-          <p:nvPr>
-            <p:ph idx="1"/>
-          </p:nvPr>
-        </p:nvSpPr>
-        <p:spPr>
-          <a:xfrm>
-            <a:off x="533400" y="1295400"/>
-            <a:ext cx="8001000" cy="4878388"/>
-          </a:xfrm>
-        </p:spPr>
-        <p:txBody>
-          <a:bodyPr vert="horz" wrap="square" anchor="t"/>
-          <a:lstStyle/>
-          <a:p>
-            <a:pPr algn="l">
-              <a:buFont typeface="Wingdings" panose="05000000000000000000" pitchFamily="2" charset="2"/>
-              <a:buNone/>
-            </a:pPr>
-            <a:r>
-              <a:rPr lang="en-US" altLang="zh-CN" sz="2800" b="1" dirty="0">
-                <a:solidFill>
-                  <a:schemeClr val="accent1"/>
-                </a:solidFill>
-                <a:effectLst>
-                  <a:outerShdw blurRad="38100" dist="25400" dir="5400000" algn="ctr" rotWithShape="0">
-                    <a:srgbClr val="6E747A">
-                      <a:alpha val="43000"/>
-                    </a:srgbClr>
-                  </a:outerShdw>
-                </a:effectLst>
-                <a:sym typeface="+mn-ea"/>
-              </a:rPr>
-              <a:t>  </a:t>
-            </a:r>
-            <a:r>
-              <a:rPr lang="zh-CN" altLang="en-US" sz="2800" b="1" dirty="0">
-                <a:effectLst>
-                  <a:outerShdw blurRad="38100" dist="38100" dir="2700000">
-                    <a:srgbClr val="C0C0C0"/>
-                  </a:outerShdw>
-                </a:effectLst>
-                <a:sym typeface="+mn-ea"/>
-              </a:rPr>
-              <a:t>1、简介</a:t>
-            </a:r>
-            <a:endParaRPr lang="en-US" altLang="zh-CN" sz="2800" b="1" dirty="0">
-              <a:effectLst>
-                <a:outerShdw blurRad="38100" dist="38100" dir="2700000">
-                  <a:srgbClr val="C0C0C0"/>
-                </a:outerShdw>
-              </a:effectLst>
-              <a:sym typeface="+mn-ea"/>
-            </a:endParaRPr>
-          </a:p>
-          <a:p>
-            <a:pPr algn="l">
-              <a:buFont typeface="Wingdings" panose="05000000000000000000" pitchFamily="2" charset="2"/>
-              <a:buNone/>
-            </a:pPr>
-            <a:r>
-              <a:rPr lang="en-US" altLang="zh-CN" sz="2800" b="1" dirty="0">
-                <a:solidFill>
-                  <a:schemeClr val="accent1"/>
-                </a:solidFill>
-                <a:effectLst>
-                  <a:outerShdw blurRad="38100" dist="25400" dir="5400000" algn="ctr" rotWithShape="0">
-                    <a:srgbClr val="6E747A">
-                      <a:alpha val="43000"/>
-                    </a:srgbClr>
-                  </a:outerShdw>
-                </a:effectLst>
-                <a:sym typeface="+mn-ea"/>
-              </a:rPr>
-              <a:t>  </a:t>
-            </a:r>
-            <a:r>
-              <a:rPr lang="zh-CN" altLang="en-US" sz="2800" b="1" dirty="0">
-                <a:effectLst>
-                  <a:outerShdw blurRad="38100" dist="38100" dir="2700000">
-                    <a:srgbClr val="C0C0C0"/>
-                  </a:outerShdw>
-                </a:effectLst>
-                <a:sym typeface="+mn-ea"/>
-              </a:rPr>
-              <a:t>2、模型</a:t>
-            </a:r>
-            <a:endParaRPr lang="en-US" altLang="zh-CN" sz="2800" b="1" dirty="0">
-              <a:effectLst>
-                <a:outerShdw blurRad="38100" dist="38100" dir="2700000">
-                  <a:srgbClr val="C0C0C0"/>
-                </a:outerShdw>
-              </a:effectLst>
-              <a:sym typeface="+mn-ea"/>
-            </a:endParaRPr>
-          </a:p>
-          <a:p>
-            <a:pPr>
-              <a:buNone/>
-            </a:pPr>
-            <a:r>
-              <a:rPr lang="zh-CN" altLang="en-US" sz="2800" b="1" dirty="0">
-                <a:effectLst>
-                  <a:outerShdw blurRad="38100" dist="38100" dir="2700000">
-                    <a:srgbClr val="C0C0C0"/>
-                  </a:outerShdw>
-                </a:effectLst>
-                <a:sym typeface="+mn-ea"/>
-              </a:rPr>
-              <a:t>  </a:t>
-            </a:r>
-            <a:r>
-              <a:rPr lang="en-US" altLang="zh-CN" sz="2800" b="1" dirty="0">
-                <a:effectLst>
-                  <a:outerShdw blurRad="38100" dist="38100" dir="2700000">
-                    <a:srgbClr val="C0C0C0"/>
-                  </a:outerShdw>
-                </a:effectLst>
-                <a:sym typeface="+mn-ea"/>
-              </a:rPr>
-              <a:t>3</a:t>
-            </a:r>
-            <a:r>
-              <a:rPr lang="zh-CN" altLang="en-US" sz="2800" b="1" dirty="0">
-                <a:effectLst>
-                  <a:outerShdw blurRad="38100" dist="38100" dir="2700000">
-                    <a:srgbClr val="C0C0C0"/>
-                  </a:outerShdw>
-                </a:effectLst>
-                <a:sym typeface="+mn-ea"/>
-              </a:rPr>
-              <a:t>、实验</a:t>
-            </a:r>
-            <a:endParaRPr lang="en-US" altLang="zh-CN" sz="2800" b="1" dirty="0">
-              <a:effectLst>
-                <a:outerShdw blurRad="38100" dist="38100" dir="2700000">
-                  <a:srgbClr val="C0C0C0"/>
-                </a:outerShdw>
-              </a:effectLst>
-              <a:sym typeface="+mn-ea"/>
-            </a:endParaRPr>
-          </a:p>
-          <a:p>
-            <a:pPr>
-              <a:buNone/>
-            </a:pPr>
-            <a:r>
-              <a:rPr lang="en-US" altLang="zh-CN" sz="2800" b="1" dirty="0">
-                <a:effectLst>
-                  <a:outerShdw blurRad="38100" dist="38100" dir="2700000">
-                    <a:srgbClr val="C0C0C0"/>
-                  </a:outerShdw>
-                </a:effectLst>
-                <a:sym typeface="+mn-ea"/>
-              </a:rPr>
-              <a:t>  4</a:t>
-            </a:r>
-            <a:r>
-              <a:rPr lang="zh-CN" altLang="en-US" sz="2800" b="1" dirty="0">
-                <a:effectLst>
-                  <a:outerShdw blurRad="38100" dist="38100" dir="2700000">
-                    <a:srgbClr val="C0C0C0"/>
-                  </a:outerShdw>
-                </a:effectLst>
-                <a:sym typeface="+mn-ea"/>
-              </a:rPr>
-              <a:t>、结论</a:t>
-            </a:r>
-            <a:endParaRPr lang="zh-CN" altLang="en-US" sz="100" dirty="0"/>
-          </a:p>
-          <a:p>
-            <a:endParaRPr lang="zh-CN" altLang="en-US" sz="100" dirty="0"/>
-          </a:p>
-          <a:p>
-            <a:pPr>
-              <a:buNone/>
-            </a:pPr>
-            <a:endParaRPr lang="zh-CN" altLang="en-US" sz="100" dirty="0"/>
-          </a:p>
-        </p:txBody>
-      </p:sp>
-      <p:pic>
-        <p:nvPicPr>
-          <p:cNvPr id="8196" name="图片 3" descr="bb.jpg"/>
-          <p:cNvPicPr>
-            <a:picLocks noChangeAspect="1"/>
-          </p:cNvPicPr>
-          <p:nvPr/>
-        </p:nvPicPr>
-        <p:blipFill>
-          <a:blip r:embed="rId3"/>
-          <a:stretch>
-            <a:fillRect/>
-          </a:stretch>
-        </p:blipFill>
-        <p:spPr>
-          <a:xfrm>
-            <a:off x="7696200" y="6400802"/>
-            <a:ext cx="933450" cy="180975"/>
-          </a:xfrm>
-          <a:prstGeom prst="rect">
-            <a:avLst/>
-          </a:prstGeom>
-          <a:noFill/>
-          <a:ln w="9525">
-            <a:noFill/>
-          </a:ln>
-        </p:spPr>
-      </p:pic>
-      <p:sp>
-        <p:nvSpPr>
-          <p:cNvPr id="8197" name="TextBox 6"/>
-          <p:cNvSpPr txBox="1"/>
-          <p:nvPr/>
-        </p:nvSpPr>
-        <p:spPr>
-          <a:xfrm>
-            <a:off x="8077200" y="6248402"/>
-            <a:ext cx="685800" cy="461963"/>
-          </a:xfrm>
-          <a:prstGeom prst="rect">
-            <a:avLst/>
-          </a:prstGeom>
-          <a:noFill/>
-          <a:ln w="9525">
-            <a:noFill/>
-          </a:ln>
-        </p:spPr>
-        <p:txBody>
-          <a:bodyPr>
-            <a:spAutoFit/>
-          </a:bodyPr>
-          <a:lstStyle/>
-          <a:p>
-            <a:fld id="{9A0DB2DC-4C9A-4742-B13C-FB6460FD3503}" type="slidenum">
-              <a:rPr lang="zh-CN" altLang="en-US" sz="2400" b="1" dirty="0">
-                <a:solidFill>
-                  <a:srgbClr val="254061"/>
-                </a:solidFill>
-                <a:latin typeface="HY헤드라인M" pitchFamily="2" charset="-127"/>
-                <a:ea typeface="HY헤드라인M" pitchFamily="2" charset="-127"/>
-              </a:rPr>
-              <a:t>3</a:t>
-            </a:fld>
-            <a:endParaRPr lang="zh-CN" altLang="en-US" sz="2400" b="1" dirty="0">
-              <a:solidFill>
-                <a:srgbClr val="254061"/>
-              </a:solidFill>
-              <a:latin typeface="HY헤드라인M" pitchFamily="2" charset="-127"/>
-              <a:ea typeface="HY헤드라인M" pitchFamily="2" charset="-127"/>
-            </a:endParaRPr>
-          </a:p>
-        </p:txBody>
-      </p:sp>
-    </p:spTree>
-  </p:cSld>
-  <p:clrMapOvr>
-    <a:masterClrMapping/>
-  </p:clrMapOvr>
-  <p:transition spd="slow" advTm="0"/>
-</p:sld>
-</file>
-
-<file path=ppt/slides/slide30.xml><?xml version="1.0" encoding="utf-8"?>
-<p:sld xmlns:a="http://schemas.openxmlformats.org/drawingml/2006/main" xmlns:r="http://schemas.openxmlformats.org/officeDocument/2006/relationships" xmlns:p="http://schemas.openxmlformats.org/presentationml/2006/main">
-  <p:cSld>
-    <p:spTree>
-      <p:nvGrpSpPr>
-        <p:cNvPr id="1" name=""/>
-        <p:cNvGrpSpPr/>
-        <p:nvPr/>
-      </p:nvGrpSpPr>
-      <p:grpSpPr>
-        <a:xfrm>
-          <a:off x="0" y="0"/>
-          <a:ext cx="0" cy="0"/>
-          <a:chOff x="0" y="0"/>
-          <a:chExt cx="0" cy="0"/>
-        </a:xfrm>
-      </p:grpSpPr>
-      <p:sp>
-        <p:nvSpPr>
-          <p:cNvPr id="8194" name="标题 1"/>
-          <p:cNvSpPr>
-            <a:spLocks noGrp="1"/>
-          </p:cNvSpPr>
-          <p:nvPr>
-            <p:ph type="title" idx="4294967295"/>
-          </p:nvPr>
-        </p:nvSpPr>
-        <p:spPr>
-          <a:xfrm>
-            <a:off x="611188" y="152400"/>
-            <a:ext cx="7770812" cy="603250"/>
-          </a:xfrm>
-        </p:spPr>
-        <p:txBody>
-          <a:bodyPr vert="horz" wrap="square" anchor="b"/>
-          <a:lstStyle/>
-          <a:p>
-            <a:r>
-              <a:rPr lang="en-US" altLang="zh-CN" sz="2800" b="1" dirty="0">
-                <a:effectLst>
-                  <a:outerShdw blurRad="38100" dist="38100" dir="2700000">
-                    <a:srgbClr val="C0C0C0"/>
-                  </a:outerShdw>
-                </a:effectLst>
-              </a:rPr>
-              <a:t>4</a:t>
-            </a:r>
-            <a:r>
-              <a:rPr lang="zh-CN" altLang="en-US" sz="2800" b="1" dirty="0">
-                <a:effectLst>
-                  <a:outerShdw blurRad="38100" dist="38100" dir="2700000">
-                    <a:srgbClr val="C0C0C0"/>
-                  </a:outerShdw>
-                </a:effectLst>
-              </a:rPr>
-              <a:t>、结论</a:t>
-            </a:r>
-          </a:p>
-        </p:txBody>
-      </p:sp>
-      <p:sp>
-        <p:nvSpPr>
-          <p:cNvPr id="8195" name="内容占位符 2"/>
-          <p:cNvSpPr>
-            <a:spLocks noGrp="1"/>
-          </p:cNvSpPr>
-          <p:nvPr>
-            <p:ph idx="4294967295"/>
-          </p:nvPr>
-        </p:nvSpPr>
-        <p:spPr>
-          <a:xfrm>
-            <a:off x="483814" y="1219258"/>
-            <a:ext cx="8381886" cy="4800474"/>
-          </a:xfrm>
-        </p:spPr>
-        <p:txBody>
-          <a:bodyPr vert="horz" wrap="square" anchor="t"/>
-          <a:lstStyle/>
-          <a:p>
-            <a:pPr marL="0" indent="457200">
-              <a:lnSpc>
-                <a:spcPct val="150000"/>
-              </a:lnSpc>
-              <a:buNone/>
-            </a:pPr>
-            <a:r>
-              <a:rPr lang="zh-CN" altLang="en-US" b="1" dirty="0"/>
-              <a:t>本文将从文本中构建知识图谱和从知识图谱生成文本看成对偶问题，提出了</a:t>
-            </a:r>
-            <a:r>
-              <a:rPr lang="en-US" altLang="zh-CN" b="1" dirty="0" err="1"/>
-              <a:t>DualTKB</a:t>
-            </a:r>
-            <a:r>
-              <a:rPr lang="zh-CN" altLang="en-US" b="1" dirty="0"/>
-              <a:t>模型，旨在学习文本和路径之间知识的迁移</a:t>
-            </a:r>
-            <a:r>
-              <a:rPr lang="zh-CN" altLang="en-US" dirty="0"/>
-              <a:t>。换句话说，</a:t>
-            </a:r>
-            <a:r>
-              <a:rPr lang="zh-CN" altLang="en-US" b="1" dirty="0"/>
-              <a:t>提出了一个文本和</a:t>
-            </a:r>
-            <a:r>
-              <a:rPr lang="en-US" altLang="zh-CN" b="1" dirty="0"/>
-              <a:t>KG</a:t>
-            </a:r>
-            <a:r>
-              <a:rPr lang="zh-CN" altLang="en-US" b="1" dirty="0"/>
-              <a:t>格式转换器</a:t>
-            </a:r>
-            <a:r>
-              <a:rPr lang="zh-CN" altLang="en-US" dirty="0"/>
-              <a:t>。</a:t>
-            </a:r>
-            <a:endParaRPr lang="en-US" altLang="zh-CN" dirty="0"/>
-          </a:p>
-          <a:p>
-            <a:pPr marL="0" indent="457200">
-              <a:lnSpc>
-                <a:spcPct val="150000"/>
-              </a:lnSpc>
-              <a:buNone/>
-            </a:pPr>
-            <a:r>
-              <a:rPr lang="zh-CN" altLang="en-US" dirty="0"/>
-              <a:t>本文工作涉及了一系列的任务，包括自然语言生成，三元组抽取，知识图谱补全，跨模态的知识迁。本文提出的框架理论上是有通用性的，虽然理想和现实还是有一些差距，但本文的工作算是往前迈出了一步。</a:t>
-            </a:r>
-            <a:endParaRPr lang="en-US" altLang="zh-CN" dirty="0"/>
-          </a:p>
-          <a:p>
-            <a:pPr marL="0" indent="457200">
-              <a:lnSpc>
-                <a:spcPct val="150000"/>
-              </a:lnSpc>
-              <a:buNone/>
-            </a:pPr>
-            <a:r>
-              <a:rPr lang="zh-CN" altLang="en-US" dirty="0"/>
-              <a:t>为了进行评估，本文提出了一个新的常识知识库补全任务。尽管我们的模型被设计为在无监督的环境下工作，但我们通过创建弱监督数据集来研究弱监督的影响，并表明即使是少量的弱监督也会显著提高模型性能。</a:t>
-            </a:r>
-          </a:p>
-        </p:txBody>
-      </p:sp>
-      <p:pic>
-        <p:nvPicPr>
-          <p:cNvPr id="8196" name="图片 3" descr="bb.jpg"/>
-          <p:cNvPicPr>
-            <a:picLocks noChangeAspect="1"/>
-          </p:cNvPicPr>
-          <p:nvPr/>
-        </p:nvPicPr>
-        <p:blipFill>
-          <a:blip r:embed="rId3"/>
-          <a:stretch>
-            <a:fillRect/>
-          </a:stretch>
-        </p:blipFill>
-        <p:spPr>
-          <a:xfrm>
-            <a:off x="7696200" y="6400802"/>
-            <a:ext cx="933450" cy="180975"/>
-          </a:xfrm>
-          <a:prstGeom prst="rect">
-            <a:avLst/>
-          </a:prstGeom>
-          <a:noFill/>
-          <a:ln w="9525">
-            <a:noFill/>
-          </a:ln>
-        </p:spPr>
-      </p:pic>
-      <p:sp>
-        <p:nvSpPr>
-          <p:cNvPr id="8197" name="TextBox 6"/>
-          <p:cNvSpPr txBox="1"/>
-          <p:nvPr/>
-        </p:nvSpPr>
-        <p:spPr>
-          <a:xfrm>
-            <a:off x="8077200" y="6248402"/>
-            <a:ext cx="685800" cy="461963"/>
-          </a:xfrm>
-          <a:prstGeom prst="rect">
-            <a:avLst/>
-          </a:prstGeom>
-          <a:noFill/>
-          <a:ln w="9525">
-            <a:noFill/>
-          </a:ln>
-        </p:spPr>
-        <p:txBody>
-          <a:bodyPr>
-            <a:spAutoFit/>
-          </a:bodyPr>
-          <a:lstStyle/>
-          <a:p>
-            <a:fld id="{9A0DB2DC-4C9A-4742-B13C-FB6460FD3503}" type="slidenum">
-              <a:rPr lang="zh-CN" altLang="en-US" sz="2400" b="1" dirty="0">
-                <a:solidFill>
-                  <a:srgbClr val="254061"/>
-                </a:solidFill>
-                <a:latin typeface="HY헤드라인M" pitchFamily="2" charset="-127"/>
-                <a:ea typeface="HY헤드라인M" pitchFamily="2" charset="-127"/>
-              </a:rPr>
-              <a:pPr/>
-              <a:t>30</a:t>
-            </a:fld>
-            <a:endParaRPr lang="zh-CN" altLang="en-US" sz="2400" b="1" dirty="0">
-              <a:solidFill>
-                <a:srgbClr val="254061"/>
-              </a:solidFill>
-              <a:latin typeface="HY헤드라인M" pitchFamily="2" charset="-127"/>
-              <a:ea typeface="HY헤드라인M" pitchFamily="2" charset="-127"/>
-            </a:endParaRPr>
-          </a:p>
-        </p:txBody>
-      </p:sp>
-    </p:spTree>
-    <p:extLst>
-      <p:ext uri="{BB962C8B-B14F-4D97-AF65-F5344CB8AC3E}">
-        <p14:creationId xmlns:p14="http://schemas.microsoft.com/office/powerpoint/2010/main" val="3230265130"/>
-      </p:ext>
-    </p:extLst>
-  </p:cSld>
-  <p:clrMapOvr>
-    <a:masterClrMapping/>
-  </p:clrMapOvr>
-  <p:transition spd="slow" advTm="0"/>
-</p:sld>
-</file>
-
-<file path=ppt/slides/slide31.xml><?xml version="1.0" encoding="utf-8"?>
-<p:sld xmlns:a="http://schemas.openxmlformats.org/drawingml/2006/main" xmlns:r="http://schemas.openxmlformats.org/officeDocument/2006/relationships" xmlns:p="http://schemas.openxmlformats.org/presentationml/2006/main">
-  <p:cSld>
-    <p:spTree>
-      <p:nvGrpSpPr>
-        <p:cNvPr id="1" name=""/>
-        <p:cNvGrpSpPr/>
-        <p:nvPr/>
-      </p:nvGrpSpPr>
-      <p:grpSpPr>
-        <a:xfrm>
-          <a:off x="0" y="0"/>
-          <a:ext cx="0" cy="0"/>
-          <a:chOff x="0" y="0"/>
-          <a:chExt cx="0" cy="0"/>
-        </a:xfrm>
-      </p:grpSpPr>
-      <p:sp>
-        <p:nvSpPr>
-          <p:cNvPr id="8194" name="标题 1"/>
-          <p:cNvSpPr>
-            <a:spLocks noGrp="1"/>
-          </p:cNvSpPr>
-          <p:nvPr>
-            <p:ph type="title" idx="4294967295"/>
-          </p:nvPr>
-        </p:nvSpPr>
-        <p:spPr>
-          <a:xfrm>
-            <a:off x="611188" y="152400"/>
-            <a:ext cx="7770812" cy="603250"/>
-          </a:xfrm>
-        </p:spPr>
-        <p:txBody>
-          <a:bodyPr vert="horz" wrap="square" anchor="b"/>
-          <a:lstStyle/>
-          <a:p>
-            <a:r>
-              <a:rPr lang="en-US" altLang="zh-CN" sz="2800" b="1" dirty="0">
-                <a:effectLst>
-                  <a:outerShdw blurRad="38100" dist="38100" dir="2700000">
-                    <a:srgbClr val="C0C0C0"/>
-                  </a:outerShdw>
-                </a:effectLst>
-              </a:rPr>
-              <a:t>4</a:t>
-            </a:r>
-            <a:r>
-              <a:rPr lang="zh-CN" altLang="en-US" sz="2800" b="1" dirty="0">
-                <a:effectLst>
-                  <a:outerShdw blurRad="38100" dist="38100" dir="2700000">
-                    <a:srgbClr val="C0C0C0"/>
-                  </a:outerShdw>
-                </a:effectLst>
-              </a:rPr>
-              <a:t>、结论</a:t>
-            </a:r>
-          </a:p>
-        </p:txBody>
-      </p:sp>
-      <p:sp>
-        <p:nvSpPr>
-          <p:cNvPr id="8195" name="内容占位符 2"/>
-          <p:cNvSpPr>
-            <a:spLocks noGrp="1"/>
-          </p:cNvSpPr>
-          <p:nvPr>
-            <p:ph idx="4294967295"/>
-          </p:nvPr>
-        </p:nvSpPr>
-        <p:spPr>
-          <a:xfrm>
-            <a:off x="483814" y="1219258"/>
-            <a:ext cx="8381886" cy="4800474"/>
-          </a:xfrm>
-        </p:spPr>
-        <p:txBody>
-          <a:bodyPr vert="horz" wrap="square" anchor="t"/>
-          <a:lstStyle/>
-          <a:p>
-            <a:pPr marL="0" indent="457200">
-              <a:lnSpc>
-                <a:spcPct val="150000"/>
-              </a:lnSpc>
-              <a:buNone/>
-            </a:pPr>
-            <a:r>
-              <a:rPr lang="zh-CN" altLang="en-US" dirty="0"/>
-              <a:t>为了进行评估，本文提出了一个新的常识知识库补全任务。尽管本文的模型被设计为在无监督的环境下工作，但我们通过创建弱监督数据集来研究弱监督的影响，并表明即使是少量的弱监督也会显著提高模型性能。</a:t>
-            </a:r>
-            <a:endParaRPr lang="en-US" altLang="zh-CN" dirty="0"/>
-          </a:p>
-          <a:p>
-            <a:pPr marL="0" indent="457200">
-              <a:lnSpc>
-                <a:spcPct val="150000"/>
-              </a:lnSpc>
-              <a:buNone/>
-            </a:pPr>
-            <a:r>
-              <a:rPr lang="zh-CN" altLang="en-US" dirty="0"/>
-              <a:t>当前的工作是朝着知识库构建</a:t>
-            </a:r>
-            <a:r>
-              <a:rPr lang="en-US" altLang="zh-CN" dirty="0"/>
-              <a:t>/</a:t>
-            </a:r>
-            <a:r>
-              <a:rPr lang="zh-CN" altLang="en-US"/>
-              <a:t>补全和</a:t>
-            </a:r>
-            <a:r>
-              <a:rPr lang="zh-CN" altLang="en-US" dirty="0"/>
-              <a:t>从知识库生成人类可读文本的总体目标迈出的一步。未来的工作可以集中在扩展从知识库中的图形生成整个文本段落的能力，以及将大部分文本转换成连贯的图形结构。</a:t>
-            </a:r>
-            <a:endParaRPr lang="en-US" altLang="zh-CN" dirty="0"/>
-          </a:p>
-          <a:p>
-            <a:pPr marL="0" indent="457200">
-              <a:lnSpc>
-                <a:spcPct val="150000"/>
-              </a:lnSpc>
-              <a:buNone/>
-            </a:pPr>
-            <a:endParaRPr lang="zh-CN" altLang="en-US" dirty="0"/>
-          </a:p>
-        </p:txBody>
-      </p:sp>
-      <p:pic>
-        <p:nvPicPr>
-          <p:cNvPr id="8196" name="图片 3" descr="bb.jpg"/>
-          <p:cNvPicPr>
-            <a:picLocks noChangeAspect="1"/>
-          </p:cNvPicPr>
-          <p:nvPr/>
-        </p:nvPicPr>
-        <p:blipFill>
-          <a:blip r:embed="rId3"/>
-          <a:stretch>
-            <a:fillRect/>
-          </a:stretch>
-        </p:blipFill>
-        <p:spPr>
-          <a:xfrm>
-            <a:off x="7696200" y="6400802"/>
-            <a:ext cx="933450" cy="180975"/>
-          </a:xfrm>
-          <a:prstGeom prst="rect">
-            <a:avLst/>
-          </a:prstGeom>
-          <a:noFill/>
-          <a:ln w="9525">
-            <a:noFill/>
-          </a:ln>
-        </p:spPr>
-      </p:pic>
-      <p:sp>
-        <p:nvSpPr>
-          <p:cNvPr id="8197" name="TextBox 6"/>
-          <p:cNvSpPr txBox="1"/>
-          <p:nvPr/>
-        </p:nvSpPr>
-        <p:spPr>
-          <a:xfrm>
-            <a:off x="8077200" y="6248402"/>
-            <a:ext cx="685800" cy="461963"/>
-          </a:xfrm>
-          <a:prstGeom prst="rect">
-            <a:avLst/>
-          </a:prstGeom>
-          <a:noFill/>
-          <a:ln w="9525">
-            <a:noFill/>
-          </a:ln>
-        </p:spPr>
-        <p:txBody>
-          <a:bodyPr>
-            <a:spAutoFit/>
-          </a:bodyPr>
-          <a:lstStyle/>
-          <a:p>
-            <a:fld id="{9A0DB2DC-4C9A-4742-B13C-FB6460FD3503}" type="slidenum">
-              <a:rPr lang="zh-CN" altLang="en-US" sz="2400" b="1" dirty="0">
-                <a:solidFill>
-                  <a:srgbClr val="254061"/>
-                </a:solidFill>
-                <a:latin typeface="HY헤드라인M" pitchFamily="2" charset="-127"/>
-                <a:ea typeface="HY헤드라인M" pitchFamily="2" charset="-127"/>
-              </a:rPr>
-              <a:pPr/>
-              <a:t>31</a:t>
             </a:fld>
             <a:endParaRPr lang="zh-CN" altLang="en-US" sz="2400" b="1" dirty="0">
               <a:solidFill>
@@ -26556,7 +23161,7 @@
 </p:sld>
 </file>
 
-<file path=ppt/slides/slide32.xml><?xml version="1.0" encoding="utf-8"?>
+<file path=ppt/slides/slide25.xml><?xml version="1.0" encoding="utf-8"?>
 <p:sld xmlns:a="http://schemas.openxmlformats.org/drawingml/2006/main" xmlns:r="http://schemas.openxmlformats.org/officeDocument/2006/relationships" xmlns:p="http://schemas.openxmlformats.org/presentationml/2006/main">
   <p:cSld>
     <p:spTree>
@@ -26672,7 +23277,7 @@
                 <a:latin typeface="HY헤드라인M" pitchFamily="2" charset="-127"/>
                 <a:ea typeface="HY헤드라인M" pitchFamily="2" charset="-127"/>
               </a:rPr>
-              <a:t>32</a:t>
+              <a:t>25</a:t>
             </a:fld>
             <a:endParaRPr lang="zh-CN" altLang="en-US" sz="2400" b="1" dirty="0">
               <a:solidFill>
@@ -27025,6 +23630,324 @@
 </p:sld>
 </file>
 
+<file path=ppt/slides/slide3.xml><?xml version="1.0" encoding="utf-8"?>
+<p:sld xmlns:a="http://schemas.openxmlformats.org/drawingml/2006/main" xmlns:r="http://schemas.openxmlformats.org/officeDocument/2006/relationships" xmlns:p="http://schemas.openxmlformats.org/presentationml/2006/main">
+  <p:cSld>
+    <p:spTree>
+      <p:nvGrpSpPr>
+        <p:cNvPr id="1" name=""/>
+        <p:cNvGrpSpPr/>
+        <p:nvPr/>
+      </p:nvGrpSpPr>
+      <p:grpSpPr>
+        <a:xfrm>
+          <a:off x="0" y="0"/>
+          <a:ext cx="0" cy="0"/>
+          <a:chOff x="0" y="0"/>
+          <a:chExt cx="0" cy="0"/>
+        </a:xfrm>
+      </p:grpSpPr>
+      <p:sp>
+        <p:nvSpPr>
+          <p:cNvPr id="8194" name="标题 1"/>
+          <p:cNvSpPr>
+            <a:spLocks noGrp="1"/>
+          </p:cNvSpPr>
+          <p:nvPr>
+            <p:ph type="title"/>
+          </p:nvPr>
+        </p:nvSpPr>
+        <p:spPr>
+          <a:xfrm>
+            <a:off x="611188" y="152400"/>
+            <a:ext cx="7770812" cy="603250"/>
+          </a:xfrm>
+        </p:spPr>
+        <p:txBody>
+          <a:bodyPr vert="horz" wrap="square" anchor="b"/>
+          <a:lstStyle/>
+          <a:p>
+            <a:r>
+              <a:rPr lang="zh-CN" altLang="en-US" sz="2800" b="1" dirty="0">
+                <a:effectLst>
+                  <a:outerShdw blurRad="38100" dist="38100" dir="2700000">
+                    <a:srgbClr val="C0C0C0"/>
+                  </a:outerShdw>
+                </a:effectLst>
+              </a:rPr>
+              <a:t>大纲</a:t>
+            </a:r>
+          </a:p>
+        </p:txBody>
+      </p:sp>
+      <p:sp>
+        <p:nvSpPr>
+          <p:cNvPr id="8195" name="内容占位符 2"/>
+          <p:cNvSpPr>
+            <a:spLocks noGrp="1"/>
+          </p:cNvSpPr>
+          <p:nvPr>
+            <p:ph idx="1"/>
+          </p:nvPr>
+        </p:nvSpPr>
+        <p:spPr>
+          <a:xfrm>
+            <a:off x="533400" y="1295400"/>
+            <a:ext cx="8001000" cy="4878388"/>
+          </a:xfrm>
+        </p:spPr>
+        <p:txBody>
+          <a:bodyPr vert="horz" wrap="square" anchor="t"/>
+          <a:lstStyle/>
+          <a:p>
+            <a:pPr algn="l">
+              <a:buFont typeface="Wingdings" panose="05000000000000000000" pitchFamily="2" charset="2"/>
+              <a:buNone/>
+            </a:pPr>
+            <a:r>
+              <a:rPr lang="en-US" altLang="zh-CN" sz="2800" b="1" dirty="0">
+                <a:solidFill>
+                  <a:schemeClr val="accent1"/>
+                </a:solidFill>
+                <a:effectLst>
+                  <a:outerShdw blurRad="38100" dist="25400" dir="5400000" algn="ctr" rotWithShape="0">
+                    <a:srgbClr val="6E747A">
+                      <a:alpha val="43000"/>
+                    </a:srgbClr>
+                  </a:outerShdw>
+                </a:effectLst>
+                <a:sym typeface="+mn-ea"/>
+              </a:rPr>
+              <a:t>  </a:t>
+            </a:r>
+            <a:r>
+              <a:rPr lang="zh-CN" altLang="en-US" sz="2800" b="1" dirty="0">
+                <a:effectLst>
+                  <a:outerShdw blurRad="38100" dist="38100" dir="2700000">
+                    <a:srgbClr val="C0C0C0"/>
+                  </a:outerShdw>
+                </a:effectLst>
+                <a:sym typeface="+mn-ea"/>
+              </a:rPr>
+              <a:t>1、简介</a:t>
+            </a:r>
+            <a:endParaRPr lang="en-US" altLang="zh-CN" sz="2800" b="1" dirty="0">
+              <a:effectLst>
+                <a:outerShdw blurRad="38100" dist="38100" dir="2700000">
+                  <a:srgbClr val="C0C0C0"/>
+                </a:outerShdw>
+              </a:effectLst>
+              <a:sym typeface="+mn-ea"/>
+            </a:endParaRPr>
+          </a:p>
+          <a:p>
+            <a:pPr algn="l">
+              <a:buFont typeface="Wingdings" panose="05000000000000000000" pitchFamily="2" charset="2"/>
+              <a:buNone/>
+            </a:pPr>
+            <a:r>
+              <a:rPr lang="en-US" altLang="zh-CN" sz="2800" b="1" dirty="0">
+                <a:solidFill>
+                  <a:schemeClr val="accent1"/>
+                </a:solidFill>
+                <a:effectLst>
+                  <a:outerShdw blurRad="38100" dist="25400" dir="5400000" algn="ctr" rotWithShape="0">
+                    <a:srgbClr val="6E747A">
+                      <a:alpha val="43000"/>
+                    </a:srgbClr>
+                  </a:outerShdw>
+                </a:effectLst>
+                <a:sym typeface="+mn-ea"/>
+              </a:rPr>
+              <a:t>  </a:t>
+            </a:r>
+            <a:r>
+              <a:rPr lang="zh-CN" altLang="en-US" sz="2800" b="1" dirty="0">
+                <a:effectLst>
+                  <a:outerShdw blurRad="38100" dist="38100" dir="2700000">
+                    <a:srgbClr val="C0C0C0"/>
+                  </a:outerShdw>
+                </a:effectLst>
+                <a:sym typeface="+mn-ea"/>
+              </a:rPr>
+              <a:t>2、模型</a:t>
+            </a:r>
+            <a:endParaRPr lang="en-US" altLang="zh-CN" sz="2800" b="1" dirty="0">
+              <a:effectLst>
+                <a:outerShdw blurRad="38100" dist="38100" dir="2700000">
+                  <a:srgbClr val="C0C0C0"/>
+                </a:outerShdw>
+              </a:effectLst>
+              <a:sym typeface="+mn-ea"/>
+            </a:endParaRPr>
+          </a:p>
+          <a:p>
+            <a:pPr>
+              <a:buNone/>
+            </a:pPr>
+            <a:r>
+              <a:rPr lang="zh-CN" altLang="en-US" sz="2800" b="1" dirty="0">
+                <a:effectLst>
+                  <a:outerShdw blurRad="38100" dist="38100" dir="2700000">
+                    <a:srgbClr val="C0C0C0"/>
+                  </a:outerShdw>
+                </a:effectLst>
+                <a:sym typeface="+mn-ea"/>
+              </a:rPr>
+              <a:t>  </a:t>
+            </a:r>
+            <a:r>
+              <a:rPr lang="en-US" altLang="zh-CN" sz="2800" b="1" dirty="0">
+                <a:effectLst>
+                  <a:outerShdw blurRad="38100" dist="38100" dir="2700000">
+                    <a:srgbClr val="C0C0C0"/>
+                  </a:outerShdw>
+                </a:effectLst>
+                <a:sym typeface="+mn-ea"/>
+              </a:rPr>
+              <a:t>3</a:t>
+            </a:r>
+            <a:r>
+              <a:rPr lang="zh-CN" altLang="en-US" sz="2800" b="1" dirty="0">
+                <a:effectLst>
+                  <a:outerShdw blurRad="38100" dist="38100" dir="2700000">
+                    <a:srgbClr val="C0C0C0"/>
+                  </a:outerShdw>
+                </a:effectLst>
+                <a:sym typeface="+mn-ea"/>
+              </a:rPr>
+              <a:t>、实验</a:t>
+            </a:r>
+            <a:endParaRPr lang="en-US" altLang="zh-CN" sz="2800" b="1" dirty="0">
+              <a:effectLst>
+                <a:outerShdw blurRad="38100" dist="38100" dir="2700000">
+                  <a:srgbClr val="C0C0C0"/>
+                </a:outerShdw>
+              </a:effectLst>
+              <a:sym typeface="+mn-ea"/>
+            </a:endParaRPr>
+          </a:p>
+          <a:p>
+            <a:pPr>
+              <a:buNone/>
+            </a:pPr>
+            <a:r>
+              <a:rPr lang="en-US" altLang="zh-CN" sz="2800" b="1" dirty="0">
+                <a:effectLst>
+                  <a:outerShdw blurRad="38100" dist="38100" dir="2700000">
+                    <a:srgbClr val="C0C0C0"/>
+                  </a:outerShdw>
+                </a:effectLst>
+                <a:sym typeface="+mn-ea"/>
+              </a:rPr>
+              <a:t>  4</a:t>
+            </a:r>
+            <a:r>
+              <a:rPr lang="zh-CN" altLang="en-US" sz="2800" b="1" dirty="0">
+                <a:effectLst>
+                  <a:outerShdw blurRad="38100" dist="38100" dir="2700000">
+                    <a:srgbClr val="C0C0C0"/>
+                  </a:outerShdw>
+                </a:effectLst>
+                <a:sym typeface="+mn-ea"/>
+              </a:rPr>
+              <a:t>、结论</a:t>
+            </a:r>
+            <a:endParaRPr lang="zh-CN" altLang="en-US" sz="100" dirty="0"/>
+          </a:p>
+          <a:p>
+            <a:endParaRPr lang="zh-CN" altLang="en-US" sz="100" dirty="0"/>
+          </a:p>
+          <a:p>
+            <a:pPr>
+              <a:buNone/>
+            </a:pPr>
+            <a:endParaRPr lang="zh-CN" altLang="en-US" sz="100" dirty="0"/>
+          </a:p>
+        </p:txBody>
+      </p:sp>
+      <p:pic>
+        <p:nvPicPr>
+          <p:cNvPr id="8196" name="图片 3" descr="bb.jpg"/>
+          <p:cNvPicPr>
+            <a:picLocks noChangeAspect="1"/>
+          </p:cNvPicPr>
+          <p:nvPr/>
+        </p:nvPicPr>
+        <p:blipFill>
+          <a:blip r:embed="rId3"/>
+          <a:stretch>
+            <a:fillRect/>
+          </a:stretch>
+        </p:blipFill>
+        <p:spPr>
+          <a:xfrm>
+            <a:off x="7696200" y="6400802"/>
+            <a:ext cx="933450" cy="180975"/>
+          </a:xfrm>
+          <a:prstGeom prst="rect">
+            <a:avLst/>
+          </a:prstGeom>
+          <a:noFill/>
+          <a:ln w="9525">
+            <a:noFill/>
+          </a:ln>
+        </p:spPr>
+      </p:pic>
+      <p:sp>
+        <p:nvSpPr>
+          <p:cNvPr id="8197" name="TextBox 6"/>
+          <p:cNvSpPr txBox="1"/>
+          <p:nvPr/>
+        </p:nvSpPr>
+        <p:spPr>
+          <a:xfrm>
+            <a:off x="8077200" y="6248402"/>
+            <a:ext cx="685800" cy="461963"/>
+          </a:xfrm>
+          <a:prstGeom prst="rect">
+            <a:avLst/>
+          </a:prstGeom>
+          <a:noFill/>
+          <a:ln w="9525">
+            <a:noFill/>
+          </a:ln>
+        </p:spPr>
+        <p:txBody>
+          <a:bodyPr>
+            <a:spAutoFit/>
+          </a:bodyPr>
+          <a:lstStyle/>
+          <a:p>
+            <a:fld id="{9A0DB2DC-4C9A-4742-B13C-FB6460FD3503}" type="slidenum">
+              <a:rPr lang="zh-CN" altLang="en-US" sz="2400" b="1" dirty="0">
+                <a:solidFill>
+                  <a:srgbClr val="254061"/>
+                </a:solidFill>
+                <a:latin typeface="HY헤드라인M" pitchFamily="2" charset="-127"/>
+                <a:ea typeface="HY헤드라인M" pitchFamily="2" charset="-127"/>
+              </a:rPr>
+              <a:t>3</a:t>
+            </a:fld>
+            <a:endParaRPr lang="zh-CN" altLang="en-US" sz="2400" b="1" dirty="0">
+              <a:solidFill>
+                <a:srgbClr val="254061"/>
+              </a:solidFill>
+              <a:latin typeface="HY헤드라인M" pitchFamily="2" charset="-127"/>
+              <a:ea typeface="HY헤드라인M" pitchFamily="2" charset="-127"/>
+            </a:endParaRPr>
+          </a:p>
+        </p:txBody>
+      </p:sp>
+    </p:spTree>
+  </p:cSld>
+  <p:clrMapOvr>
+    <a:masterClrMapping/>
+  </p:clrMapOvr>
+  <p:transition spd="slow" advTm="0"/>
+</p:sld>
+</file>
+
 <file path=ppt/slides/slide4.xml><?xml version="1.0" encoding="utf-8"?>
 <p:sld xmlns:a="http://schemas.openxmlformats.org/drawingml/2006/main" xmlns:r="http://schemas.openxmlformats.org/officeDocument/2006/relationships" xmlns:p="http://schemas.openxmlformats.org/presentationml/2006/main">
   <p:cSld>
@@ -28460,8 +25383,8 @@
           </a:p>
         </p:txBody>
       </p:sp>
-      <mc:AlternateContent xmlns:mc="http://schemas.openxmlformats.org/markup-compatibility/2006">
-        <mc:Choice xmlns:a14="http://schemas.microsoft.com/office/drawing/2010/main" Requires="a14">
+      <mc:AlternateContent xmlns:mc="http://schemas.openxmlformats.org/markup-compatibility/2006" xmlns:a14="http://schemas.microsoft.com/office/drawing/2010/main">
+        <mc:Choice Requires="a14">
           <p:sp>
             <p:nvSpPr>
               <p:cNvPr id="8195" name="内容占位符 2"/>
@@ -28492,11 +25415,15 @@
                 <a14:m>
                   <m:oMath xmlns:m="http://schemas.openxmlformats.org/officeDocument/2006/math">
                     <m:r>
-                      <a:rPr lang="en-US" altLang="zh-CN"/>
+                      <a:rPr lang="en-US" altLang="zh-CN">
+                        <a:latin typeface="Cambria Math" panose="02040503050406030204" pitchFamily="18" charset="0"/>
+                      </a:rPr>
                       <m:t>𝑒</m:t>
                     </m:r>
                     <m:r>
-                      <a:rPr lang="en-US" altLang="zh-CN"/>
+                      <a:rPr lang="en-US" altLang="zh-CN">
+                        <a:latin typeface="Cambria Math" panose="02040503050406030204" pitchFamily="18" charset="0"/>
+                      </a:rPr>
                       <m:t>,</m:t>
                     </m:r>
                   </m:oMath>
@@ -28508,23 +25435,31 @@
                 <a14:m>
                   <m:oMath xmlns:m="http://schemas.openxmlformats.org/officeDocument/2006/math">
                     <m:r>
-                      <a:rPr lang="en-US" altLang="zh-CN" dirty="0"/>
+                      <a:rPr lang="en-US" altLang="zh-CN" dirty="0">
+                        <a:latin typeface="Cambria Math" panose="02040503050406030204" pitchFamily="18" charset="0"/>
+                      </a:rPr>
                       <m:t>𝑟</m:t>
                     </m:r>
                     <m:r>
-                      <a:rPr lang="en-US" altLang="zh-CN" dirty="0"/>
+                      <a:rPr lang="en-US" altLang="zh-CN" dirty="0">
+                        <a:latin typeface="Cambria Math" panose="02040503050406030204" pitchFamily="18" charset="0"/>
+                      </a:rPr>
                       <m:t>, </m:t>
                     </m:r>
                     <m:acc>
                       <m:accPr>
                         <m:chr m:val="̃"/>
                         <m:ctrlPr>
-                          <a:rPr lang="en-US" altLang="zh-CN" dirty="0"/>
+                          <a:rPr lang="en-US" altLang="zh-CN" i="1" dirty="0">
+                            <a:latin typeface="Cambria Math" panose="02040503050406030204" pitchFamily="18" charset="0"/>
+                          </a:rPr>
                         </m:ctrlPr>
                       </m:accPr>
                       <m:e>
                         <m:r>
-                          <a:rPr lang="en-US" altLang="zh-CN" dirty="0"/>
+                          <a:rPr lang="en-US" altLang="zh-CN" dirty="0">
+                            <a:latin typeface="Cambria Math" panose="02040503050406030204" pitchFamily="18" charset="0"/>
+                          </a:rPr>
                           <m:t>𝑒</m:t>
                         </m:r>
                       </m:e>
@@ -28540,43 +25475,59 @@
                     <m:sSub>
                       <m:sSubPr>
                         <m:ctrlPr>
-                          <a:rPr lang="en-US" altLang="zh-CN"/>
+                          <a:rPr lang="en-US" altLang="zh-CN" i="1">
+                            <a:latin typeface="Cambria Math" panose="02040503050406030204" pitchFamily="18" charset="0"/>
+                          </a:rPr>
                         </m:ctrlPr>
                       </m:sSubPr>
                       <m:e>
                         <m:r>
-                          <a:rPr lang="en-US" altLang="zh-CN"/>
+                          <a:rPr lang="en-US" altLang="zh-CN">
+                            <a:latin typeface="Cambria Math" panose="02040503050406030204" pitchFamily="18" charset="0"/>
+                          </a:rPr>
                           <m:t>𝑡</m:t>
                         </m:r>
                       </m:e>
                       <m:sub>
                         <m:r>
-                          <a:rPr lang="en-US" altLang="zh-CN"/>
+                          <a:rPr lang="en-US" altLang="zh-CN">
+                            <a:latin typeface="Cambria Math" panose="02040503050406030204" pitchFamily="18" charset="0"/>
+                          </a:rPr>
                           <m:t>𝑒</m:t>
                         </m:r>
                       </m:sub>
                     </m:sSub>
                     <m:r>
-                      <a:rPr lang="en-US" altLang="zh-CN"/>
+                      <a:rPr lang="en-US" altLang="zh-CN">
+                        <a:latin typeface="Cambria Math" panose="02040503050406030204" pitchFamily="18" charset="0"/>
+                      </a:rPr>
                       <m:t>,</m:t>
                     </m:r>
                     <m:r>
-                      <a:rPr lang="en-US" altLang="zh-CN"/>
+                      <a:rPr lang="en-US" altLang="zh-CN">
+                        <a:latin typeface="Cambria Math" panose="02040503050406030204" pitchFamily="18" charset="0"/>
+                      </a:rPr>
                       <m:t>𝑟</m:t>
                     </m:r>
                     <m:r>
-                      <a:rPr lang="en-US" altLang="zh-CN"/>
+                      <a:rPr lang="en-US" altLang="zh-CN">
+                        <a:latin typeface="Cambria Math" panose="02040503050406030204" pitchFamily="18" charset="0"/>
+                      </a:rPr>
                       <m:t>,</m:t>
                     </m:r>
                     <m:sSub>
                       <m:sSubPr>
                         <m:ctrlPr>
-                          <a:rPr lang="en-US" altLang="zh-CN"/>
+                          <a:rPr lang="en-US" altLang="zh-CN" i="1">
+                            <a:latin typeface="Cambria Math" panose="02040503050406030204" pitchFamily="18" charset="0"/>
+                          </a:rPr>
                         </m:ctrlPr>
                       </m:sSubPr>
                       <m:e>
                         <m:r>
-                          <a:rPr lang="en-US" altLang="zh-CN"/>
+                          <a:rPr lang="en-US" altLang="zh-CN">
+                            <a:latin typeface="Cambria Math" panose="02040503050406030204" pitchFamily="18" charset="0"/>
+                          </a:rPr>
                           <m:t>𝑡</m:t>
                         </m:r>
                       </m:e>
@@ -28585,12 +25536,16 @@
                           <m:accPr>
                             <m:chr m:val="̃"/>
                             <m:ctrlPr>
-                              <a:rPr lang="en-US" altLang="zh-CN"/>
+                              <a:rPr lang="en-US" altLang="zh-CN" i="1">
+                                <a:latin typeface="Cambria Math" panose="02040503050406030204" pitchFamily="18" charset="0"/>
+                              </a:rPr>
                             </m:ctrlPr>
                           </m:accPr>
                           <m:e>
                             <m:r>
-                              <a:rPr lang="en-US" altLang="zh-CN"/>
+                              <a:rPr lang="en-US" altLang="zh-CN">
+                                <a:latin typeface="Cambria Math" panose="02040503050406030204" pitchFamily="18" charset="0"/>
+                              </a:rPr>
                               <m:t>𝑒</m:t>
                             </m:r>
                           </m:e>
@@ -28645,7 +25600,7 @@
             </p:txBody>
           </p:sp>
         </mc:Choice>
-        <mc:Fallback>
+        <mc:Fallback xmlns="">
           <p:sp>
             <p:nvSpPr>
               <p:cNvPr id="8195" name="内容占位符 2"/>

--- a/实验室/ConnectE/ConnectE.pptx
+++ b/实验室/ConnectE/ConnectE.pptx
@@ -1271,6 +1271,33 @@
           <a:lstStyle/>
           <a:p>
             <a:r>
+              <a:rPr lang="en-US" altLang="zh-CN" dirty="0" err="1"/>
+              <a:t>Argmin</a:t>
+            </a:r>
+            <a:r>
+              <a:rPr lang="zh-CN" altLang="en-US" dirty="0"/>
+              <a:t>即</a:t>
+            </a:r>
+            <a:r>
+              <a:rPr lang="en-US" altLang="zh-CN" dirty="0"/>
+              <a:t>Se2t</a:t>
+            </a:r>
+            <a:r>
+              <a:rPr lang="zh-CN" altLang="en-US" dirty="0"/>
+              <a:t>达到最小值时</a:t>
+            </a:r>
+            <a:r>
+              <a:rPr lang="en-US" altLang="zh-CN" dirty="0"/>
+              <a:t>t</a:t>
+            </a:r>
+            <a:r>
+              <a:rPr lang="zh-CN" altLang="en-US" dirty="0"/>
+              <a:t>的取值</a:t>
+            </a:r>
+            <a:endParaRPr lang="en-US" altLang="zh-CN" dirty="0"/>
+          </a:p>
+          <a:p>
+            <a:r>
               <a:rPr lang="zh-CN" altLang="en-US" dirty="0"/>
               <a:t>比如说：</a:t>
             </a:r>
@@ -3375,7 +3402,39 @@
             </a:endParaRPr>
           </a:p>
           <a:p>
-            <a:endParaRPr lang="en-US" altLang="zh-CN" b="0" dirty="0"/>
+            <a:r>
+              <a:rPr lang="en-US" altLang="zh-CN" sz="1200" u="none" kern="1200" baseline="0" dirty="0">
+                <a:solidFill>
+                  <a:schemeClr val="tx1"/>
+                </a:solidFill>
+                <a:effectLst/>
+                <a:latin typeface="Malgun Gothic" panose="020B0503020000020004" pitchFamily="2" charset="-127"/>
+                <a:ea typeface="Malgun Gothic" panose="020B0503020000020004" pitchFamily="2" charset="-127"/>
+              </a:rPr>
+              <a:t>PR</a:t>
+            </a:r>
+            <a:r>
+              <a:rPr lang="zh-CN" altLang="en-US" sz="1200" u="none" kern="1200" baseline="0" dirty="0">
+                <a:solidFill>
+                  <a:schemeClr val="tx1"/>
+                </a:solidFill>
+                <a:effectLst/>
+                <a:latin typeface="Malgun Gothic" panose="020B0503020000020004" pitchFamily="2" charset="-127"/>
+                <a:ea typeface="Malgun Gothic" panose="020B0503020000020004" pitchFamily="2" charset="-127"/>
+              </a:rPr>
+              <a:t>曲线</a:t>
+            </a:r>
+            <a:r>
+              <a:rPr lang="en-US" altLang="zh-CN" sz="1200" u="none" kern="1200" baseline="0" dirty="0">
+                <a:solidFill>
+                  <a:schemeClr val="tx1"/>
+                </a:solidFill>
+                <a:effectLst/>
+                <a:latin typeface="Malgun Gothic" panose="020B0503020000020004" pitchFamily="2" charset="-127"/>
+                <a:ea typeface="Malgun Gothic" panose="020B0503020000020004" pitchFamily="2" charset="-127"/>
+              </a:rPr>
+              <a:t>(https://blog.csdn.net/guzhao9901/article/details/107961184)</a:t>
+            </a:r>
           </a:p>
         </p:txBody>
       </p:sp>
@@ -5022,10 +5081,6 @@
           <a:bodyPr/>
           <a:lstStyle/>
           <a:p>
-            <a:r>
-              <a:rPr lang="zh-CN" altLang="en-US" sz="1200" dirty="0"/>
-              <a:t>先介绍一下本文中的符号</a:t>
-            </a:r>
             <a:endParaRPr lang="en-US" altLang="zh-CN" dirty="0"/>
           </a:p>
         </p:txBody>
@@ -16334,8 +16389,8 @@
           </a:p>
         </p:txBody>
       </p:sp>
-      <mc:AlternateContent xmlns:mc="http://schemas.openxmlformats.org/markup-compatibility/2006" xmlns:a14="http://schemas.microsoft.com/office/drawing/2010/main">
-        <mc:Choice Requires="a14">
+      <mc:AlternateContent xmlns:mc="http://schemas.openxmlformats.org/markup-compatibility/2006">
+        <mc:Choice xmlns:a14="http://schemas.microsoft.com/office/drawing/2010/main" Requires="a14">
           <p:sp>
             <p:nvSpPr>
               <p:cNvPr id="7" name="内容占位符 2">
@@ -16764,21 +16819,8 @@
                 </a:r>
                 <a:r>
                   <a:rPr lang="en-US" altLang="zh-CN" dirty="0"/>
-                  <a:t>					</a:t>
+                  <a:t>				</a:t>
                 </a:r>
-                <a:r>
-                  <a:rPr lang="zh-CN" altLang="en-US" dirty="0"/>
-                  <a:t>是实体</a:t>
-                </a:r>
-                <a:r>
-                  <a:rPr lang="en-US" altLang="zh-CN" dirty="0"/>
-                  <a:t>e</a:t>
-                </a:r>
-                <a:r>
-                  <a:rPr lang="zh-CN" altLang="en-US" dirty="0"/>
-                  <a:t>的嵌入</a:t>
-                </a:r>
-                <a:endParaRPr lang="en-US" altLang="zh-CN" dirty="0"/>
               </a:p>
               <a:p>
                 <a:pPr marL="0" indent="0">
@@ -16887,7 +16929,7 @@
             </p:txBody>
           </p:sp>
         </mc:Choice>
-        <mc:Fallback xmlns="">
+        <mc:Fallback>
           <p:sp>
             <p:nvSpPr>
               <p:cNvPr id="7" name="内容占位符 2">
@@ -16949,16 +16991,15 @@
           </p:cNvPicPr>
           <p:nvPr/>
         </p:nvPicPr>
-        <p:blipFill>
+        <p:blipFill rotWithShape="1">
           <a:blip r:embed="rId5"/>
-          <a:stretch>
-            <a:fillRect/>
-          </a:stretch>
+          <a:srcRect t="-1" r="28574" b="-3236"/>
+          <a:stretch/>
         </p:blipFill>
         <p:spPr>
           <a:xfrm>
             <a:off x="2362574" y="3809990"/>
-            <a:ext cx="3200000" cy="295238"/>
+            <a:ext cx="2285624" cy="304792"/>
           </a:xfrm>
           <a:prstGeom prst="rect">
             <a:avLst/>
@@ -17544,8 +17585,12 @@
               <a:buNone/>
             </a:pPr>
             <a:r>
+              <a:rPr lang="zh-CN" altLang="en-US" dirty="0"/>
+              <a:t>给定</a:t>
+            </a:r>
+            <a:r>
               <a:rPr lang="en-US" altLang="zh-CN" dirty="0"/>
-              <a:t>E2T</a:t>
+              <a:t>(e, t) E2T</a:t>
             </a:r>
             <a:r>
               <a:rPr lang="zh-CN" altLang="en-US" dirty="0"/>
@@ -17637,7 +17682,7 @@
         </p:blipFill>
         <p:spPr>
           <a:xfrm>
-            <a:off x="2672000" y="3848191"/>
+            <a:off x="3667524" y="3886241"/>
             <a:ext cx="3800000" cy="533333"/>
           </a:xfrm>
           <a:prstGeom prst="rect">
@@ -18635,8 +18680,8 @@
           </a:p>
         </p:txBody>
       </p:sp>
-      <mc:AlternateContent xmlns:mc="http://schemas.openxmlformats.org/markup-compatibility/2006" xmlns:a14="http://schemas.microsoft.com/office/drawing/2010/main">
-        <mc:Choice Requires="a14">
+      <mc:AlternateContent xmlns:mc="http://schemas.openxmlformats.org/markup-compatibility/2006">
+        <mc:Choice xmlns:a14="http://schemas.microsoft.com/office/drawing/2010/main" Requires="a14">
           <p:sp>
             <p:nvSpPr>
               <p:cNvPr id="10" name="内容占位符 2"/>
@@ -18647,7 +18692,7 @@
             </p:nvSpPr>
             <p:spPr>
               <a:xfrm>
-                <a:off x="523875" y="1216086"/>
+                <a:off x="523875" y="1066862"/>
                 <a:ext cx="8096250" cy="4903728"/>
               </a:xfrm>
               <a:prstGeom prst="rect">
@@ -19108,12 +19153,15 @@
                 <a:pPr marL="0" indent="0">
                   <a:buNone/>
                 </a:pPr>
-                <a:endParaRPr lang="zh-CN" altLang="en-US" dirty="0"/>
+                <a:r>
+                  <a:rPr lang="zh-CN" altLang="en-US" dirty="0"/>
+                  <a:t> </a:t>
+                </a:r>
               </a:p>
             </p:txBody>
           </p:sp>
         </mc:Choice>
-        <mc:Fallback xmlns="">
+        <mc:Fallback>
           <p:sp>
             <p:nvSpPr>
               <p:cNvPr id="10" name="内容占位符 2"/>
@@ -19124,7 +19172,7 @@
             </p:nvSpPr>
             <p:spPr>
               <a:xfrm>
-                <a:off x="523875" y="1216086"/>
+                <a:off x="523875" y="1066862"/>
                 <a:ext cx="8096250" cy="4903728"/>
               </a:xfrm>
               <a:prstGeom prst="rect">
@@ -19133,7 +19181,7 @@
               <a:blipFill>
                 <a:blip r:embed="rId4"/>
                 <a:stretch>
-                  <a:fillRect l="-979" t="-870" r="-527"/>
+                  <a:fillRect l="-979" t="-995" r="-527"/>
                 </a:stretch>
               </a:blipFill>
               <a:ln w="9525">
@@ -19177,7 +19225,7 @@
         </p:blipFill>
         <p:spPr>
           <a:xfrm>
-            <a:off x="3048040" y="2133634"/>
+            <a:off x="3048040" y="1981238"/>
             <a:ext cx="917502" cy="323824"/>
           </a:xfrm>
           <a:prstGeom prst="rect">
@@ -19207,7 +19255,7 @@
         </p:blipFill>
         <p:spPr>
           <a:xfrm>
-            <a:off x="6489707" y="2133634"/>
+            <a:off x="6489707" y="1981238"/>
             <a:ext cx="1000000" cy="304762"/>
           </a:xfrm>
           <a:prstGeom prst="rect">
@@ -19237,7 +19285,7 @@
         </p:blipFill>
         <p:spPr>
           <a:xfrm>
-            <a:off x="3933905" y="3048010"/>
+            <a:off x="3933905" y="2895614"/>
             <a:ext cx="1276190" cy="266667"/>
           </a:xfrm>
           <a:prstGeom prst="rect">
@@ -19267,7 +19315,7 @@
         </p:blipFill>
         <p:spPr>
           <a:xfrm>
-            <a:off x="2457842" y="3917261"/>
+            <a:off x="2457842" y="3809990"/>
             <a:ext cx="3409524" cy="342857"/>
           </a:xfrm>
           <a:prstGeom prst="rect">
@@ -19296,7 +19344,7 @@
         </p:blipFill>
         <p:spPr>
           <a:xfrm>
-            <a:off x="5984945" y="3936308"/>
+            <a:off x="5984945" y="3809990"/>
             <a:ext cx="1504762" cy="304762"/>
           </a:xfrm>
           <a:prstGeom prst="rect">
@@ -19326,7 +19374,7 @@
         </p:blipFill>
         <p:spPr>
           <a:xfrm>
-            <a:off x="2397075" y="4797031"/>
+            <a:off x="2397075" y="4648168"/>
             <a:ext cx="3775083" cy="2164261"/>
           </a:xfrm>
           <a:prstGeom prst="rect">
@@ -22226,6 +22274,80 @@
               <a:rPr lang="zh-CN" altLang="en-US" sz="1800" dirty="0"/>
               <a:t>实体类型分类</a:t>
             </a:r>
+            <a:endParaRPr lang="en-US" altLang="zh-CN" sz="1800" dirty="0"/>
+          </a:p>
+          <a:p>
+            <a:pPr>
+              <a:lnSpc>
+                <a:spcPct val="150000"/>
+              </a:lnSpc>
+            </a:pPr>
+            <a:endParaRPr lang="en-US" altLang="zh-CN" sz="1800" dirty="0"/>
+          </a:p>
+          <a:p>
+            <a:pPr>
+              <a:lnSpc>
+                <a:spcPct val="150000"/>
+              </a:lnSpc>
+            </a:pPr>
+            <a:endParaRPr lang="en-US" altLang="zh-CN" sz="1800" dirty="0"/>
+          </a:p>
+          <a:p>
+            <a:pPr>
+              <a:lnSpc>
+                <a:spcPct val="150000"/>
+              </a:lnSpc>
+            </a:pPr>
+            <a:endParaRPr lang="en-US" altLang="zh-CN" sz="1800" dirty="0"/>
+          </a:p>
+          <a:p>
+            <a:pPr>
+              <a:lnSpc>
+                <a:spcPct val="150000"/>
+              </a:lnSpc>
+            </a:pPr>
+            <a:endParaRPr lang="en-US" altLang="zh-CN" sz="1800" dirty="0"/>
+          </a:p>
+          <a:p>
+            <a:pPr>
+              <a:lnSpc>
+                <a:spcPct val="150000"/>
+              </a:lnSpc>
+            </a:pPr>
+            <a:endParaRPr lang="en-US" altLang="zh-CN" sz="1800" dirty="0"/>
+          </a:p>
+          <a:p>
+            <a:pPr>
+              <a:lnSpc>
+                <a:spcPct val="150000"/>
+              </a:lnSpc>
+            </a:pPr>
+            <a:endParaRPr lang="en-US" altLang="zh-CN" sz="1800" dirty="0"/>
+          </a:p>
+          <a:p>
+            <a:pPr>
+              <a:lnSpc>
+                <a:spcPct val="150000"/>
+              </a:lnSpc>
+            </a:pPr>
+            <a:endParaRPr lang="en-US" altLang="zh-CN" sz="1800" dirty="0"/>
+          </a:p>
+          <a:p>
+            <a:pPr>
+              <a:lnSpc>
+                <a:spcPct val="150000"/>
+              </a:lnSpc>
+            </a:pPr>
+            <a:endParaRPr lang="en-US" altLang="zh-CN" sz="1800" dirty="0"/>
+          </a:p>
+          <a:p>
+            <a:pPr marL="0" indent="0">
+              <a:lnSpc>
+                <a:spcPct val="150000"/>
+              </a:lnSpc>
+              <a:buNone/>
+            </a:pPr>
+            <a:endParaRPr lang="zh-CN" altLang="en-US" sz="1800" dirty="0"/>
           </a:p>
         </p:txBody>
       </p:sp>
@@ -22370,7 +22492,7 @@
         </p:blipFill>
         <p:spPr>
           <a:xfrm>
-            <a:off x="5629" y="1900506"/>
+            <a:off x="5629" y="1524050"/>
             <a:ext cx="9144000" cy="3285582"/>
           </a:xfrm>
           <a:prstGeom prst="rect">
@@ -22378,6 +22500,404 @@
           </a:prstGeom>
         </p:spPr>
       </p:pic>
+      <mc:AlternateContent xmlns:mc="http://schemas.openxmlformats.org/markup-compatibility/2006">
+        <mc:Choice xmlns:a14="http://schemas.microsoft.com/office/drawing/2010/main" Requires="a14">
+          <p:sp>
+            <p:nvSpPr>
+              <p:cNvPr id="2" name="文本框 1">
+                <a:extLst>
+                  <a:ext uri="{FF2B5EF4-FFF2-40B4-BE49-F238E27FC236}">
+                    <a16:creationId xmlns:a16="http://schemas.microsoft.com/office/drawing/2014/main" id="{9497CD18-D202-47D1-8922-B62DE0F2EB3E}"/>
+                  </a:ext>
+                </a:extLst>
+              </p:cNvPr>
+              <p:cNvSpPr txBox="1"/>
+              <p:nvPr/>
+            </p:nvSpPr>
+            <p:spPr>
+              <a:xfrm>
+                <a:off x="1501591" y="4991021"/>
+                <a:ext cx="1492716" cy="615490"/>
+              </a:xfrm>
+              <a:prstGeom prst="rect">
+                <a:avLst/>
+              </a:prstGeom>
+              <a:noFill/>
+            </p:spPr>
+            <p:txBody>
+              <a:bodyPr wrap="none" rtlCol="0">
+                <a:spAutoFit/>
+              </a:bodyPr>
+              <a:lstStyle/>
+              <a:p>
+                <a14:m>
+                  <m:oMathPara xmlns:m="http://schemas.openxmlformats.org/officeDocument/2006/math">
+                    <m:oMathParaPr>
+                      <m:jc m:val="centerGroup"/>
+                    </m:oMathParaPr>
+                    <m:oMath xmlns:m="http://schemas.openxmlformats.org/officeDocument/2006/math">
+                      <m:r>
+                        <m:rPr>
+                          <m:sty m:val="p"/>
+                        </m:rPr>
+                        <a:rPr lang="en-US" altLang="zh-CN" i="1" smtClean="0">
+                          <a:latin typeface="Cambria Math" panose="02040503050406030204" pitchFamily="18" charset="0"/>
+                        </a:rPr>
+                        <m:t>P</m:t>
+                      </m:r>
+                      <m:r>
+                        <a:rPr lang="en-US" altLang="zh-CN" i="1" smtClean="0">
+                          <a:latin typeface="Cambria Math" panose="02040503050406030204" pitchFamily="18" charset="0"/>
+                        </a:rPr>
+                        <m:t>=</m:t>
+                      </m:r>
+                      <m:f>
+                        <m:fPr>
+                          <m:ctrlPr>
+                            <a:rPr lang="en-US" altLang="zh-CN" i="1" smtClean="0">
+                              <a:latin typeface="Cambria Math" panose="02040503050406030204" pitchFamily="18" charset="0"/>
+                            </a:rPr>
+                          </m:ctrlPr>
+                        </m:fPr>
+                        <m:num>
+                          <m:r>
+                            <m:rPr>
+                              <m:sty m:val="p"/>
+                            </m:rPr>
+                            <a:rPr lang="en-US" altLang="zh-CN" i="1">
+                              <a:latin typeface="Cambria Math" panose="02040503050406030204" pitchFamily="18" charset="0"/>
+                            </a:rPr>
+                            <m:t>TP</m:t>
+                          </m:r>
+                        </m:num>
+                        <m:den>
+                          <m:r>
+                            <m:rPr>
+                              <m:sty m:val="p"/>
+                            </m:rPr>
+                            <a:rPr lang="en-US" altLang="zh-CN" i="1">
+                              <a:latin typeface="Cambria Math" panose="02040503050406030204" pitchFamily="18" charset="0"/>
+                            </a:rPr>
+                            <m:t>TP</m:t>
+                          </m:r>
+                          <m:r>
+                            <a:rPr lang="en-US" altLang="zh-CN" b="0" i="1" smtClean="0">
+                              <a:latin typeface="Cambria Math" panose="02040503050406030204" pitchFamily="18" charset="0"/>
+                            </a:rPr>
+                            <m:t>+</m:t>
+                          </m:r>
+                          <m:r>
+                            <m:rPr>
+                              <m:sty m:val="p"/>
+                            </m:rPr>
+                            <a:rPr lang="en-US" altLang="zh-CN" i="1">
+                              <a:latin typeface="Cambria Math" panose="02040503050406030204" pitchFamily="18" charset="0"/>
+                            </a:rPr>
+                            <m:t>FP</m:t>
+                          </m:r>
+                        </m:den>
+                      </m:f>
+                    </m:oMath>
+                  </m:oMathPara>
+                </a14:m>
+                <a:endParaRPr lang="zh-CN" altLang="en-US" dirty="0"/>
+              </a:p>
+            </p:txBody>
+          </p:sp>
+        </mc:Choice>
+        <mc:Fallback>
+          <p:sp>
+            <p:nvSpPr>
+              <p:cNvPr id="2" name="文本框 1">
+                <a:extLst>
+                  <a:ext uri="{FF2B5EF4-FFF2-40B4-BE49-F238E27FC236}">
+                    <a16:creationId xmlns:a16="http://schemas.microsoft.com/office/drawing/2014/main" id="{9497CD18-D202-47D1-8922-B62DE0F2EB3E}"/>
+                  </a:ext>
+                </a:extLst>
+              </p:cNvPr>
+              <p:cNvSpPr txBox="1">
+                <a:spLocks noRot="1" noChangeAspect="1" noMove="1" noResize="1" noEditPoints="1" noAdjustHandles="1" noChangeArrowheads="1" noChangeShapeType="1" noTextEdit="1"/>
+              </p:cNvSpPr>
+              <p:nvPr/>
+            </p:nvSpPr>
+            <p:spPr>
+              <a:xfrm>
+                <a:off x="1501591" y="4991021"/>
+                <a:ext cx="1492716" cy="615490"/>
+              </a:xfrm>
+              <a:prstGeom prst="rect">
+                <a:avLst/>
+              </a:prstGeom>
+              <a:blipFill>
+                <a:blip r:embed="rId5"/>
+                <a:stretch>
+                  <a:fillRect/>
+                </a:stretch>
+              </a:blipFill>
+            </p:spPr>
+            <p:txBody>
+              <a:bodyPr/>
+              <a:lstStyle/>
+              <a:p>
+                <a:r>
+                  <a:rPr lang="zh-CN" altLang="en-US">
+                    <a:noFill/>
+                  </a:rPr>
+                  <a:t> </a:t>
+                </a:r>
+              </a:p>
+            </p:txBody>
+          </p:sp>
+        </mc:Fallback>
+      </mc:AlternateContent>
+      <mc:AlternateContent xmlns:mc="http://schemas.openxmlformats.org/markup-compatibility/2006">
+        <mc:Choice xmlns:a14="http://schemas.microsoft.com/office/drawing/2010/main" Requires="a14">
+          <p:sp>
+            <p:nvSpPr>
+              <p:cNvPr id="9" name="文本框 8">
+                <a:extLst>
+                  <a:ext uri="{FF2B5EF4-FFF2-40B4-BE49-F238E27FC236}">
+                    <a16:creationId xmlns:a16="http://schemas.microsoft.com/office/drawing/2014/main" id="{5515006A-7E08-4411-B6D1-953BECBD7B9E}"/>
+                  </a:ext>
+                </a:extLst>
+              </p:cNvPr>
+              <p:cNvSpPr txBox="1"/>
+              <p:nvPr/>
+            </p:nvSpPr>
+            <p:spPr>
+              <a:xfrm>
+                <a:off x="1501591" y="5556638"/>
+                <a:ext cx="1546449" cy="615490"/>
+              </a:xfrm>
+              <a:prstGeom prst="rect">
+                <a:avLst/>
+              </a:prstGeom>
+              <a:noFill/>
+            </p:spPr>
+            <p:txBody>
+              <a:bodyPr wrap="none" rtlCol="0">
+                <a:spAutoFit/>
+              </a:bodyPr>
+              <a:lstStyle/>
+              <a:p>
+                <a14:m>
+                  <m:oMathPara xmlns:m="http://schemas.openxmlformats.org/officeDocument/2006/math">
+                    <m:oMathParaPr>
+                      <m:jc m:val="centerGroup"/>
+                    </m:oMathParaPr>
+                    <m:oMath xmlns:m="http://schemas.openxmlformats.org/officeDocument/2006/math">
+                      <m:r>
+                        <m:rPr>
+                          <m:sty m:val="p"/>
+                        </m:rPr>
+                        <a:rPr lang="en-US" altLang="zh-CN" i="1" smtClean="0">
+                          <a:latin typeface="Cambria Math" panose="02040503050406030204" pitchFamily="18" charset="0"/>
+                        </a:rPr>
+                        <m:t>R</m:t>
+                      </m:r>
+                      <m:r>
+                        <a:rPr lang="en-US" altLang="zh-CN" i="1" smtClean="0">
+                          <a:latin typeface="Cambria Math" panose="02040503050406030204" pitchFamily="18" charset="0"/>
+                        </a:rPr>
+                        <m:t>=</m:t>
+                      </m:r>
+                      <m:f>
+                        <m:fPr>
+                          <m:ctrlPr>
+                            <a:rPr lang="en-US" altLang="zh-CN" i="1" smtClean="0">
+                              <a:latin typeface="Cambria Math" panose="02040503050406030204" pitchFamily="18" charset="0"/>
+                            </a:rPr>
+                          </m:ctrlPr>
+                        </m:fPr>
+                        <m:num>
+                          <m:r>
+                            <m:rPr>
+                              <m:sty m:val="p"/>
+                            </m:rPr>
+                            <a:rPr lang="en-US" altLang="zh-CN" i="1">
+                              <a:latin typeface="Cambria Math" panose="02040503050406030204" pitchFamily="18" charset="0"/>
+                            </a:rPr>
+                            <m:t>TP</m:t>
+                          </m:r>
+                        </m:num>
+                        <m:den>
+                          <m:r>
+                            <m:rPr>
+                              <m:sty m:val="p"/>
+                            </m:rPr>
+                            <a:rPr lang="en-US" altLang="zh-CN" i="1">
+                              <a:latin typeface="Cambria Math" panose="02040503050406030204" pitchFamily="18" charset="0"/>
+                            </a:rPr>
+                            <m:t>TP</m:t>
+                          </m:r>
+                          <m:r>
+                            <a:rPr lang="en-US" altLang="zh-CN" b="0" i="1" smtClean="0">
+                              <a:latin typeface="Cambria Math" panose="02040503050406030204" pitchFamily="18" charset="0"/>
+                            </a:rPr>
+                            <m:t>+</m:t>
+                          </m:r>
+                          <m:r>
+                            <m:rPr>
+                              <m:sty m:val="p"/>
+                            </m:rPr>
+                            <a:rPr lang="en-US" altLang="zh-CN" i="1">
+                              <a:latin typeface="Cambria Math" panose="02040503050406030204" pitchFamily="18" charset="0"/>
+                            </a:rPr>
+                            <m:t>F</m:t>
+                          </m:r>
+                          <m:r>
+                            <a:rPr lang="en-US" altLang="zh-CN" b="0" i="1" smtClean="0">
+                              <a:latin typeface="Cambria Math" panose="02040503050406030204" pitchFamily="18" charset="0"/>
+                            </a:rPr>
+                            <m:t>𝑁</m:t>
+                          </m:r>
+                        </m:den>
+                      </m:f>
+                    </m:oMath>
+                  </m:oMathPara>
+                </a14:m>
+                <a:endParaRPr lang="zh-CN" altLang="en-US" dirty="0"/>
+              </a:p>
+            </p:txBody>
+          </p:sp>
+        </mc:Choice>
+        <mc:Fallback>
+          <p:sp>
+            <p:nvSpPr>
+              <p:cNvPr id="9" name="文本框 8">
+                <a:extLst>
+                  <a:ext uri="{FF2B5EF4-FFF2-40B4-BE49-F238E27FC236}">
+                    <a16:creationId xmlns:a16="http://schemas.microsoft.com/office/drawing/2014/main" id="{5515006A-7E08-4411-B6D1-953BECBD7B9E}"/>
+                  </a:ext>
+                </a:extLst>
+              </p:cNvPr>
+              <p:cNvSpPr txBox="1">
+                <a:spLocks noRot="1" noChangeAspect="1" noMove="1" noResize="1" noEditPoints="1" noAdjustHandles="1" noChangeArrowheads="1" noChangeShapeType="1" noTextEdit="1"/>
+              </p:cNvSpPr>
+              <p:nvPr/>
+            </p:nvSpPr>
+            <p:spPr>
+              <a:xfrm>
+                <a:off x="1501591" y="5556638"/>
+                <a:ext cx="1546449" cy="615490"/>
+              </a:xfrm>
+              <a:prstGeom prst="rect">
+                <a:avLst/>
+              </a:prstGeom>
+              <a:blipFill>
+                <a:blip r:embed="rId6"/>
+                <a:stretch>
+                  <a:fillRect/>
+                </a:stretch>
+              </a:blipFill>
+            </p:spPr>
+            <p:txBody>
+              <a:bodyPr/>
+              <a:lstStyle/>
+              <a:p>
+                <a:r>
+                  <a:rPr lang="zh-CN" altLang="en-US">
+                    <a:noFill/>
+                  </a:rPr>
+                  <a:t> </a:t>
+                </a:r>
+              </a:p>
+            </p:txBody>
+          </p:sp>
+        </mc:Fallback>
+      </mc:AlternateContent>
+      <p:sp>
+        <p:nvSpPr>
+          <p:cNvPr id="5" name="文本框 4">
+            <a:extLst>
+              <a:ext uri="{FF2B5EF4-FFF2-40B4-BE49-F238E27FC236}">
+                <a16:creationId xmlns:a16="http://schemas.microsoft.com/office/drawing/2014/main" id="{88F7D0AF-03D8-45C7-9698-F0E31967EAB2}"/>
+              </a:ext>
+            </a:extLst>
+          </p:cNvPr>
+          <p:cNvSpPr txBox="1"/>
+          <p:nvPr/>
+        </p:nvSpPr>
+        <p:spPr>
+          <a:xfrm>
+            <a:off x="3048040" y="5069952"/>
+            <a:ext cx="2561920" cy="1200329"/>
+          </a:xfrm>
+          <a:prstGeom prst="rect">
+            <a:avLst/>
+          </a:prstGeom>
+          <a:noFill/>
+        </p:spPr>
+        <p:txBody>
+          <a:bodyPr wrap="none" rtlCol="0">
+            <a:spAutoFit/>
+          </a:bodyPr>
+          <a:lstStyle/>
+          <a:p>
+            <a:r>
+              <a:rPr lang="en-US" altLang="zh-CN" dirty="0">
+                <a:latin typeface="黑体" panose="02010609060101010101" pitchFamily="49" charset="-122"/>
+                <a:ea typeface="黑体" panose="02010609060101010101" pitchFamily="49" charset="-122"/>
+              </a:rPr>
+              <a:t>TP</a:t>
+            </a:r>
+            <a:r>
+              <a:rPr lang="zh-CN" altLang="en-US" dirty="0">
+                <a:latin typeface="黑体" panose="02010609060101010101" pitchFamily="49" charset="-122"/>
+                <a:ea typeface="黑体" panose="02010609060101010101" pitchFamily="49" charset="-122"/>
+              </a:rPr>
+              <a:t>是把正类预测成正类</a:t>
+            </a:r>
+            <a:endParaRPr lang="en-US" altLang="zh-CN" dirty="0">
+              <a:latin typeface="黑体" panose="02010609060101010101" pitchFamily="49" charset="-122"/>
+              <a:ea typeface="黑体" panose="02010609060101010101" pitchFamily="49" charset="-122"/>
+            </a:endParaRPr>
+          </a:p>
+          <a:p>
+            <a:r>
+              <a:rPr lang="en-US" altLang="zh-CN" dirty="0">
+                <a:latin typeface="黑体" panose="02010609060101010101" pitchFamily="49" charset="-122"/>
+                <a:ea typeface="黑体" panose="02010609060101010101" pitchFamily="49" charset="-122"/>
+              </a:rPr>
+              <a:t>FP</a:t>
+            </a:r>
+            <a:r>
+              <a:rPr lang="zh-CN" altLang="en-US" dirty="0">
+                <a:latin typeface="黑体" panose="02010609060101010101" pitchFamily="49" charset="-122"/>
+                <a:ea typeface="黑体" panose="02010609060101010101" pitchFamily="49" charset="-122"/>
+              </a:rPr>
+              <a:t>是把负类预测成负类</a:t>
+            </a:r>
+            <a:endParaRPr lang="en-US" altLang="zh-CN" dirty="0">
+              <a:latin typeface="黑体" panose="02010609060101010101" pitchFamily="49" charset="-122"/>
+              <a:ea typeface="黑体" panose="02010609060101010101" pitchFamily="49" charset="-122"/>
+            </a:endParaRPr>
+          </a:p>
+          <a:p>
+            <a:r>
+              <a:rPr lang="en-US" altLang="zh-CN" dirty="0">
+                <a:latin typeface="黑体" panose="02010609060101010101" pitchFamily="49" charset="-122"/>
+                <a:ea typeface="黑体" panose="02010609060101010101" pitchFamily="49" charset="-122"/>
+              </a:rPr>
+              <a:t>FN</a:t>
+            </a:r>
+            <a:r>
+              <a:rPr lang="zh-CN" altLang="en-US" dirty="0">
+                <a:latin typeface="黑体" panose="02010609060101010101" pitchFamily="49" charset="-122"/>
+                <a:ea typeface="黑体" panose="02010609060101010101" pitchFamily="49" charset="-122"/>
+              </a:rPr>
+              <a:t>是把正类预测成负类</a:t>
+            </a:r>
+            <a:endParaRPr lang="en-US" altLang="zh-CN" dirty="0">
+              <a:latin typeface="黑体" panose="02010609060101010101" pitchFamily="49" charset="-122"/>
+              <a:ea typeface="黑体" panose="02010609060101010101" pitchFamily="49" charset="-122"/>
+            </a:endParaRPr>
+          </a:p>
+          <a:p>
+            <a:endParaRPr lang="zh-CN" altLang="en-US" dirty="0"/>
+          </a:p>
+        </p:txBody>
+      </p:sp>
     </p:spTree>
     <p:extLst>
       <p:ext uri="{BB962C8B-B14F-4D97-AF65-F5344CB8AC3E}">
